--- a/AI- Content_Moderation_Presentation.pptx
+++ b/AI- Content_Moderation_Presentation.pptx
@@ -1,48 +1,55 @@
 
 <file path=ppt/presentation.xml><?xml version="1.0" encoding="utf-8"?>
-<p:presentation xmlns:a="http://schemas.openxmlformats.org/drawingml/2006/main" xmlns:r="http://schemas.openxmlformats.org/officeDocument/2006/relationships" xmlns:mc="http://schemas.openxmlformats.org/markup-compatibility/2006" xmlns:mv="urn:schemas-microsoft-com:mac:vml" xmlns:p="http://schemas.openxmlformats.org/presentationml/2006/main" xmlns:c="http://schemas.openxmlformats.org/drawingml/2006/chart" xmlns:dgm="http://schemas.openxmlformats.org/drawingml/2006/diagram" xmlns:o="urn:schemas-microsoft-com:office:office" xmlns:v="urn:schemas-microsoft-com:vml" xmlns:pvml="urn:schemas-microsoft-com:office:powerpoint" xmlns:com="http://schemas.openxmlformats.org/drawingml/2006/compatibility" xmlns:p14="http://schemas.microsoft.com/office/powerpoint/2010/main" xmlns:p15="http://schemas.microsoft.com/office/powerpoint/2012/main" xmlns:ahyp="http://schemas.microsoft.com/office/drawing/2018/hyperlinkcolor" autoCompressPictures="0" embedTrueTypeFonts="1" strictFirstAndLastChars="0" saveSubsetFonts="1">
+<p:presentation xmlns:a="http://schemas.openxmlformats.org/drawingml/2006/main" xmlns:r="http://schemas.openxmlformats.org/officeDocument/2006/relationships" xmlns:p="http://schemas.openxmlformats.org/presentationml/2006/main" strictFirstAndLastChars="0" embedTrueTypeFonts="1" saveSubsetFonts="1" autoCompressPictures="0">
   <p:sldMasterIdLst>
-    <p:sldMasterId id="2147483659" r:id="rId4"/>
+    <p:sldMasterId id="2147483659" r:id="rId1"/>
   </p:sldMasterIdLst>
   <p:notesMasterIdLst>
-    <p:notesMasterId r:id="rId5"/>
+    <p:notesMasterId r:id="rId16"/>
   </p:notesMasterIdLst>
   <p:sldIdLst>
-    <p:sldId id="256" r:id="rId6"/>
-    <p:sldId id="257" r:id="rId7"/>
-    <p:sldId id="258" r:id="rId8"/>
-    <p:sldId id="259" r:id="rId9"/>
-    <p:sldId id="260" r:id="rId10"/>
-    <p:sldId id="261" r:id="rId11"/>
-    <p:sldId id="262" r:id="rId12"/>
-    <p:sldId id="263" r:id="rId13"/>
-    <p:sldId id="264" r:id="rId14"/>
-    <p:sldId id="265" r:id="rId15"/>
-    <p:sldId id="266" r:id="rId16"/>
-    <p:sldId id="267" r:id="rId17"/>
-    <p:sldId id="268" r:id="rId18"/>
-    <p:sldId id="269" r:id="rId19"/>
+    <p:sldId id="256" r:id="rId2"/>
+    <p:sldId id="257" r:id="rId3"/>
+    <p:sldId id="258" r:id="rId4"/>
+    <p:sldId id="259" r:id="rId5"/>
+    <p:sldId id="260" r:id="rId6"/>
+    <p:sldId id="261" r:id="rId7"/>
+    <p:sldId id="262" r:id="rId8"/>
+    <p:sldId id="263" r:id="rId9"/>
+    <p:sldId id="264" r:id="rId10"/>
+    <p:sldId id="265" r:id="rId11"/>
+    <p:sldId id="266" r:id="rId12"/>
+    <p:sldId id="267" r:id="rId13"/>
+    <p:sldId id="268" r:id="rId14"/>
+    <p:sldId id="269" r:id="rId15"/>
   </p:sldIdLst>
-  <p:sldSz cy="5143500" cx="9144000"/>
+  <p:sldSz cx="9144000" cy="5143500" type="screen16x9"/>
   <p:notesSz cx="6858000" cy="9144000"/>
   <p:embeddedFontLst>
     <p:embeddedFont>
-      <p:font typeface="Raleway"/>
-      <p:regular r:id="rId20"/>
-      <p:bold r:id="rId21"/>
-      <p:italic r:id="rId22"/>
-      <p:boldItalic r:id="rId23"/>
+      <p:font typeface="Calibri" panose="020F0502020204030204" pitchFamily="34" charset="0"/>
+      <p:regular r:id="rId17"/>
+      <p:bold r:id="rId18"/>
+      <p:italic r:id="rId19"/>
+      <p:boldItalic r:id="rId20"/>
     </p:embeddedFont>
     <p:embeddedFont>
-      <p:font typeface="Lato"/>
-      <p:regular r:id="rId24"/>
-      <p:bold r:id="rId25"/>
-      <p:italic r:id="rId26"/>
-      <p:boldItalic r:id="rId27"/>
+      <p:font typeface="Lato" panose="020F0502020204030203" pitchFamily="34" charset="0"/>
+      <p:regular r:id="rId21"/>
+      <p:bold r:id="rId22"/>
+      <p:italic r:id="rId23"/>
+      <p:boldItalic r:id="rId24"/>
+    </p:embeddedFont>
+    <p:embeddedFont>
+      <p:font typeface="Raleway" pitchFamily="2" charset="77"/>
+      <p:regular r:id="rId25"/>
+      <p:bold r:id="rId26"/>
+      <p:italic r:id="rId27"/>
+      <p:boldItalic r:id="rId28"/>
     </p:embeddedFont>
   </p:embeddedFontLst>
   <p:defaultTextStyle>
-    <a:defPPr lvl="0" marR="0" rtl="0" algn="l">
+    <a:defPPr marR="0" lvl="0" algn="l" rtl="0">
       <a:lnSpc>
         <a:spcPct val="100000"/>
       </a:lnSpc>
@@ -53,7 +60,7 @@
         <a:spcPts val="0"/>
       </a:spcAft>
     </a:defPPr>
-    <a:lvl1pPr lvl="0" marR="0" rtl="0" algn="l">
+    <a:lvl1pPr marR="0" lvl="0" algn="l" rtl="0">
       <a:lnSpc>
         <a:spcPct val="100000"/>
       </a:lnSpc>
@@ -67,7 +74,7 @@
         <a:srgbClr val="000000"/>
       </a:buClr>
       <a:buFont typeface="Arial"/>
-      <a:defRPr b="0" i="0" sz="1400" u="none" cap="none" strike="noStrike">
+      <a:defRPr sz="1400" b="0" i="0" u="none" strike="noStrike" cap="none">
         <a:solidFill>
           <a:srgbClr val="000000"/>
         </a:solidFill>
@@ -77,7 +84,7 @@
         <a:sym typeface="Arial"/>
       </a:defRPr>
     </a:lvl1pPr>
-    <a:lvl2pPr lvl="1" marR="0" rtl="0" algn="l">
+    <a:lvl2pPr marR="0" lvl="1" algn="l" rtl="0">
       <a:lnSpc>
         <a:spcPct val="100000"/>
       </a:lnSpc>
@@ -91,7 +98,7 @@
         <a:srgbClr val="000000"/>
       </a:buClr>
       <a:buFont typeface="Arial"/>
-      <a:defRPr b="0" i="0" sz="1400" u="none" cap="none" strike="noStrike">
+      <a:defRPr sz="1400" b="0" i="0" u="none" strike="noStrike" cap="none">
         <a:solidFill>
           <a:srgbClr val="000000"/>
         </a:solidFill>
@@ -101,7 +108,7 @@
         <a:sym typeface="Arial"/>
       </a:defRPr>
     </a:lvl2pPr>
-    <a:lvl3pPr lvl="2" marR="0" rtl="0" algn="l">
+    <a:lvl3pPr marR="0" lvl="2" algn="l" rtl="0">
       <a:lnSpc>
         <a:spcPct val="100000"/>
       </a:lnSpc>
@@ -115,7 +122,7 @@
         <a:srgbClr val="000000"/>
       </a:buClr>
       <a:buFont typeface="Arial"/>
-      <a:defRPr b="0" i="0" sz="1400" u="none" cap="none" strike="noStrike">
+      <a:defRPr sz="1400" b="0" i="0" u="none" strike="noStrike" cap="none">
         <a:solidFill>
           <a:srgbClr val="000000"/>
         </a:solidFill>
@@ -125,7 +132,7 @@
         <a:sym typeface="Arial"/>
       </a:defRPr>
     </a:lvl3pPr>
-    <a:lvl4pPr lvl="3" marR="0" rtl="0" algn="l">
+    <a:lvl4pPr marR="0" lvl="3" algn="l" rtl="0">
       <a:lnSpc>
         <a:spcPct val="100000"/>
       </a:lnSpc>
@@ -139,7 +146,7 @@
         <a:srgbClr val="000000"/>
       </a:buClr>
       <a:buFont typeface="Arial"/>
-      <a:defRPr b="0" i="0" sz="1400" u="none" cap="none" strike="noStrike">
+      <a:defRPr sz="1400" b="0" i="0" u="none" strike="noStrike" cap="none">
         <a:solidFill>
           <a:srgbClr val="000000"/>
         </a:solidFill>
@@ -149,7 +156,7 @@
         <a:sym typeface="Arial"/>
       </a:defRPr>
     </a:lvl4pPr>
-    <a:lvl5pPr lvl="4" marR="0" rtl="0" algn="l">
+    <a:lvl5pPr marR="0" lvl="4" algn="l" rtl="0">
       <a:lnSpc>
         <a:spcPct val="100000"/>
       </a:lnSpc>
@@ -163,7 +170,7 @@
         <a:srgbClr val="000000"/>
       </a:buClr>
       <a:buFont typeface="Arial"/>
-      <a:defRPr b="0" i="0" sz="1400" u="none" cap="none" strike="noStrike">
+      <a:defRPr sz="1400" b="0" i="0" u="none" strike="noStrike" cap="none">
         <a:solidFill>
           <a:srgbClr val="000000"/>
         </a:solidFill>
@@ -173,7 +180,7 @@
         <a:sym typeface="Arial"/>
       </a:defRPr>
     </a:lvl5pPr>
-    <a:lvl6pPr lvl="5" marR="0" rtl="0" algn="l">
+    <a:lvl6pPr marR="0" lvl="5" algn="l" rtl="0">
       <a:lnSpc>
         <a:spcPct val="100000"/>
       </a:lnSpc>
@@ -187,7 +194,7 @@
         <a:srgbClr val="000000"/>
       </a:buClr>
       <a:buFont typeface="Arial"/>
-      <a:defRPr b="0" i="0" sz="1400" u="none" cap="none" strike="noStrike">
+      <a:defRPr sz="1400" b="0" i="0" u="none" strike="noStrike" cap="none">
         <a:solidFill>
           <a:srgbClr val="000000"/>
         </a:solidFill>
@@ -197,7 +204,7 @@
         <a:sym typeface="Arial"/>
       </a:defRPr>
     </a:lvl6pPr>
-    <a:lvl7pPr lvl="6" marR="0" rtl="0" algn="l">
+    <a:lvl7pPr marR="0" lvl="6" algn="l" rtl="0">
       <a:lnSpc>
         <a:spcPct val="100000"/>
       </a:lnSpc>
@@ -211,7 +218,7 @@
         <a:srgbClr val="000000"/>
       </a:buClr>
       <a:buFont typeface="Arial"/>
-      <a:defRPr b="0" i="0" sz="1400" u="none" cap="none" strike="noStrike">
+      <a:defRPr sz="1400" b="0" i="0" u="none" strike="noStrike" cap="none">
         <a:solidFill>
           <a:srgbClr val="000000"/>
         </a:solidFill>
@@ -221,7 +228,7 @@
         <a:sym typeface="Arial"/>
       </a:defRPr>
     </a:lvl7pPr>
-    <a:lvl8pPr lvl="7" marR="0" rtl="0" algn="l">
+    <a:lvl8pPr marR="0" lvl="7" algn="l" rtl="0">
       <a:lnSpc>
         <a:spcPct val="100000"/>
       </a:lnSpc>
@@ -235,7 +242,7 @@
         <a:srgbClr val="000000"/>
       </a:buClr>
       <a:buFont typeface="Arial"/>
-      <a:defRPr b="0" i="0" sz="1400" u="none" cap="none" strike="noStrike">
+      <a:defRPr sz="1400" b="0" i="0" u="none" strike="noStrike" cap="none">
         <a:solidFill>
           <a:srgbClr val="000000"/>
         </a:solidFill>
@@ -245,7 +252,7 @@
         <a:sym typeface="Arial"/>
       </a:defRPr>
     </a:lvl8pPr>
-    <a:lvl9pPr lvl="8" marR="0" rtl="0" algn="l">
+    <a:lvl9pPr marR="0" lvl="8" algn="l" rtl="0">
       <a:lnSpc>
         <a:spcPct val="100000"/>
       </a:lnSpc>
@@ -259,7 +266,7 @@
         <a:srgbClr val="000000"/>
       </a:buClr>
       <a:buFont typeface="Arial"/>
-      <a:defRPr b="0" i="0" sz="1400" u="none" cap="none" strike="noStrike">
+      <a:defRPr sz="1400" b="0" i="0" u="none" strike="noStrike" cap="none">
         <a:solidFill>
           <a:srgbClr val="000000"/>
         </a:solidFill>
@@ -272,7 +279,7 @@
   </p:defaultTextStyle>
   <p:extLst>
     <p:ext uri="{EFAFB233-063F-42B5-8137-9DF3F51BA10A}">
-      <p15:sldGuideLst>
+      <p15:sldGuideLst xmlns:p15="http://schemas.microsoft.com/office/powerpoint/2012/main">
         <p15:guide id="1" orient="horz" pos="1620">
           <p15:clr>
             <a:srgbClr val="A4A3A4"/>
@@ -290,11 +297,16 @@
 </file>
 
 <file path=ppt/notesMasters/notesMaster1.xml><?xml version="1.0" encoding="utf-8"?>
-<p:notesMaster xmlns:a="http://schemas.openxmlformats.org/drawingml/2006/main" xmlns:r="http://schemas.openxmlformats.org/officeDocument/2006/relationships" xmlns:mc="http://schemas.openxmlformats.org/markup-compatibility/2006" xmlns:mv="urn:schemas-microsoft-com:mac:vml" xmlns:p="http://schemas.openxmlformats.org/presentationml/2006/main" xmlns:c="http://schemas.openxmlformats.org/drawingml/2006/chart" xmlns:dgm="http://schemas.openxmlformats.org/drawingml/2006/diagram" xmlns:o="urn:schemas-microsoft-com:office:office" xmlns:v="urn:schemas-microsoft-com:vml" xmlns:pvml="urn:schemas-microsoft-com:office:powerpoint" xmlns:com="http://schemas.openxmlformats.org/drawingml/2006/compatibility" xmlns:p14="http://schemas.microsoft.com/office/powerpoint/2010/main" xmlns:p15="http://schemas.microsoft.com/office/powerpoint/2012/main" xmlns:ahyp="http://schemas.microsoft.com/office/drawing/2018/hyperlinkcolor">
+<p:notesMaster xmlns:a="http://schemas.openxmlformats.org/drawingml/2006/main" xmlns:r="http://schemas.openxmlformats.org/officeDocument/2006/relationships" xmlns:p="http://schemas.openxmlformats.org/presentationml/2006/main">
   <p:cSld>
+    <p:bg>
+      <p:bgRef idx="1001">
+        <a:schemeClr val="bg1"/>
+      </p:bgRef>
+    </p:bg>
     <p:spTree>
       <p:nvGrpSpPr>
-        <p:cNvPr id="2" name="Shape 2"/>
+        <p:cNvPr id="1" name="Shape 2"/>
         <p:cNvGrpSpPr/>
         <p:nvPr/>
       </p:nvGrpSpPr>
@@ -309,9 +321,11 @@
       <p:sp>
         <p:nvSpPr>
           <p:cNvPr id="3" name="Google Shape;3;n"/>
-          <p:cNvSpPr/>
+          <p:cNvSpPr>
+            <a:spLocks noGrp="1" noRot="1" noChangeAspect="1"/>
+          </p:cNvSpPr>
           <p:nvPr>
-            <p:ph idx="2" type="sldImg"/>
+            <p:ph type="sldImg" idx="2"/>
           </p:nvPr>
         </p:nvSpPr>
         <p:spPr>
@@ -320,9 +334,13 @@
             <a:ext cx="6096075" cy="3429000"/>
           </a:xfrm>
           <a:custGeom>
-            <a:rect b="b" l="l" r="r" t="t"/>
+            <a:avLst/>
+            <a:gdLst/>
+            <a:ahLst/>
+            <a:cxnLst/>
+            <a:rect l="l" t="t" r="r" b="b"/>
             <a:pathLst>
-              <a:path extrusionOk="0" h="120000" w="120000">
+              <a:path w="120000" h="120000" extrusionOk="0">
                 <a:moveTo>
                   <a:pt x="0" y="0"/>
                 </a:moveTo>
@@ -340,23 +358,25 @@
             </a:pathLst>
           </a:custGeom>
           <a:noFill/>
-          <a:ln cap="flat" cmpd="sng" w="9525">
+          <a:ln w="9525" cap="flat" cmpd="sng">
             <a:solidFill>
               <a:srgbClr val="000000"/>
             </a:solidFill>
             <a:prstDash val="solid"/>
             <a:round/>
-            <a:headEnd len="sm" w="sm" type="none"/>
-            <a:tailEnd len="sm" w="sm" type="none"/>
+            <a:headEnd type="none" w="sm" len="sm"/>
+            <a:tailEnd type="none" w="sm" len="sm"/>
           </a:ln>
         </p:spPr>
       </p:sp>
       <p:sp>
         <p:nvSpPr>
           <p:cNvPr id="4" name="Google Shape;4;n"/>
-          <p:cNvSpPr txBox="1"/>
+          <p:cNvSpPr txBox="1">
+            <a:spLocks noGrp="1"/>
+          </p:cNvSpPr>
           <p:nvPr>
-            <p:ph idx="1" type="body"/>
+            <p:ph type="body" idx="1"/>
           </p:nvPr>
         </p:nvSpPr>
         <p:spPr>
@@ -373,11 +393,11 @@
           </a:ln>
         </p:spPr>
         <p:txBody>
-          <a:bodyPr anchorCtr="0" anchor="t" bIns="91425" lIns="91425" spcFirstLastPara="1" rIns="91425" wrap="square" tIns="91425">
+          <a:bodyPr spcFirstLastPara="1" wrap="square" lIns="91425" tIns="91425" rIns="91425" bIns="91425" anchor="t" anchorCtr="0">
             <a:noAutofit/>
           </a:bodyPr>
           <a:lstStyle>
-            <a:lvl1pPr indent="-298450" lvl="0" marL="457200">
+            <a:lvl1pPr marL="457200" lvl="0" indent="-298450">
               <a:spcBef>
                 <a:spcPts val="0"/>
               </a:spcBef>
@@ -388,7 +408,7 @@
               <a:buChar char="●"/>
               <a:defRPr sz="1100"/>
             </a:lvl1pPr>
-            <a:lvl2pPr indent="-298450" lvl="1" marL="914400">
+            <a:lvl2pPr marL="914400" lvl="1" indent="-298450">
               <a:spcBef>
                 <a:spcPts val="0"/>
               </a:spcBef>
@@ -399,7 +419,7 @@
               <a:buChar char="○"/>
               <a:defRPr sz="1100"/>
             </a:lvl2pPr>
-            <a:lvl3pPr indent="-298450" lvl="2" marL="1371600">
+            <a:lvl3pPr marL="1371600" lvl="2" indent="-298450">
               <a:spcBef>
                 <a:spcPts val="0"/>
               </a:spcBef>
@@ -410,7 +430,7 @@
               <a:buChar char="■"/>
               <a:defRPr sz="1100"/>
             </a:lvl3pPr>
-            <a:lvl4pPr indent="-298450" lvl="3" marL="1828800">
+            <a:lvl4pPr marL="1828800" lvl="3" indent="-298450">
               <a:spcBef>
                 <a:spcPts val="0"/>
               </a:spcBef>
@@ -421,7 +441,7 @@
               <a:buChar char="●"/>
               <a:defRPr sz="1100"/>
             </a:lvl4pPr>
-            <a:lvl5pPr indent="-298450" lvl="4" marL="2286000">
+            <a:lvl5pPr marL="2286000" lvl="4" indent="-298450">
               <a:spcBef>
                 <a:spcPts val="0"/>
               </a:spcBef>
@@ -432,7 +452,7 @@
               <a:buChar char="○"/>
               <a:defRPr sz="1100"/>
             </a:lvl5pPr>
-            <a:lvl6pPr indent="-298450" lvl="5" marL="2743200">
+            <a:lvl6pPr marL="2743200" lvl="5" indent="-298450">
               <a:spcBef>
                 <a:spcPts val="0"/>
               </a:spcBef>
@@ -443,7 +463,7 @@
               <a:buChar char="■"/>
               <a:defRPr sz="1100"/>
             </a:lvl6pPr>
-            <a:lvl7pPr indent="-298450" lvl="6" marL="3200400">
+            <a:lvl7pPr marL="3200400" lvl="6" indent="-298450">
               <a:spcBef>
                 <a:spcPts val="0"/>
               </a:spcBef>
@@ -454,7 +474,7 @@
               <a:buChar char="●"/>
               <a:defRPr sz="1100"/>
             </a:lvl7pPr>
-            <a:lvl8pPr indent="-298450" lvl="7" marL="3657600">
+            <a:lvl8pPr marL="3657600" lvl="7" indent="-298450">
               <a:spcBef>
                 <a:spcPts val="0"/>
               </a:spcBef>
@@ -465,7 +485,7 @@
               <a:buChar char="○"/>
               <a:defRPr sz="1100"/>
             </a:lvl8pPr>
-            <a:lvl9pPr indent="-298450" lvl="8" marL="4114800">
+            <a:lvl9pPr marL="4114800" lvl="8" indent="-298450">
               <a:spcBef>
                 <a:spcPts val="0"/>
               </a:spcBef>
@@ -477,14 +497,16 @@
               <a:defRPr sz="1100"/>
             </a:lvl9pPr>
           </a:lstStyle>
-          <a:p/>
+          <a:p>
+            <a:endParaRPr/>
+          </a:p>
         </p:txBody>
       </p:sp>
     </p:spTree>
   </p:cSld>
-  <p:clrMap accent1="accent1" accent2="accent2" accent3="accent3" accent4="accent4" accent5="accent5" accent6="accent6" bg1="lt1" bg2="dk2" tx1="dk1" tx2="lt2" folHlink="folHlink" hlink="hlink"/>
+  <p:clrMap bg1="lt1" tx1="dk1" bg2="dk2" tx2="lt2" accent1="accent1" accent2="accent2" accent3="accent3" accent4="accent4" accent5="accent5" accent6="accent6" hlink="hlink" folHlink="folHlink"/>
   <p:notesStyle>
-    <a:defPPr lvl="0" marR="0" rtl="0" algn="l">
+    <a:defPPr marR="0" lvl="0" algn="l" rtl="0">
       <a:lnSpc>
         <a:spcPct val="100000"/>
       </a:lnSpc>
@@ -495,7 +517,7 @@
         <a:spcPts val="0"/>
       </a:spcAft>
     </a:defPPr>
-    <a:lvl1pPr lvl="0" marR="0" rtl="0" algn="l">
+    <a:lvl1pPr marR="0" lvl="0" algn="l" rtl="0">
       <a:lnSpc>
         <a:spcPct val="100000"/>
       </a:lnSpc>
@@ -509,7 +531,7 @@
         <a:srgbClr val="000000"/>
       </a:buClr>
       <a:buFont typeface="Arial"/>
-      <a:defRPr b="0" i="0" sz="1400" u="none" cap="none" strike="noStrike">
+      <a:defRPr sz="1400" b="0" i="0" u="none" strike="noStrike" cap="none">
         <a:solidFill>
           <a:srgbClr val="000000"/>
         </a:solidFill>
@@ -519,7 +541,7 @@
         <a:sym typeface="Arial"/>
       </a:defRPr>
     </a:lvl1pPr>
-    <a:lvl2pPr lvl="1" marR="0" rtl="0" algn="l">
+    <a:lvl2pPr marR="0" lvl="1" algn="l" rtl="0">
       <a:lnSpc>
         <a:spcPct val="100000"/>
       </a:lnSpc>
@@ -533,7 +555,7 @@
         <a:srgbClr val="000000"/>
       </a:buClr>
       <a:buFont typeface="Arial"/>
-      <a:defRPr b="0" i="0" sz="1400" u="none" cap="none" strike="noStrike">
+      <a:defRPr sz="1400" b="0" i="0" u="none" strike="noStrike" cap="none">
         <a:solidFill>
           <a:srgbClr val="000000"/>
         </a:solidFill>
@@ -543,7 +565,7 @@
         <a:sym typeface="Arial"/>
       </a:defRPr>
     </a:lvl2pPr>
-    <a:lvl3pPr lvl="2" marR="0" rtl="0" algn="l">
+    <a:lvl3pPr marR="0" lvl="2" algn="l" rtl="0">
       <a:lnSpc>
         <a:spcPct val="100000"/>
       </a:lnSpc>
@@ -557,7 +579,7 @@
         <a:srgbClr val="000000"/>
       </a:buClr>
       <a:buFont typeface="Arial"/>
-      <a:defRPr b="0" i="0" sz="1400" u="none" cap="none" strike="noStrike">
+      <a:defRPr sz="1400" b="0" i="0" u="none" strike="noStrike" cap="none">
         <a:solidFill>
           <a:srgbClr val="000000"/>
         </a:solidFill>
@@ -567,7 +589,7 @@
         <a:sym typeface="Arial"/>
       </a:defRPr>
     </a:lvl3pPr>
-    <a:lvl4pPr lvl="3" marR="0" rtl="0" algn="l">
+    <a:lvl4pPr marR="0" lvl="3" algn="l" rtl="0">
       <a:lnSpc>
         <a:spcPct val="100000"/>
       </a:lnSpc>
@@ -581,7 +603,7 @@
         <a:srgbClr val="000000"/>
       </a:buClr>
       <a:buFont typeface="Arial"/>
-      <a:defRPr b="0" i="0" sz="1400" u="none" cap="none" strike="noStrike">
+      <a:defRPr sz="1400" b="0" i="0" u="none" strike="noStrike" cap="none">
         <a:solidFill>
           <a:srgbClr val="000000"/>
         </a:solidFill>
@@ -591,7 +613,7 @@
         <a:sym typeface="Arial"/>
       </a:defRPr>
     </a:lvl4pPr>
-    <a:lvl5pPr lvl="4" marR="0" rtl="0" algn="l">
+    <a:lvl5pPr marR="0" lvl="4" algn="l" rtl="0">
       <a:lnSpc>
         <a:spcPct val="100000"/>
       </a:lnSpc>
@@ -605,7 +627,7 @@
         <a:srgbClr val="000000"/>
       </a:buClr>
       <a:buFont typeface="Arial"/>
-      <a:defRPr b="0" i="0" sz="1400" u="none" cap="none" strike="noStrike">
+      <a:defRPr sz="1400" b="0" i="0" u="none" strike="noStrike" cap="none">
         <a:solidFill>
           <a:srgbClr val="000000"/>
         </a:solidFill>
@@ -615,7 +637,7 @@
         <a:sym typeface="Arial"/>
       </a:defRPr>
     </a:lvl5pPr>
-    <a:lvl6pPr lvl="5" marR="0" rtl="0" algn="l">
+    <a:lvl6pPr marR="0" lvl="5" algn="l" rtl="0">
       <a:lnSpc>
         <a:spcPct val="100000"/>
       </a:lnSpc>
@@ -629,7 +651,7 @@
         <a:srgbClr val="000000"/>
       </a:buClr>
       <a:buFont typeface="Arial"/>
-      <a:defRPr b="0" i="0" sz="1400" u="none" cap="none" strike="noStrike">
+      <a:defRPr sz="1400" b="0" i="0" u="none" strike="noStrike" cap="none">
         <a:solidFill>
           <a:srgbClr val="000000"/>
         </a:solidFill>
@@ -639,7 +661,7 @@
         <a:sym typeface="Arial"/>
       </a:defRPr>
     </a:lvl6pPr>
-    <a:lvl7pPr lvl="6" marR="0" rtl="0" algn="l">
+    <a:lvl7pPr marR="0" lvl="6" algn="l" rtl="0">
       <a:lnSpc>
         <a:spcPct val="100000"/>
       </a:lnSpc>
@@ -653,7 +675,7 @@
         <a:srgbClr val="000000"/>
       </a:buClr>
       <a:buFont typeface="Arial"/>
-      <a:defRPr b="0" i="0" sz="1400" u="none" cap="none" strike="noStrike">
+      <a:defRPr sz="1400" b="0" i="0" u="none" strike="noStrike" cap="none">
         <a:solidFill>
           <a:srgbClr val="000000"/>
         </a:solidFill>
@@ -663,7 +685,7 @@
         <a:sym typeface="Arial"/>
       </a:defRPr>
     </a:lvl7pPr>
-    <a:lvl8pPr lvl="7" marR="0" rtl="0" algn="l">
+    <a:lvl8pPr marR="0" lvl="7" algn="l" rtl="0">
       <a:lnSpc>
         <a:spcPct val="100000"/>
       </a:lnSpc>
@@ -677,7 +699,7 @@
         <a:srgbClr val="000000"/>
       </a:buClr>
       <a:buFont typeface="Arial"/>
-      <a:defRPr b="0" i="0" sz="1400" u="none" cap="none" strike="noStrike">
+      <a:defRPr sz="1400" b="0" i="0" u="none" strike="noStrike" cap="none">
         <a:solidFill>
           <a:srgbClr val="000000"/>
         </a:solidFill>
@@ -687,7 +709,7 @@
         <a:sym typeface="Arial"/>
       </a:defRPr>
     </a:lvl8pPr>
-    <a:lvl9pPr lvl="8" marR="0" rtl="0" algn="l">
+    <a:lvl9pPr marR="0" lvl="8" algn="l" rtl="0">
       <a:lnSpc>
         <a:spcPct val="100000"/>
       </a:lnSpc>
@@ -701,7 +723,7 @@
         <a:srgbClr val="000000"/>
       </a:buClr>
       <a:buFont typeface="Arial"/>
-      <a:defRPr b="0" i="0" sz="1400" u="none" cap="none" strike="noStrike">
+      <a:defRPr sz="1400" b="0" i="0" u="none" strike="noStrike" cap="none">
         <a:solidFill>
           <a:srgbClr val="000000"/>
         </a:solidFill>
@@ -716,11 +738,11 @@
 </file>
 
 <file path=ppt/notesSlides/notesSlide1.xml><?xml version="1.0" encoding="utf-8"?>
-<p:notes xmlns:a="http://schemas.openxmlformats.org/drawingml/2006/main" xmlns:r="http://schemas.openxmlformats.org/officeDocument/2006/relationships" xmlns:mc="http://schemas.openxmlformats.org/markup-compatibility/2006" xmlns:mv="urn:schemas-microsoft-com:mac:vml" xmlns:p="http://schemas.openxmlformats.org/presentationml/2006/main" xmlns:c="http://schemas.openxmlformats.org/drawingml/2006/chart" xmlns:dgm="http://schemas.openxmlformats.org/drawingml/2006/diagram" xmlns:o="urn:schemas-microsoft-com:office:office" xmlns:v="urn:schemas-microsoft-com:vml" xmlns:pvml="urn:schemas-microsoft-com:office:powerpoint" xmlns:com="http://schemas.openxmlformats.org/drawingml/2006/compatibility" xmlns:p14="http://schemas.microsoft.com/office/powerpoint/2010/main" xmlns:p15="http://schemas.microsoft.com/office/powerpoint/2012/main" xmlns:ahyp="http://schemas.microsoft.com/office/drawing/2018/hyperlinkcolor" showMasterPhAnim="0" showMasterSp="0">
+<p:notes xmlns:a="http://schemas.openxmlformats.org/drawingml/2006/main" xmlns:r="http://schemas.openxmlformats.org/officeDocument/2006/relationships" xmlns:p="http://schemas.openxmlformats.org/presentationml/2006/main" showMasterSp="0" showMasterPhAnim="0">
   <p:cSld>
     <p:spTree>
       <p:nvGrpSpPr>
-        <p:cNvPr id="82" name="Shape 82"/>
+        <p:cNvPr id="1" name="Shape 82"/>
         <p:cNvGrpSpPr/>
         <p:nvPr/>
       </p:nvGrpSpPr>
@@ -735,9 +757,11 @@
       <p:sp>
         <p:nvSpPr>
           <p:cNvPr id="83" name="Google Shape;83;g1177a825697_0_77:notes"/>
-          <p:cNvSpPr/>
+          <p:cNvSpPr>
+            <a:spLocks noGrp="1" noRot="1" noChangeAspect="1"/>
+          </p:cNvSpPr>
           <p:nvPr>
-            <p:ph idx="2" type="sldImg"/>
+            <p:ph type="sldImg" idx="2"/>
           </p:nvPr>
         </p:nvSpPr>
         <p:spPr>
@@ -746,9 +770,13 @@
             <a:ext cx="6096000" cy="3429000"/>
           </a:xfrm>
           <a:custGeom>
-            <a:rect b="b" l="l" r="r" t="t"/>
+            <a:avLst/>
+            <a:gdLst/>
+            <a:ahLst/>
+            <a:cxnLst/>
+            <a:rect l="l" t="t" r="r" b="b"/>
             <a:pathLst>
-              <a:path extrusionOk="0" h="120000" w="120000">
+              <a:path w="120000" h="120000" extrusionOk="0">
                 <a:moveTo>
                   <a:pt x="0" y="0"/>
                 </a:moveTo>
@@ -770,9 +798,11 @@
       <p:sp>
         <p:nvSpPr>
           <p:cNvPr id="84" name="Google Shape;84;g1177a825697_0_77:notes"/>
-          <p:cNvSpPr txBox="1"/>
+          <p:cNvSpPr txBox="1">
+            <a:spLocks noGrp="1"/>
+          </p:cNvSpPr>
           <p:nvPr>
-            <p:ph idx="1" type="body"/>
+            <p:ph type="body" idx="1"/>
           </p:nvPr>
         </p:nvSpPr>
         <p:spPr>
@@ -785,12 +815,12 @@
           </a:prstGeom>
         </p:spPr>
         <p:txBody>
-          <a:bodyPr anchorCtr="0" anchor="t" bIns="91425" lIns="91425" spcFirstLastPara="1" rIns="91425" wrap="square" tIns="91425">
+          <a:bodyPr spcFirstLastPara="1" wrap="square" lIns="91425" tIns="91425" rIns="91425" bIns="91425" anchor="t" anchorCtr="0">
             <a:noAutofit/>
           </a:bodyPr>
           <a:lstStyle/>
           <a:p>
-            <a:pPr indent="0" lvl="0" marL="0" rtl="0" algn="l">
+            <a:pPr marL="0" lvl="0" indent="0" algn="l" rtl="0">
               <a:spcBef>
                 <a:spcPts val="0"/>
               </a:spcBef>
@@ -799,9 +829,6 @@
               </a:spcAft>
               <a:buNone/>
             </a:pPr>
-            <a:r>
-              <a:t/>
-            </a:r>
             <a:endParaRPr/>
           </a:p>
         </p:txBody>
@@ -815,11 +842,11 @@
 </file>
 
 <file path=ppt/notesSlides/notesSlide10.xml><?xml version="1.0" encoding="utf-8"?>
-<p:notes xmlns:a="http://schemas.openxmlformats.org/drawingml/2006/main" xmlns:r="http://schemas.openxmlformats.org/officeDocument/2006/relationships" xmlns:mc="http://schemas.openxmlformats.org/markup-compatibility/2006" xmlns:mv="urn:schemas-microsoft-com:mac:vml" xmlns:p="http://schemas.openxmlformats.org/presentationml/2006/main" xmlns:c="http://schemas.openxmlformats.org/drawingml/2006/chart" xmlns:dgm="http://schemas.openxmlformats.org/drawingml/2006/diagram" xmlns:o="urn:schemas-microsoft-com:office:office" xmlns:v="urn:schemas-microsoft-com:vml" xmlns:pvml="urn:schemas-microsoft-com:office:powerpoint" xmlns:com="http://schemas.openxmlformats.org/drawingml/2006/compatibility" xmlns:p14="http://schemas.microsoft.com/office/powerpoint/2010/main" xmlns:p15="http://schemas.microsoft.com/office/powerpoint/2012/main" xmlns:ahyp="http://schemas.microsoft.com/office/drawing/2018/hyperlinkcolor" showMasterPhAnim="0" showMasterSp="0">
+<p:notes xmlns:a="http://schemas.openxmlformats.org/drawingml/2006/main" xmlns:r="http://schemas.openxmlformats.org/officeDocument/2006/relationships" xmlns:p="http://schemas.openxmlformats.org/presentationml/2006/main" showMasterSp="0" showMasterPhAnim="0">
   <p:cSld>
     <p:spTree>
       <p:nvGrpSpPr>
-        <p:cNvPr id="146" name="Shape 146"/>
+        <p:cNvPr id="1" name="Shape 146"/>
         <p:cNvGrpSpPr/>
         <p:nvPr/>
       </p:nvGrpSpPr>
@@ -834,9 +861,11 @@
       <p:sp>
         <p:nvSpPr>
           <p:cNvPr id="147" name="Google Shape;147;g125f2d34cea_0_110:notes"/>
-          <p:cNvSpPr/>
+          <p:cNvSpPr>
+            <a:spLocks noGrp="1" noRot="1" noChangeAspect="1"/>
+          </p:cNvSpPr>
           <p:nvPr>
-            <p:ph idx="2" type="sldImg"/>
+            <p:ph type="sldImg" idx="2"/>
           </p:nvPr>
         </p:nvSpPr>
         <p:spPr>
@@ -845,9 +874,13 @@
             <a:ext cx="6096000" cy="3429000"/>
           </a:xfrm>
           <a:custGeom>
-            <a:rect b="b" l="l" r="r" t="t"/>
+            <a:avLst/>
+            <a:gdLst/>
+            <a:ahLst/>
+            <a:cxnLst/>
+            <a:rect l="l" t="t" r="r" b="b"/>
             <a:pathLst>
-              <a:path extrusionOk="0" h="120000" w="120000">
+              <a:path w="120000" h="120000" extrusionOk="0">
                 <a:moveTo>
                   <a:pt x="0" y="0"/>
                 </a:moveTo>
@@ -869,9 +902,11 @@
       <p:sp>
         <p:nvSpPr>
           <p:cNvPr id="148" name="Google Shape;148;g125f2d34cea_0_110:notes"/>
-          <p:cNvSpPr txBox="1"/>
+          <p:cNvSpPr txBox="1">
+            <a:spLocks noGrp="1"/>
+          </p:cNvSpPr>
           <p:nvPr>
-            <p:ph idx="1" type="body"/>
+            <p:ph type="body" idx="1"/>
           </p:nvPr>
         </p:nvSpPr>
         <p:spPr>
@@ -884,12 +919,12 @@
           </a:prstGeom>
         </p:spPr>
         <p:txBody>
-          <a:bodyPr anchorCtr="0" anchor="t" bIns="91425" lIns="91425" spcFirstLastPara="1" rIns="91425" wrap="square" tIns="91425">
+          <a:bodyPr spcFirstLastPara="1" wrap="square" lIns="91425" tIns="91425" rIns="91425" bIns="91425" anchor="t" anchorCtr="0">
             <a:noAutofit/>
           </a:bodyPr>
           <a:lstStyle/>
           <a:p>
-            <a:pPr indent="0" lvl="0" marL="0" rtl="0" algn="l">
+            <a:pPr marL="0" lvl="0" indent="0" algn="l" rtl="0">
               <a:spcBef>
                 <a:spcPts val="0"/>
               </a:spcBef>
@@ -898,9 +933,6 @@
               </a:spcAft>
               <a:buNone/>
             </a:pPr>
-            <a:r>
-              <a:t/>
-            </a:r>
             <a:endParaRPr/>
           </a:p>
         </p:txBody>
@@ -914,11 +946,11 @@
 </file>
 
 <file path=ppt/notesSlides/notesSlide11.xml><?xml version="1.0" encoding="utf-8"?>
-<p:notes xmlns:a="http://schemas.openxmlformats.org/drawingml/2006/main" xmlns:r="http://schemas.openxmlformats.org/officeDocument/2006/relationships" xmlns:mc="http://schemas.openxmlformats.org/markup-compatibility/2006" xmlns:mv="urn:schemas-microsoft-com:mac:vml" xmlns:p="http://schemas.openxmlformats.org/presentationml/2006/main" xmlns:c="http://schemas.openxmlformats.org/drawingml/2006/chart" xmlns:dgm="http://schemas.openxmlformats.org/drawingml/2006/diagram" xmlns:o="urn:schemas-microsoft-com:office:office" xmlns:v="urn:schemas-microsoft-com:vml" xmlns:pvml="urn:schemas-microsoft-com:office:powerpoint" xmlns:com="http://schemas.openxmlformats.org/drawingml/2006/compatibility" xmlns:p14="http://schemas.microsoft.com/office/powerpoint/2010/main" xmlns:p15="http://schemas.microsoft.com/office/powerpoint/2012/main" xmlns:ahyp="http://schemas.microsoft.com/office/drawing/2018/hyperlinkcolor" showMasterPhAnim="0" showMasterSp="0">
+<p:notes xmlns:a="http://schemas.openxmlformats.org/drawingml/2006/main" xmlns:r="http://schemas.openxmlformats.org/officeDocument/2006/relationships" xmlns:p="http://schemas.openxmlformats.org/presentationml/2006/main" showMasterSp="0" showMasterPhAnim="0">
   <p:cSld>
     <p:spTree>
       <p:nvGrpSpPr>
-        <p:cNvPr id="153" name="Shape 153"/>
+        <p:cNvPr id="1" name="Shape 153"/>
         <p:cNvGrpSpPr/>
         <p:nvPr/>
       </p:nvGrpSpPr>
@@ -933,20 +965,26 @@
       <p:sp>
         <p:nvSpPr>
           <p:cNvPr id="154" name="Google Shape;154;g1229ad87eb8_0_105:notes"/>
-          <p:cNvSpPr/>
+          <p:cNvSpPr>
+            <a:spLocks noGrp="1" noRot="1" noChangeAspect="1"/>
+          </p:cNvSpPr>
           <p:nvPr>
-            <p:ph idx="2" type="sldImg"/>
+            <p:ph type="sldImg" idx="2"/>
           </p:nvPr>
         </p:nvSpPr>
         <p:spPr>
           <a:xfrm>
-            <a:off x="381300" y="685800"/>
+            <a:off x="381000" y="685800"/>
             <a:ext cx="6096000" cy="3429000"/>
           </a:xfrm>
           <a:custGeom>
-            <a:rect b="b" l="l" r="r" t="t"/>
+            <a:avLst/>
+            <a:gdLst/>
+            <a:ahLst/>
+            <a:cxnLst/>
+            <a:rect l="l" t="t" r="r" b="b"/>
             <a:pathLst>
-              <a:path extrusionOk="0" h="120000" w="120000">
+              <a:path w="120000" h="120000" extrusionOk="0">
                 <a:moveTo>
                   <a:pt x="0" y="0"/>
                 </a:moveTo>
@@ -968,9 +1006,11 @@
       <p:sp>
         <p:nvSpPr>
           <p:cNvPr id="155" name="Google Shape;155;g1229ad87eb8_0_105:notes"/>
-          <p:cNvSpPr txBox="1"/>
+          <p:cNvSpPr txBox="1">
+            <a:spLocks noGrp="1"/>
+          </p:cNvSpPr>
           <p:nvPr>
-            <p:ph idx="1" type="body"/>
+            <p:ph type="body" idx="1"/>
           </p:nvPr>
         </p:nvSpPr>
         <p:spPr>
@@ -983,12 +1023,12 @@
           </a:prstGeom>
         </p:spPr>
         <p:txBody>
-          <a:bodyPr anchorCtr="0" anchor="t" bIns="91425" lIns="91425" spcFirstLastPara="1" rIns="91425" wrap="square" tIns="91425">
+          <a:bodyPr spcFirstLastPara="1" wrap="square" lIns="91425" tIns="91425" rIns="91425" bIns="91425" anchor="t" anchorCtr="0">
             <a:noAutofit/>
           </a:bodyPr>
           <a:lstStyle/>
           <a:p>
-            <a:pPr indent="0" lvl="0" marL="0" rtl="0" algn="l">
+            <a:pPr marL="0" lvl="0" indent="0" algn="l" rtl="0">
               <a:spcBef>
                 <a:spcPts val="0"/>
               </a:spcBef>
@@ -997,9 +1037,6 @@
               </a:spcAft>
               <a:buNone/>
             </a:pPr>
-            <a:r>
-              <a:t/>
-            </a:r>
             <a:endParaRPr/>
           </a:p>
         </p:txBody>
@@ -1013,11 +1050,11 @@
 </file>
 
 <file path=ppt/notesSlides/notesSlide12.xml><?xml version="1.0" encoding="utf-8"?>
-<p:notes xmlns:a="http://schemas.openxmlformats.org/drawingml/2006/main" xmlns:r="http://schemas.openxmlformats.org/officeDocument/2006/relationships" xmlns:mc="http://schemas.openxmlformats.org/markup-compatibility/2006" xmlns:mv="urn:schemas-microsoft-com:mac:vml" xmlns:p="http://schemas.openxmlformats.org/presentationml/2006/main" xmlns:c="http://schemas.openxmlformats.org/drawingml/2006/chart" xmlns:dgm="http://schemas.openxmlformats.org/drawingml/2006/diagram" xmlns:o="urn:schemas-microsoft-com:office:office" xmlns:v="urn:schemas-microsoft-com:vml" xmlns:pvml="urn:schemas-microsoft-com:office:powerpoint" xmlns:com="http://schemas.openxmlformats.org/drawingml/2006/compatibility" xmlns:p14="http://schemas.microsoft.com/office/powerpoint/2010/main" xmlns:p15="http://schemas.microsoft.com/office/powerpoint/2012/main" xmlns:ahyp="http://schemas.microsoft.com/office/drawing/2018/hyperlinkcolor" showMasterPhAnim="0" showMasterSp="0">
+<p:notes xmlns:a="http://schemas.openxmlformats.org/drawingml/2006/main" xmlns:r="http://schemas.openxmlformats.org/officeDocument/2006/relationships" xmlns:p="http://schemas.openxmlformats.org/presentationml/2006/main" showMasterSp="0" showMasterPhAnim="0">
   <p:cSld>
     <p:spTree>
       <p:nvGrpSpPr>
-        <p:cNvPr id="160" name="Shape 160"/>
+        <p:cNvPr id="1" name="Shape 160"/>
         <p:cNvGrpSpPr/>
         <p:nvPr/>
       </p:nvGrpSpPr>
@@ -1032,9 +1069,11 @@
       <p:sp>
         <p:nvSpPr>
           <p:cNvPr id="161" name="Google Shape;161;g125f2d34cea_0_117:notes"/>
-          <p:cNvSpPr/>
+          <p:cNvSpPr>
+            <a:spLocks noGrp="1" noRot="1" noChangeAspect="1"/>
+          </p:cNvSpPr>
           <p:nvPr>
-            <p:ph idx="2" type="sldImg"/>
+            <p:ph type="sldImg" idx="2"/>
           </p:nvPr>
         </p:nvSpPr>
         <p:spPr>
@@ -1043,9 +1082,13 @@
             <a:ext cx="6096000" cy="3429000"/>
           </a:xfrm>
           <a:custGeom>
-            <a:rect b="b" l="l" r="r" t="t"/>
+            <a:avLst/>
+            <a:gdLst/>
+            <a:ahLst/>
+            <a:cxnLst/>
+            <a:rect l="l" t="t" r="r" b="b"/>
             <a:pathLst>
-              <a:path extrusionOk="0" h="120000" w="120000">
+              <a:path w="120000" h="120000" extrusionOk="0">
                 <a:moveTo>
                   <a:pt x="0" y="0"/>
                 </a:moveTo>
@@ -1067,9 +1110,11 @@
       <p:sp>
         <p:nvSpPr>
           <p:cNvPr id="162" name="Google Shape;162;g125f2d34cea_0_117:notes"/>
-          <p:cNvSpPr txBox="1"/>
+          <p:cNvSpPr txBox="1">
+            <a:spLocks noGrp="1"/>
+          </p:cNvSpPr>
           <p:nvPr>
-            <p:ph idx="1" type="body"/>
+            <p:ph type="body" idx="1"/>
           </p:nvPr>
         </p:nvSpPr>
         <p:spPr>
@@ -1082,12 +1127,12 @@
           </a:prstGeom>
         </p:spPr>
         <p:txBody>
-          <a:bodyPr anchorCtr="0" anchor="t" bIns="91425" lIns="91425" spcFirstLastPara="1" rIns="91425" wrap="square" tIns="91425">
+          <a:bodyPr spcFirstLastPara="1" wrap="square" lIns="91425" tIns="91425" rIns="91425" bIns="91425" anchor="t" anchorCtr="0">
             <a:noAutofit/>
           </a:bodyPr>
           <a:lstStyle/>
           <a:p>
-            <a:pPr indent="0" lvl="0" marL="0" rtl="0" algn="l">
+            <a:pPr marL="0" lvl="0" indent="0" algn="l" rtl="0">
               <a:spcBef>
                 <a:spcPts val="0"/>
               </a:spcBef>
@@ -1096,9 +1141,6 @@
               </a:spcAft>
               <a:buNone/>
             </a:pPr>
-            <a:r>
-              <a:t/>
-            </a:r>
             <a:endParaRPr/>
           </a:p>
         </p:txBody>
@@ -1112,11 +1154,11 @@
 </file>
 
 <file path=ppt/notesSlides/notesSlide13.xml><?xml version="1.0" encoding="utf-8"?>
-<p:notes xmlns:a="http://schemas.openxmlformats.org/drawingml/2006/main" xmlns:r="http://schemas.openxmlformats.org/officeDocument/2006/relationships" xmlns:mc="http://schemas.openxmlformats.org/markup-compatibility/2006" xmlns:mv="urn:schemas-microsoft-com:mac:vml" xmlns:p="http://schemas.openxmlformats.org/presentationml/2006/main" xmlns:c="http://schemas.openxmlformats.org/drawingml/2006/chart" xmlns:dgm="http://schemas.openxmlformats.org/drawingml/2006/diagram" xmlns:o="urn:schemas-microsoft-com:office:office" xmlns:v="urn:schemas-microsoft-com:vml" xmlns:pvml="urn:schemas-microsoft-com:office:powerpoint" xmlns:com="http://schemas.openxmlformats.org/drawingml/2006/compatibility" xmlns:p14="http://schemas.microsoft.com/office/powerpoint/2010/main" xmlns:p15="http://schemas.microsoft.com/office/powerpoint/2012/main" xmlns:ahyp="http://schemas.microsoft.com/office/drawing/2018/hyperlinkcolor" showMasterPhAnim="0" showMasterSp="0">
+<p:notes xmlns:a="http://schemas.openxmlformats.org/drawingml/2006/main" xmlns:r="http://schemas.openxmlformats.org/officeDocument/2006/relationships" xmlns:p="http://schemas.openxmlformats.org/presentationml/2006/main" showMasterSp="0" showMasterPhAnim="0">
   <p:cSld>
     <p:spTree>
       <p:nvGrpSpPr>
-        <p:cNvPr id="167" name="Shape 167"/>
+        <p:cNvPr id="1" name="Shape 167"/>
         <p:cNvGrpSpPr/>
         <p:nvPr/>
       </p:nvGrpSpPr>
@@ -1131,9 +1173,11 @@
       <p:sp>
         <p:nvSpPr>
           <p:cNvPr id="168" name="Google Shape;168;g1195a243ed6_0_6:notes"/>
-          <p:cNvSpPr/>
+          <p:cNvSpPr>
+            <a:spLocks noGrp="1" noRot="1" noChangeAspect="1"/>
+          </p:cNvSpPr>
           <p:nvPr>
-            <p:ph idx="2" type="sldImg"/>
+            <p:ph type="sldImg" idx="2"/>
           </p:nvPr>
         </p:nvSpPr>
         <p:spPr>
@@ -1142,9 +1186,13 @@
             <a:ext cx="6096000" cy="3429000"/>
           </a:xfrm>
           <a:custGeom>
-            <a:rect b="b" l="l" r="r" t="t"/>
+            <a:avLst/>
+            <a:gdLst/>
+            <a:ahLst/>
+            <a:cxnLst/>
+            <a:rect l="l" t="t" r="r" b="b"/>
             <a:pathLst>
-              <a:path extrusionOk="0" h="120000" w="120000">
+              <a:path w="120000" h="120000" extrusionOk="0">
                 <a:moveTo>
                   <a:pt x="0" y="0"/>
                 </a:moveTo>
@@ -1166,9 +1214,11 @@
       <p:sp>
         <p:nvSpPr>
           <p:cNvPr id="169" name="Google Shape;169;g1195a243ed6_0_6:notes"/>
-          <p:cNvSpPr txBox="1"/>
+          <p:cNvSpPr txBox="1">
+            <a:spLocks noGrp="1"/>
+          </p:cNvSpPr>
           <p:nvPr>
-            <p:ph idx="1" type="body"/>
+            <p:ph type="body" idx="1"/>
           </p:nvPr>
         </p:nvSpPr>
         <p:spPr>
@@ -1181,12 +1231,12 @@
           </a:prstGeom>
         </p:spPr>
         <p:txBody>
-          <a:bodyPr anchorCtr="0" anchor="t" bIns="91425" lIns="91425" spcFirstLastPara="1" rIns="91425" wrap="square" tIns="91425">
+          <a:bodyPr spcFirstLastPara="1" wrap="square" lIns="91425" tIns="91425" rIns="91425" bIns="91425" anchor="t" anchorCtr="0">
             <a:noAutofit/>
           </a:bodyPr>
           <a:lstStyle/>
           <a:p>
-            <a:pPr indent="0" lvl="0" marL="0" rtl="0" algn="l">
+            <a:pPr marL="0" lvl="0" indent="0" algn="l" rtl="0">
               <a:spcBef>
                 <a:spcPts val="0"/>
               </a:spcBef>
@@ -1195,9 +1245,6 @@
               </a:spcAft>
               <a:buNone/>
             </a:pPr>
-            <a:r>
-              <a:t/>
-            </a:r>
             <a:endParaRPr/>
           </a:p>
         </p:txBody>
@@ -1211,11 +1258,11 @@
 </file>
 
 <file path=ppt/notesSlides/notesSlide14.xml><?xml version="1.0" encoding="utf-8"?>
-<p:notes xmlns:a="http://schemas.openxmlformats.org/drawingml/2006/main" xmlns:r="http://schemas.openxmlformats.org/officeDocument/2006/relationships" xmlns:mc="http://schemas.openxmlformats.org/markup-compatibility/2006" xmlns:mv="urn:schemas-microsoft-com:mac:vml" xmlns:p="http://schemas.openxmlformats.org/presentationml/2006/main" xmlns:c="http://schemas.openxmlformats.org/drawingml/2006/chart" xmlns:dgm="http://schemas.openxmlformats.org/drawingml/2006/diagram" xmlns:o="urn:schemas-microsoft-com:office:office" xmlns:v="urn:schemas-microsoft-com:vml" xmlns:pvml="urn:schemas-microsoft-com:office:powerpoint" xmlns:com="http://schemas.openxmlformats.org/drawingml/2006/compatibility" xmlns:p14="http://schemas.microsoft.com/office/powerpoint/2010/main" xmlns:p15="http://schemas.microsoft.com/office/powerpoint/2012/main" xmlns:ahyp="http://schemas.microsoft.com/office/drawing/2018/hyperlinkcolor" showMasterPhAnim="0" showMasterSp="0">
+<p:notes xmlns:a="http://schemas.openxmlformats.org/drawingml/2006/main" xmlns:r="http://schemas.openxmlformats.org/officeDocument/2006/relationships" xmlns:p="http://schemas.openxmlformats.org/presentationml/2006/main" showMasterSp="0" showMasterPhAnim="0">
   <p:cSld>
     <p:spTree>
       <p:nvGrpSpPr>
-        <p:cNvPr id="174" name="Shape 174"/>
+        <p:cNvPr id="1" name="Shape 174"/>
         <p:cNvGrpSpPr/>
         <p:nvPr/>
       </p:nvGrpSpPr>
@@ -1230,9 +1277,11 @@
       <p:sp>
         <p:nvSpPr>
           <p:cNvPr id="175" name="Google Shape;175;g1177a825697_0_245:notes"/>
-          <p:cNvSpPr/>
+          <p:cNvSpPr>
+            <a:spLocks noGrp="1" noRot="1" noChangeAspect="1"/>
+          </p:cNvSpPr>
           <p:nvPr>
-            <p:ph idx="2" type="sldImg"/>
+            <p:ph type="sldImg" idx="2"/>
           </p:nvPr>
         </p:nvSpPr>
         <p:spPr>
@@ -1241,9 +1290,13 @@
             <a:ext cx="6096000" cy="3429000"/>
           </a:xfrm>
           <a:custGeom>
-            <a:rect b="b" l="l" r="r" t="t"/>
+            <a:avLst/>
+            <a:gdLst/>
+            <a:ahLst/>
+            <a:cxnLst/>
+            <a:rect l="l" t="t" r="r" b="b"/>
             <a:pathLst>
-              <a:path extrusionOk="0" h="120000" w="120000">
+              <a:path w="120000" h="120000" extrusionOk="0">
                 <a:moveTo>
                   <a:pt x="0" y="0"/>
                 </a:moveTo>
@@ -1265,9 +1318,11 @@
       <p:sp>
         <p:nvSpPr>
           <p:cNvPr id="176" name="Google Shape;176;g1177a825697_0_245:notes"/>
-          <p:cNvSpPr txBox="1"/>
+          <p:cNvSpPr txBox="1">
+            <a:spLocks noGrp="1"/>
+          </p:cNvSpPr>
           <p:nvPr>
-            <p:ph idx="1" type="body"/>
+            <p:ph type="body" idx="1"/>
           </p:nvPr>
         </p:nvSpPr>
         <p:spPr>
@@ -1280,12 +1335,12 @@
           </a:prstGeom>
         </p:spPr>
         <p:txBody>
-          <a:bodyPr anchorCtr="0" anchor="t" bIns="91425" lIns="91425" spcFirstLastPara="1" rIns="91425" wrap="square" tIns="91425">
+          <a:bodyPr spcFirstLastPara="1" wrap="square" lIns="91425" tIns="91425" rIns="91425" bIns="91425" anchor="t" anchorCtr="0">
             <a:noAutofit/>
           </a:bodyPr>
           <a:lstStyle/>
           <a:p>
-            <a:pPr indent="0" lvl="0" marL="0" rtl="0" algn="l">
+            <a:pPr marL="0" lvl="0" indent="0" algn="l" rtl="0">
               <a:spcBef>
                 <a:spcPts val="0"/>
               </a:spcBef>
@@ -1294,9 +1349,6 @@
               </a:spcAft>
               <a:buNone/>
             </a:pPr>
-            <a:r>
-              <a:t/>
-            </a:r>
             <a:endParaRPr/>
           </a:p>
         </p:txBody>
@@ -1310,11 +1362,11 @@
 </file>
 
 <file path=ppt/notesSlides/notesSlide2.xml><?xml version="1.0" encoding="utf-8"?>
-<p:notes xmlns:a="http://schemas.openxmlformats.org/drawingml/2006/main" xmlns:r="http://schemas.openxmlformats.org/officeDocument/2006/relationships" xmlns:mc="http://schemas.openxmlformats.org/markup-compatibility/2006" xmlns:mv="urn:schemas-microsoft-com:mac:vml" xmlns:p="http://schemas.openxmlformats.org/presentationml/2006/main" xmlns:c="http://schemas.openxmlformats.org/drawingml/2006/chart" xmlns:dgm="http://schemas.openxmlformats.org/drawingml/2006/diagram" xmlns:o="urn:schemas-microsoft-com:office:office" xmlns:v="urn:schemas-microsoft-com:vml" xmlns:pvml="urn:schemas-microsoft-com:office:powerpoint" xmlns:com="http://schemas.openxmlformats.org/drawingml/2006/compatibility" xmlns:p14="http://schemas.microsoft.com/office/powerpoint/2010/main" xmlns:p15="http://schemas.microsoft.com/office/powerpoint/2012/main" xmlns:ahyp="http://schemas.microsoft.com/office/drawing/2018/hyperlinkcolor" showMasterPhAnim="0" showMasterSp="0">
+<p:notes xmlns:a="http://schemas.openxmlformats.org/drawingml/2006/main" xmlns:r="http://schemas.openxmlformats.org/officeDocument/2006/relationships" xmlns:p="http://schemas.openxmlformats.org/presentationml/2006/main" showMasterSp="0" showMasterPhAnim="0">
   <p:cSld>
     <p:spTree>
       <p:nvGrpSpPr>
-        <p:cNvPr id="89" name="Shape 89"/>
+        <p:cNvPr id="1" name="Shape 89"/>
         <p:cNvGrpSpPr/>
         <p:nvPr/>
       </p:nvGrpSpPr>
@@ -1329,9 +1381,11 @@
       <p:sp>
         <p:nvSpPr>
           <p:cNvPr id="90" name="Google Shape;90;g1229ad87eb8_0_0:notes"/>
-          <p:cNvSpPr/>
+          <p:cNvSpPr>
+            <a:spLocks noGrp="1" noRot="1" noChangeAspect="1"/>
+          </p:cNvSpPr>
           <p:nvPr>
-            <p:ph idx="2" type="sldImg"/>
+            <p:ph type="sldImg" idx="2"/>
           </p:nvPr>
         </p:nvSpPr>
         <p:spPr>
@@ -1340,9 +1394,13 @@
             <a:ext cx="6096000" cy="3429000"/>
           </a:xfrm>
           <a:custGeom>
-            <a:rect b="b" l="l" r="r" t="t"/>
+            <a:avLst/>
+            <a:gdLst/>
+            <a:ahLst/>
+            <a:cxnLst/>
+            <a:rect l="l" t="t" r="r" b="b"/>
             <a:pathLst>
-              <a:path extrusionOk="0" h="120000" w="120000">
+              <a:path w="120000" h="120000" extrusionOk="0">
                 <a:moveTo>
                   <a:pt x="0" y="0"/>
                 </a:moveTo>
@@ -1364,9 +1422,11 @@
       <p:sp>
         <p:nvSpPr>
           <p:cNvPr id="91" name="Google Shape;91;g1229ad87eb8_0_0:notes"/>
-          <p:cNvSpPr txBox="1"/>
+          <p:cNvSpPr txBox="1">
+            <a:spLocks noGrp="1"/>
+          </p:cNvSpPr>
           <p:nvPr>
-            <p:ph idx="1" type="body"/>
+            <p:ph type="body" idx="1"/>
           </p:nvPr>
         </p:nvSpPr>
         <p:spPr>
@@ -1379,12 +1439,12 @@
           </a:prstGeom>
         </p:spPr>
         <p:txBody>
-          <a:bodyPr anchorCtr="0" anchor="t" bIns="91425" lIns="91425" spcFirstLastPara="1" rIns="91425" wrap="square" tIns="91425">
+          <a:bodyPr spcFirstLastPara="1" wrap="square" lIns="91425" tIns="91425" rIns="91425" bIns="91425" anchor="t" anchorCtr="0">
             <a:noAutofit/>
           </a:bodyPr>
           <a:lstStyle/>
           <a:p>
-            <a:pPr indent="0" lvl="0" marL="0" rtl="0" algn="l">
+            <a:pPr marL="0" lvl="0" indent="0" algn="l" rtl="0">
               <a:spcBef>
                 <a:spcPts val="0"/>
               </a:spcBef>
@@ -1393,9 +1453,6 @@
               </a:spcAft>
               <a:buNone/>
             </a:pPr>
-            <a:r>
-              <a:t/>
-            </a:r>
             <a:endParaRPr/>
           </a:p>
         </p:txBody>
@@ -1409,11 +1466,11 @@
 </file>
 
 <file path=ppt/notesSlides/notesSlide3.xml><?xml version="1.0" encoding="utf-8"?>
-<p:notes xmlns:a="http://schemas.openxmlformats.org/drawingml/2006/main" xmlns:r="http://schemas.openxmlformats.org/officeDocument/2006/relationships" xmlns:mc="http://schemas.openxmlformats.org/markup-compatibility/2006" xmlns:mv="urn:schemas-microsoft-com:mac:vml" xmlns:p="http://schemas.openxmlformats.org/presentationml/2006/main" xmlns:c="http://schemas.openxmlformats.org/drawingml/2006/chart" xmlns:dgm="http://schemas.openxmlformats.org/drawingml/2006/diagram" xmlns:o="urn:schemas-microsoft-com:office:office" xmlns:v="urn:schemas-microsoft-com:vml" xmlns:pvml="urn:schemas-microsoft-com:office:powerpoint" xmlns:com="http://schemas.openxmlformats.org/drawingml/2006/compatibility" xmlns:p14="http://schemas.microsoft.com/office/powerpoint/2010/main" xmlns:p15="http://schemas.microsoft.com/office/powerpoint/2012/main" xmlns:ahyp="http://schemas.microsoft.com/office/drawing/2018/hyperlinkcolor" showMasterPhAnim="0" showMasterSp="0">
+<p:notes xmlns:a="http://schemas.openxmlformats.org/drawingml/2006/main" xmlns:r="http://schemas.openxmlformats.org/officeDocument/2006/relationships" xmlns:p="http://schemas.openxmlformats.org/presentationml/2006/main" showMasterSp="0" showMasterPhAnim="0">
   <p:cSld>
     <p:spTree>
       <p:nvGrpSpPr>
-        <p:cNvPr id="96" name="Shape 96"/>
+        <p:cNvPr id="1" name="Shape 96"/>
         <p:cNvGrpSpPr/>
         <p:nvPr/>
       </p:nvGrpSpPr>
@@ -1428,9 +1485,11 @@
       <p:sp>
         <p:nvSpPr>
           <p:cNvPr id="97" name="Google Shape;97;g1177a825697_0_337:notes"/>
-          <p:cNvSpPr/>
+          <p:cNvSpPr>
+            <a:spLocks noGrp="1" noRot="1" noChangeAspect="1"/>
+          </p:cNvSpPr>
           <p:nvPr>
-            <p:ph idx="2" type="sldImg"/>
+            <p:ph type="sldImg" idx="2"/>
           </p:nvPr>
         </p:nvSpPr>
         <p:spPr>
@@ -1439,9 +1498,13 @@
             <a:ext cx="6096000" cy="3429000"/>
           </a:xfrm>
           <a:custGeom>
-            <a:rect b="b" l="l" r="r" t="t"/>
+            <a:avLst/>
+            <a:gdLst/>
+            <a:ahLst/>
+            <a:cxnLst/>
+            <a:rect l="l" t="t" r="r" b="b"/>
             <a:pathLst>
-              <a:path extrusionOk="0" h="120000" w="120000">
+              <a:path w="120000" h="120000" extrusionOk="0">
                 <a:moveTo>
                   <a:pt x="0" y="0"/>
                 </a:moveTo>
@@ -1463,9 +1526,11 @@
       <p:sp>
         <p:nvSpPr>
           <p:cNvPr id="98" name="Google Shape;98;g1177a825697_0_337:notes"/>
-          <p:cNvSpPr txBox="1"/>
+          <p:cNvSpPr txBox="1">
+            <a:spLocks noGrp="1"/>
+          </p:cNvSpPr>
           <p:nvPr>
-            <p:ph idx="1" type="body"/>
+            <p:ph type="body" idx="1"/>
           </p:nvPr>
         </p:nvSpPr>
         <p:spPr>
@@ -1478,12 +1543,12 @@
           </a:prstGeom>
         </p:spPr>
         <p:txBody>
-          <a:bodyPr anchorCtr="0" anchor="t" bIns="91425" lIns="91425" spcFirstLastPara="1" rIns="91425" wrap="square" tIns="91425">
+          <a:bodyPr spcFirstLastPara="1" wrap="square" lIns="91425" tIns="91425" rIns="91425" bIns="91425" anchor="t" anchorCtr="0">
             <a:noAutofit/>
           </a:bodyPr>
           <a:lstStyle/>
           <a:p>
-            <a:pPr indent="0" lvl="0" marL="0" rtl="0" algn="l">
+            <a:pPr marL="0" lvl="0" indent="0" algn="l" rtl="0">
               <a:spcBef>
                 <a:spcPts val="0"/>
               </a:spcBef>
@@ -1492,9 +1557,6 @@
               </a:spcAft>
               <a:buNone/>
             </a:pPr>
-            <a:r>
-              <a:t/>
-            </a:r>
             <a:endParaRPr/>
           </a:p>
         </p:txBody>
@@ -1508,11 +1570,11 @@
 </file>
 
 <file path=ppt/notesSlides/notesSlide4.xml><?xml version="1.0" encoding="utf-8"?>
-<p:notes xmlns:a="http://schemas.openxmlformats.org/drawingml/2006/main" xmlns:r="http://schemas.openxmlformats.org/officeDocument/2006/relationships" xmlns:mc="http://schemas.openxmlformats.org/markup-compatibility/2006" xmlns:mv="urn:schemas-microsoft-com:mac:vml" xmlns:p="http://schemas.openxmlformats.org/presentationml/2006/main" xmlns:c="http://schemas.openxmlformats.org/drawingml/2006/chart" xmlns:dgm="http://schemas.openxmlformats.org/drawingml/2006/diagram" xmlns:o="urn:schemas-microsoft-com:office:office" xmlns:v="urn:schemas-microsoft-com:vml" xmlns:pvml="urn:schemas-microsoft-com:office:powerpoint" xmlns:com="http://schemas.openxmlformats.org/drawingml/2006/compatibility" xmlns:p14="http://schemas.microsoft.com/office/powerpoint/2010/main" xmlns:p15="http://schemas.microsoft.com/office/powerpoint/2012/main" xmlns:ahyp="http://schemas.microsoft.com/office/drawing/2018/hyperlinkcolor" showMasterPhAnim="0" showMasterSp="0">
+<p:notes xmlns:a="http://schemas.openxmlformats.org/drawingml/2006/main" xmlns:r="http://schemas.openxmlformats.org/officeDocument/2006/relationships" xmlns:p="http://schemas.openxmlformats.org/presentationml/2006/main" showMasterSp="0" showMasterPhAnim="0">
   <p:cSld>
     <p:spTree>
       <p:nvGrpSpPr>
-        <p:cNvPr id="103" name="Shape 103"/>
+        <p:cNvPr id="1" name="Shape 103"/>
         <p:cNvGrpSpPr/>
         <p:nvPr/>
       </p:nvGrpSpPr>
@@ -1527,9 +1589,11 @@
       <p:sp>
         <p:nvSpPr>
           <p:cNvPr id="104" name="Google Shape;104;g1177a825697_0_342:notes"/>
-          <p:cNvSpPr/>
+          <p:cNvSpPr>
+            <a:spLocks noGrp="1" noRot="1" noChangeAspect="1"/>
+          </p:cNvSpPr>
           <p:nvPr>
-            <p:ph idx="2" type="sldImg"/>
+            <p:ph type="sldImg" idx="2"/>
           </p:nvPr>
         </p:nvSpPr>
         <p:spPr>
@@ -1538,9 +1602,13 @@
             <a:ext cx="6096000" cy="3429000"/>
           </a:xfrm>
           <a:custGeom>
-            <a:rect b="b" l="l" r="r" t="t"/>
+            <a:avLst/>
+            <a:gdLst/>
+            <a:ahLst/>
+            <a:cxnLst/>
+            <a:rect l="l" t="t" r="r" b="b"/>
             <a:pathLst>
-              <a:path extrusionOk="0" h="120000" w="120000">
+              <a:path w="120000" h="120000" extrusionOk="0">
                 <a:moveTo>
                   <a:pt x="0" y="0"/>
                 </a:moveTo>
@@ -1562,9 +1630,11 @@
       <p:sp>
         <p:nvSpPr>
           <p:cNvPr id="105" name="Google Shape;105;g1177a825697_0_342:notes"/>
-          <p:cNvSpPr txBox="1"/>
+          <p:cNvSpPr txBox="1">
+            <a:spLocks noGrp="1"/>
+          </p:cNvSpPr>
           <p:nvPr>
-            <p:ph idx="1" type="body"/>
+            <p:ph type="body" idx="1"/>
           </p:nvPr>
         </p:nvSpPr>
         <p:spPr>
@@ -1577,12 +1647,12 @@
           </a:prstGeom>
         </p:spPr>
         <p:txBody>
-          <a:bodyPr anchorCtr="0" anchor="t" bIns="91425" lIns="91425" spcFirstLastPara="1" rIns="91425" wrap="square" tIns="91425">
+          <a:bodyPr spcFirstLastPara="1" wrap="square" lIns="91425" tIns="91425" rIns="91425" bIns="91425" anchor="t" anchorCtr="0">
             <a:noAutofit/>
           </a:bodyPr>
           <a:lstStyle/>
           <a:p>
-            <a:pPr indent="0" lvl="0" marL="0" rtl="0" algn="l">
+            <a:pPr marL="0" lvl="0" indent="0" algn="l" rtl="0">
               <a:spcBef>
                 <a:spcPts val="0"/>
               </a:spcBef>
@@ -1591,9 +1661,6 @@
               </a:spcAft>
               <a:buNone/>
             </a:pPr>
-            <a:r>
-              <a:t/>
-            </a:r>
             <a:endParaRPr/>
           </a:p>
         </p:txBody>
@@ -1607,11 +1674,11 @@
 </file>
 
 <file path=ppt/notesSlides/notesSlide5.xml><?xml version="1.0" encoding="utf-8"?>
-<p:notes xmlns:a="http://schemas.openxmlformats.org/drawingml/2006/main" xmlns:r="http://schemas.openxmlformats.org/officeDocument/2006/relationships" xmlns:mc="http://schemas.openxmlformats.org/markup-compatibility/2006" xmlns:mv="urn:schemas-microsoft-com:mac:vml" xmlns:p="http://schemas.openxmlformats.org/presentationml/2006/main" xmlns:c="http://schemas.openxmlformats.org/drawingml/2006/chart" xmlns:dgm="http://schemas.openxmlformats.org/drawingml/2006/diagram" xmlns:o="urn:schemas-microsoft-com:office:office" xmlns:v="urn:schemas-microsoft-com:vml" xmlns:pvml="urn:schemas-microsoft-com:office:powerpoint" xmlns:com="http://schemas.openxmlformats.org/drawingml/2006/compatibility" xmlns:p14="http://schemas.microsoft.com/office/powerpoint/2010/main" xmlns:p15="http://schemas.microsoft.com/office/powerpoint/2012/main" xmlns:ahyp="http://schemas.microsoft.com/office/drawing/2018/hyperlinkcolor" showMasterPhAnim="0" showMasterSp="0">
+<p:notes xmlns:a="http://schemas.openxmlformats.org/drawingml/2006/main" xmlns:r="http://schemas.openxmlformats.org/officeDocument/2006/relationships" xmlns:p="http://schemas.openxmlformats.org/presentationml/2006/main" showMasterSp="0" showMasterPhAnim="0">
   <p:cSld>
     <p:spTree>
       <p:nvGrpSpPr>
-        <p:cNvPr id="111" name="Shape 111"/>
+        <p:cNvPr id="1" name="Shape 111"/>
         <p:cNvGrpSpPr/>
         <p:nvPr/>
       </p:nvGrpSpPr>
@@ -1626,9 +1693,11 @@
       <p:sp>
         <p:nvSpPr>
           <p:cNvPr id="112" name="Google Shape;112;g1177a825697_0_328:notes"/>
-          <p:cNvSpPr/>
+          <p:cNvSpPr>
+            <a:spLocks noGrp="1" noRot="1" noChangeAspect="1"/>
+          </p:cNvSpPr>
           <p:nvPr>
-            <p:ph idx="2" type="sldImg"/>
+            <p:ph type="sldImg" idx="2"/>
           </p:nvPr>
         </p:nvSpPr>
         <p:spPr>
@@ -1637,9 +1706,13 @@
             <a:ext cx="6096000" cy="3429000"/>
           </a:xfrm>
           <a:custGeom>
-            <a:rect b="b" l="l" r="r" t="t"/>
+            <a:avLst/>
+            <a:gdLst/>
+            <a:ahLst/>
+            <a:cxnLst/>
+            <a:rect l="l" t="t" r="r" b="b"/>
             <a:pathLst>
-              <a:path extrusionOk="0" h="120000" w="120000">
+              <a:path w="120000" h="120000" extrusionOk="0">
                 <a:moveTo>
                   <a:pt x="0" y="0"/>
                 </a:moveTo>
@@ -1661,9 +1734,11 @@
       <p:sp>
         <p:nvSpPr>
           <p:cNvPr id="113" name="Google Shape;113;g1177a825697_0_328:notes"/>
-          <p:cNvSpPr txBox="1"/>
+          <p:cNvSpPr txBox="1">
+            <a:spLocks noGrp="1"/>
+          </p:cNvSpPr>
           <p:nvPr>
-            <p:ph idx="1" type="body"/>
+            <p:ph type="body" idx="1"/>
           </p:nvPr>
         </p:nvSpPr>
         <p:spPr>
@@ -1676,12 +1751,12 @@
           </a:prstGeom>
         </p:spPr>
         <p:txBody>
-          <a:bodyPr anchorCtr="0" anchor="t" bIns="91425" lIns="91425" spcFirstLastPara="1" rIns="91425" wrap="square" tIns="91425">
+          <a:bodyPr spcFirstLastPara="1" wrap="square" lIns="91425" tIns="91425" rIns="91425" bIns="91425" anchor="t" anchorCtr="0">
             <a:noAutofit/>
           </a:bodyPr>
           <a:lstStyle/>
           <a:p>
-            <a:pPr indent="0" lvl="0" marL="0" rtl="0" algn="l">
+            <a:pPr marL="0" lvl="0" indent="0" algn="l" rtl="0">
               <a:spcBef>
                 <a:spcPts val="0"/>
               </a:spcBef>
@@ -1690,9 +1765,6 @@
               </a:spcAft>
               <a:buNone/>
             </a:pPr>
-            <a:r>
-              <a:t/>
-            </a:r>
             <a:endParaRPr/>
           </a:p>
         </p:txBody>
@@ -1706,11 +1778,11 @@
 </file>
 
 <file path=ppt/notesSlides/notesSlide6.xml><?xml version="1.0" encoding="utf-8"?>
-<p:notes xmlns:a="http://schemas.openxmlformats.org/drawingml/2006/main" xmlns:r="http://schemas.openxmlformats.org/officeDocument/2006/relationships" xmlns:mc="http://schemas.openxmlformats.org/markup-compatibility/2006" xmlns:mv="urn:schemas-microsoft-com:mac:vml" xmlns:p="http://schemas.openxmlformats.org/presentationml/2006/main" xmlns:c="http://schemas.openxmlformats.org/drawingml/2006/chart" xmlns:dgm="http://schemas.openxmlformats.org/drawingml/2006/diagram" xmlns:o="urn:schemas-microsoft-com:office:office" xmlns:v="urn:schemas-microsoft-com:vml" xmlns:pvml="urn:schemas-microsoft-com:office:powerpoint" xmlns:com="http://schemas.openxmlformats.org/drawingml/2006/compatibility" xmlns:p14="http://schemas.microsoft.com/office/powerpoint/2010/main" xmlns:p15="http://schemas.microsoft.com/office/powerpoint/2012/main" xmlns:ahyp="http://schemas.microsoft.com/office/drawing/2018/hyperlinkcolor" showMasterPhAnim="0" showMasterSp="0">
+<p:notes xmlns:a="http://schemas.openxmlformats.org/drawingml/2006/main" xmlns:r="http://schemas.openxmlformats.org/officeDocument/2006/relationships" xmlns:p="http://schemas.openxmlformats.org/presentationml/2006/main" showMasterSp="0" showMasterPhAnim="0">
   <p:cSld>
     <p:spTree>
       <p:nvGrpSpPr>
-        <p:cNvPr id="118" name="Shape 118"/>
+        <p:cNvPr id="1" name="Shape 118"/>
         <p:cNvGrpSpPr/>
         <p:nvPr/>
       </p:nvGrpSpPr>
@@ -1725,9 +1797,11 @@
       <p:sp>
         <p:nvSpPr>
           <p:cNvPr id="119" name="Google Shape;119;g1229ad87eb8_0_85:notes"/>
-          <p:cNvSpPr/>
+          <p:cNvSpPr>
+            <a:spLocks noGrp="1" noRot="1" noChangeAspect="1"/>
+          </p:cNvSpPr>
           <p:nvPr>
-            <p:ph idx="2" type="sldImg"/>
+            <p:ph type="sldImg" idx="2"/>
           </p:nvPr>
         </p:nvSpPr>
         <p:spPr>
@@ -1736,9 +1810,13 @@
             <a:ext cx="6096000" cy="3429000"/>
           </a:xfrm>
           <a:custGeom>
-            <a:rect b="b" l="l" r="r" t="t"/>
+            <a:avLst/>
+            <a:gdLst/>
+            <a:ahLst/>
+            <a:cxnLst/>
+            <a:rect l="l" t="t" r="r" b="b"/>
             <a:pathLst>
-              <a:path extrusionOk="0" h="120000" w="120000">
+              <a:path w="120000" h="120000" extrusionOk="0">
                 <a:moveTo>
                   <a:pt x="0" y="0"/>
                 </a:moveTo>
@@ -1760,9 +1838,11 @@
       <p:sp>
         <p:nvSpPr>
           <p:cNvPr id="120" name="Google Shape;120;g1229ad87eb8_0_85:notes"/>
-          <p:cNvSpPr txBox="1"/>
+          <p:cNvSpPr txBox="1">
+            <a:spLocks noGrp="1"/>
+          </p:cNvSpPr>
           <p:nvPr>
-            <p:ph idx="1" type="body"/>
+            <p:ph type="body" idx="1"/>
           </p:nvPr>
         </p:nvSpPr>
         <p:spPr>
@@ -1775,12 +1855,12 @@
           </a:prstGeom>
         </p:spPr>
         <p:txBody>
-          <a:bodyPr anchorCtr="0" anchor="t" bIns="91425" lIns="91425" spcFirstLastPara="1" rIns="91425" wrap="square" tIns="91425">
+          <a:bodyPr spcFirstLastPara="1" wrap="square" lIns="91425" tIns="91425" rIns="91425" bIns="91425" anchor="t" anchorCtr="0">
             <a:noAutofit/>
           </a:bodyPr>
           <a:lstStyle/>
           <a:p>
-            <a:pPr indent="0" lvl="0" marL="0" rtl="0" algn="l">
+            <a:pPr marL="0" lvl="0" indent="0" algn="l" rtl="0">
               <a:spcBef>
                 <a:spcPts val="0"/>
               </a:spcBef>
@@ -1789,9 +1869,6 @@
               </a:spcAft>
               <a:buNone/>
             </a:pPr>
-            <a:r>
-              <a:t/>
-            </a:r>
             <a:endParaRPr/>
           </a:p>
         </p:txBody>
@@ -1805,11 +1882,11 @@
 </file>
 
 <file path=ppt/notesSlides/notesSlide7.xml><?xml version="1.0" encoding="utf-8"?>
-<p:notes xmlns:a="http://schemas.openxmlformats.org/drawingml/2006/main" xmlns:r="http://schemas.openxmlformats.org/officeDocument/2006/relationships" xmlns:mc="http://schemas.openxmlformats.org/markup-compatibility/2006" xmlns:mv="urn:schemas-microsoft-com:mac:vml" xmlns:p="http://schemas.openxmlformats.org/presentationml/2006/main" xmlns:c="http://schemas.openxmlformats.org/drawingml/2006/chart" xmlns:dgm="http://schemas.openxmlformats.org/drawingml/2006/diagram" xmlns:o="urn:schemas-microsoft-com:office:office" xmlns:v="urn:schemas-microsoft-com:vml" xmlns:pvml="urn:schemas-microsoft-com:office:powerpoint" xmlns:com="http://schemas.openxmlformats.org/drawingml/2006/compatibility" xmlns:p14="http://schemas.microsoft.com/office/powerpoint/2010/main" xmlns:p15="http://schemas.microsoft.com/office/powerpoint/2012/main" xmlns:ahyp="http://schemas.microsoft.com/office/drawing/2018/hyperlinkcolor" showMasterPhAnim="0" showMasterSp="0">
+<p:notes xmlns:a="http://schemas.openxmlformats.org/drawingml/2006/main" xmlns:r="http://schemas.openxmlformats.org/officeDocument/2006/relationships" xmlns:p="http://schemas.openxmlformats.org/presentationml/2006/main" showMasterSp="0" showMasterPhAnim="0">
   <p:cSld>
     <p:spTree>
       <p:nvGrpSpPr>
-        <p:cNvPr id="125" name="Shape 125"/>
+        <p:cNvPr id="1" name="Shape 125"/>
         <p:cNvGrpSpPr/>
         <p:nvPr/>
       </p:nvGrpSpPr>
@@ -1824,9 +1901,11 @@
       <p:sp>
         <p:nvSpPr>
           <p:cNvPr id="126" name="Google Shape;126;g125f2d34cea_0_85:notes"/>
-          <p:cNvSpPr/>
+          <p:cNvSpPr>
+            <a:spLocks noGrp="1" noRot="1" noChangeAspect="1"/>
+          </p:cNvSpPr>
           <p:nvPr>
-            <p:ph idx="2" type="sldImg"/>
+            <p:ph type="sldImg" idx="2"/>
           </p:nvPr>
         </p:nvSpPr>
         <p:spPr>
@@ -1835,9 +1914,13 @@
             <a:ext cx="6096000" cy="3429000"/>
           </a:xfrm>
           <a:custGeom>
-            <a:rect b="b" l="l" r="r" t="t"/>
+            <a:avLst/>
+            <a:gdLst/>
+            <a:ahLst/>
+            <a:cxnLst/>
+            <a:rect l="l" t="t" r="r" b="b"/>
             <a:pathLst>
-              <a:path extrusionOk="0" h="120000" w="120000">
+              <a:path w="120000" h="120000" extrusionOk="0">
                 <a:moveTo>
                   <a:pt x="0" y="0"/>
                 </a:moveTo>
@@ -1859,9 +1942,11 @@
       <p:sp>
         <p:nvSpPr>
           <p:cNvPr id="127" name="Google Shape;127;g125f2d34cea_0_85:notes"/>
-          <p:cNvSpPr txBox="1"/>
+          <p:cNvSpPr txBox="1">
+            <a:spLocks noGrp="1"/>
+          </p:cNvSpPr>
           <p:nvPr>
-            <p:ph idx="1" type="body"/>
+            <p:ph type="body" idx="1"/>
           </p:nvPr>
         </p:nvSpPr>
         <p:spPr>
@@ -1874,12 +1959,12 @@
           </a:prstGeom>
         </p:spPr>
         <p:txBody>
-          <a:bodyPr anchorCtr="0" anchor="t" bIns="91425" lIns="91425" spcFirstLastPara="1" rIns="91425" wrap="square" tIns="91425">
+          <a:bodyPr spcFirstLastPara="1" wrap="square" lIns="91425" tIns="91425" rIns="91425" bIns="91425" anchor="t" anchorCtr="0">
             <a:noAutofit/>
           </a:bodyPr>
           <a:lstStyle/>
           <a:p>
-            <a:pPr indent="0" lvl="0" marL="0" rtl="0" algn="l">
+            <a:pPr marL="0" lvl="0" indent="0" algn="l" rtl="0">
               <a:spcBef>
                 <a:spcPts val="0"/>
               </a:spcBef>
@@ -1888,9 +1973,6 @@
               </a:spcAft>
               <a:buNone/>
             </a:pPr>
-            <a:r>
-              <a:t/>
-            </a:r>
             <a:endParaRPr/>
           </a:p>
         </p:txBody>
@@ -1904,11 +1986,11 @@
 </file>
 
 <file path=ppt/notesSlides/notesSlide8.xml><?xml version="1.0" encoding="utf-8"?>
-<p:notes xmlns:a="http://schemas.openxmlformats.org/drawingml/2006/main" xmlns:r="http://schemas.openxmlformats.org/officeDocument/2006/relationships" xmlns:mc="http://schemas.openxmlformats.org/markup-compatibility/2006" xmlns:mv="urn:schemas-microsoft-com:mac:vml" xmlns:p="http://schemas.openxmlformats.org/presentationml/2006/main" xmlns:c="http://schemas.openxmlformats.org/drawingml/2006/chart" xmlns:dgm="http://schemas.openxmlformats.org/drawingml/2006/diagram" xmlns:o="urn:schemas-microsoft-com:office:office" xmlns:v="urn:schemas-microsoft-com:vml" xmlns:pvml="urn:schemas-microsoft-com:office:powerpoint" xmlns:com="http://schemas.openxmlformats.org/drawingml/2006/compatibility" xmlns:p14="http://schemas.microsoft.com/office/powerpoint/2010/main" xmlns:p15="http://schemas.microsoft.com/office/powerpoint/2012/main" xmlns:ahyp="http://schemas.microsoft.com/office/drawing/2018/hyperlinkcolor" showMasterPhAnim="0" showMasterSp="0">
+<p:notes xmlns:a="http://schemas.openxmlformats.org/drawingml/2006/main" xmlns:r="http://schemas.openxmlformats.org/officeDocument/2006/relationships" xmlns:p="http://schemas.openxmlformats.org/presentationml/2006/main" showMasterSp="0" showMasterPhAnim="0">
   <p:cSld>
     <p:spTree>
       <p:nvGrpSpPr>
-        <p:cNvPr id="132" name="Shape 132"/>
+        <p:cNvPr id="1" name="Shape 132"/>
         <p:cNvGrpSpPr/>
         <p:nvPr/>
       </p:nvGrpSpPr>
@@ -1923,9 +2005,11 @@
       <p:sp>
         <p:nvSpPr>
           <p:cNvPr id="133" name="Google Shape;133;g125f2d34cea_0_92:notes"/>
-          <p:cNvSpPr/>
+          <p:cNvSpPr>
+            <a:spLocks noGrp="1" noRot="1" noChangeAspect="1"/>
+          </p:cNvSpPr>
           <p:nvPr>
-            <p:ph idx="2" type="sldImg"/>
+            <p:ph type="sldImg" idx="2"/>
           </p:nvPr>
         </p:nvSpPr>
         <p:spPr>
@@ -1934,9 +2018,13 @@
             <a:ext cx="6096000" cy="3429000"/>
           </a:xfrm>
           <a:custGeom>
-            <a:rect b="b" l="l" r="r" t="t"/>
+            <a:avLst/>
+            <a:gdLst/>
+            <a:ahLst/>
+            <a:cxnLst/>
+            <a:rect l="l" t="t" r="r" b="b"/>
             <a:pathLst>
-              <a:path extrusionOk="0" h="120000" w="120000">
+              <a:path w="120000" h="120000" extrusionOk="0">
                 <a:moveTo>
                   <a:pt x="0" y="0"/>
                 </a:moveTo>
@@ -1958,9 +2046,11 @@
       <p:sp>
         <p:nvSpPr>
           <p:cNvPr id="134" name="Google Shape;134;g125f2d34cea_0_92:notes"/>
-          <p:cNvSpPr txBox="1"/>
+          <p:cNvSpPr txBox="1">
+            <a:spLocks noGrp="1"/>
+          </p:cNvSpPr>
           <p:nvPr>
-            <p:ph idx="1" type="body"/>
+            <p:ph type="body" idx="1"/>
           </p:nvPr>
         </p:nvSpPr>
         <p:spPr>
@@ -1973,12 +2063,12 @@
           </a:prstGeom>
         </p:spPr>
         <p:txBody>
-          <a:bodyPr anchorCtr="0" anchor="t" bIns="91425" lIns="91425" spcFirstLastPara="1" rIns="91425" wrap="square" tIns="91425">
+          <a:bodyPr spcFirstLastPara="1" wrap="square" lIns="91425" tIns="91425" rIns="91425" bIns="91425" anchor="t" anchorCtr="0">
             <a:noAutofit/>
           </a:bodyPr>
           <a:lstStyle/>
           <a:p>
-            <a:pPr indent="0" lvl="0" marL="0" rtl="0" algn="l">
+            <a:pPr marL="0" lvl="0" indent="0" algn="l" rtl="0">
               <a:spcBef>
                 <a:spcPts val="0"/>
               </a:spcBef>
@@ -1987,9 +2077,6 @@
               </a:spcAft>
               <a:buNone/>
             </a:pPr>
-            <a:r>
-              <a:t/>
-            </a:r>
             <a:endParaRPr/>
           </a:p>
         </p:txBody>
@@ -2003,11 +2090,11 @@
 </file>
 
 <file path=ppt/notesSlides/notesSlide9.xml><?xml version="1.0" encoding="utf-8"?>
-<p:notes xmlns:a="http://schemas.openxmlformats.org/drawingml/2006/main" xmlns:r="http://schemas.openxmlformats.org/officeDocument/2006/relationships" xmlns:mc="http://schemas.openxmlformats.org/markup-compatibility/2006" xmlns:mv="urn:schemas-microsoft-com:mac:vml" xmlns:p="http://schemas.openxmlformats.org/presentationml/2006/main" xmlns:c="http://schemas.openxmlformats.org/drawingml/2006/chart" xmlns:dgm="http://schemas.openxmlformats.org/drawingml/2006/diagram" xmlns:o="urn:schemas-microsoft-com:office:office" xmlns:v="urn:schemas-microsoft-com:vml" xmlns:pvml="urn:schemas-microsoft-com:office:powerpoint" xmlns:com="http://schemas.openxmlformats.org/drawingml/2006/compatibility" xmlns:p14="http://schemas.microsoft.com/office/powerpoint/2010/main" xmlns:p15="http://schemas.microsoft.com/office/powerpoint/2012/main" xmlns:ahyp="http://schemas.microsoft.com/office/drawing/2018/hyperlinkcolor" showMasterPhAnim="0" showMasterSp="0">
+<p:notes xmlns:a="http://schemas.openxmlformats.org/drawingml/2006/main" xmlns:r="http://schemas.openxmlformats.org/officeDocument/2006/relationships" xmlns:p="http://schemas.openxmlformats.org/presentationml/2006/main" showMasterSp="0" showMasterPhAnim="0">
   <p:cSld>
     <p:spTree>
       <p:nvGrpSpPr>
-        <p:cNvPr id="139" name="Shape 139"/>
+        <p:cNvPr id="1" name="Shape 139"/>
         <p:cNvGrpSpPr/>
         <p:nvPr/>
       </p:nvGrpSpPr>
@@ -2022,9 +2109,11 @@
       <p:sp>
         <p:nvSpPr>
           <p:cNvPr id="140" name="Google Shape;140;g125f2d34cea_0_102:notes"/>
-          <p:cNvSpPr/>
+          <p:cNvSpPr>
+            <a:spLocks noGrp="1" noRot="1" noChangeAspect="1"/>
+          </p:cNvSpPr>
           <p:nvPr>
-            <p:ph idx="2" type="sldImg"/>
+            <p:ph type="sldImg" idx="2"/>
           </p:nvPr>
         </p:nvSpPr>
         <p:spPr>
@@ -2033,9 +2122,13 @@
             <a:ext cx="6096000" cy="3429000"/>
           </a:xfrm>
           <a:custGeom>
-            <a:rect b="b" l="l" r="r" t="t"/>
+            <a:avLst/>
+            <a:gdLst/>
+            <a:ahLst/>
+            <a:cxnLst/>
+            <a:rect l="l" t="t" r="r" b="b"/>
             <a:pathLst>
-              <a:path extrusionOk="0" h="120000" w="120000">
+              <a:path w="120000" h="120000" extrusionOk="0">
                 <a:moveTo>
                   <a:pt x="0" y="0"/>
                 </a:moveTo>
@@ -2057,9 +2150,11 @@
       <p:sp>
         <p:nvSpPr>
           <p:cNvPr id="141" name="Google Shape;141;g125f2d34cea_0_102:notes"/>
-          <p:cNvSpPr txBox="1"/>
+          <p:cNvSpPr txBox="1">
+            <a:spLocks noGrp="1"/>
+          </p:cNvSpPr>
           <p:nvPr>
-            <p:ph idx="1" type="body"/>
+            <p:ph type="body" idx="1"/>
           </p:nvPr>
         </p:nvSpPr>
         <p:spPr>
@@ -2072,12 +2167,12 @@
           </a:prstGeom>
         </p:spPr>
         <p:txBody>
-          <a:bodyPr anchorCtr="0" anchor="t" bIns="91425" lIns="91425" spcFirstLastPara="1" rIns="91425" wrap="square" tIns="91425">
+          <a:bodyPr spcFirstLastPara="1" wrap="square" lIns="91425" tIns="91425" rIns="91425" bIns="91425" anchor="t" anchorCtr="0">
             <a:noAutofit/>
           </a:bodyPr>
           <a:lstStyle/>
           <a:p>
-            <a:pPr indent="0" lvl="0" marL="0" rtl="0" algn="l">
+            <a:pPr marL="0" lvl="0" indent="0" algn="l" rtl="0">
               <a:spcBef>
                 <a:spcPts val="0"/>
               </a:spcBef>
@@ -2086,9 +2181,6 @@
               </a:spcAft>
               <a:buNone/>
             </a:pPr>
-            <a:r>
-              <a:t/>
-            </a:r>
             <a:endParaRPr/>
           </a:p>
         </p:txBody>
@@ -2102,18 +2194,19 @@
 </file>
 
 <file path=ppt/slideLayouts/slideLayout1.xml><?xml version="1.0" encoding="utf-8"?>
-<p:sldLayout xmlns:a="http://schemas.openxmlformats.org/drawingml/2006/main" xmlns:r="http://schemas.openxmlformats.org/officeDocument/2006/relationships" xmlns:mc="http://schemas.openxmlformats.org/markup-compatibility/2006" xmlns:mv="urn:schemas-microsoft-com:mac:vml" xmlns:p="http://schemas.openxmlformats.org/presentationml/2006/main" xmlns:c="http://schemas.openxmlformats.org/drawingml/2006/chart" xmlns:dgm="http://schemas.openxmlformats.org/drawingml/2006/diagram" xmlns:o="urn:schemas-microsoft-com:office:office" xmlns:v="urn:schemas-microsoft-com:vml" xmlns:pvml="urn:schemas-microsoft-com:office:powerpoint" xmlns:com="http://schemas.openxmlformats.org/drawingml/2006/compatibility" xmlns:p14="http://schemas.microsoft.com/office/powerpoint/2010/main" xmlns:p15="http://schemas.microsoft.com/office/powerpoint/2012/main" xmlns:ahyp="http://schemas.microsoft.com/office/drawing/2018/hyperlinkcolor" matchingName="Title slide" type="title">
+<p:sldLayout xmlns:a="http://schemas.openxmlformats.org/drawingml/2006/main" xmlns:r="http://schemas.openxmlformats.org/officeDocument/2006/relationships" xmlns:p="http://schemas.openxmlformats.org/presentationml/2006/main" matchingName="Title slide" type="title">
   <p:cSld name="TITLE">
     <p:bg>
       <p:bgPr>
         <a:solidFill>
           <a:schemeClr val="lt2"/>
         </a:solidFill>
+        <a:effectLst/>
       </p:bgPr>
     </p:bg>
     <p:spTree>
       <p:nvGrpSpPr>
-        <p:cNvPr id="9" name="Shape 9"/>
+        <p:cNvPr id="1" name="Shape 9"/>
         <p:cNvGrpSpPr/>
         <p:nvPr/>
       </p:nvGrpSpPr>
@@ -2147,12 +2240,12 @@
           </a:ln>
         </p:spPr>
         <p:txBody>
-          <a:bodyPr anchorCtr="0" anchor="ctr" bIns="91425" lIns="91425" spcFirstLastPara="1" rIns="91425" wrap="square" tIns="91425">
+          <a:bodyPr spcFirstLastPara="1" wrap="square" lIns="91425" tIns="91425" rIns="91425" bIns="91425" anchor="ctr" anchorCtr="0">
             <a:noAutofit/>
           </a:bodyPr>
           <a:lstStyle/>
           <a:p>
-            <a:pPr indent="0" lvl="0" marL="0" rtl="0" algn="l">
+            <a:pPr marL="0" lvl="0" indent="0" algn="l" rtl="0">
               <a:spcBef>
                 <a:spcPts val="0"/>
               </a:spcBef>
@@ -2161,9 +2254,6 @@
               </a:spcAft>
               <a:buNone/>
             </a:pPr>
-            <a:r>
-              <a:t/>
-            </a:r>
             <a:endParaRPr/>
           </a:p>
         </p:txBody>
@@ -2204,12 +2294,12 @@
             </a:ln>
           </p:spPr>
           <p:txBody>
-            <a:bodyPr anchorCtr="0" anchor="ctr" bIns="91425" lIns="91425" spcFirstLastPara="1" rIns="91425" wrap="square" tIns="91425">
+            <a:bodyPr spcFirstLastPara="1" wrap="square" lIns="91425" tIns="91425" rIns="91425" bIns="91425" anchor="ctr" anchorCtr="0">
               <a:noAutofit/>
             </a:bodyPr>
             <a:lstStyle/>
             <a:p>
-              <a:pPr indent="0" lvl="0" marL="0" rtl="0" algn="l">
+              <a:pPr marL="0" lvl="0" indent="0" algn="l" rtl="0">
                 <a:spcBef>
                   <a:spcPts val="0"/>
                 </a:spcBef>
@@ -2218,9 +2308,6 @@
                 </a:spcAft>
                 <a:buNone/>
               </a:pPr>
-              <a:r>
-                <a:t/>
-              </a:r>
               <a:endParaRPr/>
             </a:p>
           </p:txBody>
@@ -2247,12 +2334,12 @@
             </a:ln>
           </p:spPr>
           <p:txBody>
-            <a:bodyPr anchorCtr="0" anchor="ctr" bIns="91425" lIns="91425" spcFirstLastPara="1" rIns="91425" wrap="square" tIns="91425">
+            <a:bodyPr spcFirstLastPara="1" wrap="square" lIns="91425" tIns="91425" rIns="91425" bIns="91425" anchor="ctr" anchorCtr="0">
               <a:noAutofit/>
             </a:bodyPr>
             <a:lstStyle/>
             <a:p>
-              <a:pPr indent="0" lvl="0" marL="0" rtl="0" algn="l">
+              <a:pPr marL="0" lvl="0" indent="0" algn="l" rtl="0">
                 <a:spcBef>
                   <a:spcPts val="0"/>
                 </a:spcBef>
@@ -2261,9 +2348,6 @@
                 </a:spcAft>
                 <a:buNone/>
               </a:pPr>
-              <a:r>
-                <a:t/>
-              </a:r>
               <a:endParaRPr/>
             </a:p>
           </p:txBody>
@@ -2272,7 +2356,9 @@
       <p:sp>
         <p:nvSpPr>
           <p:cNvPr id="14" name="Google Shape;14;p2"/>
-          <p:cNvSpPr txBox="1"/>
+          <p:cNvSpPr txBox="1">
+            <a:spLocks noGrp="1"/>
+          </p:cNvSpPr>
           <p:nvPr>
             <p:ph type="ctrTitle"/>
           </p:nvPr>
@@ -2287,7 +2373,7 @@
           </a:prstGeom>
         </p:spPr>
         <p:txBody>
-          <a:bodyPr anchorCtr="0" anchor="t" bIns="91425" lIns="91425" spcFirstLastPara="1" rIns="91425" wrap="square" tIns="91425">
+          <a:bodyPr spcFirstLastPara="1" wrap="square" lIns="91425" tIns="91425" rIns="91425" bIns="91425" anchor="t" anchorCtr="0">
             <a:normAutofit/>
           </a:bodyPr>
           <a:lstStyle>
@@ -2391,15 +2477,19 @@
               <a:defRPr sz="4200"/>
             </a:lvl9pPr>
           </a:lstStyle>
-          <a:p/>
+          <a:p>
+            <a:endParaRPr/>
+          </a:p>
         </p:txBody>
       </p:sp>
       <p:sp>
         <p:nvSpPr>
           <p:cNvPr id="15" name="Google Shape;15;p2"/>
-          <p:cNvSpPr txBox="1"/>
+          <p:cNvSpPr txBox="1">
+            <a:spLocks noGrp="1"/>
+          </p:cNvSpPr>
           <p:nvPr>
-            <p:ph idx="1" type="subTitle"/>
+            <p:ph type="subTitle" idx="1"/>
           </p:nvPr>
         </p:nvSpPr>
         <p:spPr>
@@ -2412,7 +2502,7 @@
           </a:prstGeom>
         </p:spPr>
         <p:txBody>
-          <a:bodyPr anchorCtr="0" anchor="t" bIns="91425" lIns="91425" spcFirstLastPara="1" rIns="91425" wrap="square" tIns="91425">
+          <a:bodyPr spcFirstLastPara="1" wrap="square" lIns="91425" tIns="91425" rIns="91425" bIns="91425" anchor="t" anchorCtr="0">
             <a:normAutofit/>
           </a:bodyPr>
           <a:lstStyle>
@@ -2543,15 +2633,19 @@
               <a:defRPr sz="1600"/>
             </a:lvl9pPr>
           </a:lstStyle>
-          <a:p/>
+          <a:p>
+            <a:endParaRPr/>
+          </a:p>
         </p:txBody>
       </p:sp>
       <p:sp>
         <p:nvSpPr>
           <p:cNvPr id="16" name="Google Shape;16;p2"/>
-          <p:cNvSpPr txBox="1"/>
+          <p:cNvSpPr txBox="1">
+            <a:spLocks noGrp="1"/>
+          </p:cNvSpPr>
           <p:nvPr>
-            <p:ph idx="12" type="sldNum"/>
+            <p:ph type="sldNum" idx="12"/>
           </p:nvPr>
         </p:nvSpPr>
         <p:spPr>
@@ -2564,7 +2658,7 @@
           </a:prstGeom>
         </p:spPr>
         <p:txBody>
-          <a:bodyPr anchorCtr="0" anchor="ctr" bIns="91425" lIns="91425" spcFirstLastPara="1" rIns="91425" wrap="square" tIns="91425">
+          <a:bodyPr spcFirstLastPara="1" wrap="square" lIns="91425" tIns="91425" rIns="91425" bIns="91425" anchor="ctr" anchorCtr="0">
             <a:normAutofit/>
           </a:bodyPr>
           <a:lstStyle>
@@ -2606,7 +2700,7 @@
             </a:lvl9pPr>
           </a:lstStyle>
           <a:p>
-            <a:pPr indent="0" lvl="0" marL="0" rtl="0" algn="r">
+            <a:pPr marL="0" lvl="0" indent="0" algn="r" rtl="0">
               <a:spcBef>
                 <a:spcPts val="0"/>
               </a:spcBef>
@@ -2632,18 +2726,19 @@
 </file>
 
 <file path=ppt/slideLayouts/slideLayout10.xml><?xml version="1.0" encoding="utf-8"?>
-<p:sldLayout xmlns:a="http://schemas.openxmlformats.org/drawingml/2006/main" xmlns:r="http://schemas.openxmlformats.org/officeDocument/2006/relationships" xmlns:mc="http://schemas.openxmlformats.org/markup-compatibility/2006" xmlns:mv="urn:schemas-microsoft-com:mac:vml" xmlns:p="http://schemas.openxmlformats.org/presentationml/2006/main" xmlns:c="http://schemas.openxmlformats.org/drawingml/2006/chart" xmlns:dgm="http://schemas.openxmlformats.org/drawingml/2006/diagram" xmlns:o="urn:schemas-microsoft-com:office:office" xmlns:v="urn:schemas-microsoft-com:vml" xmlns:pvml="urn:schemas-microsoft-com:office:powerpoint" xmlns:com="http://schemas.openxmlformats.org/drawingml/2006/compatibility" xmlns:p14="http://schemas.microsoft.com/office/powerpoint/2010/main" xmlns:p15="http://schemas.microsoft.com/office/powerpoint/2012/main" xmlns:ahyp="http://schemas.microsoft.com/office/drawing/2018/hyperlinkcolor" matchingName="Big number">
+<p:sldLayout xmlns:a="http://schemas.openxmlformats.org/drawingml/2006/main" xmlns:r="http://schemas.openxmlformats.org/officeDocument/2006/relationships" xmlns:p="http://schemas.openxmlformats.org/presentationml/2006/main" matchingName="Big number">
   <p:cSld name="BIG_NUMBER">
     <p:bg>
       <p:bgPr>
         <a:solidFill>
           <a:schemeClr val="dk1"/>
         </a:solidFill>
+        <a:effectLst/>
       </p:bgPr>
     </p:bg>
     <p:spTree>
       <p:nvGrpSpPr>
-        <p:cNvPr id="73" name="Shape 73"/>
+        <p:cNvPr id="1" name="Shape 73"/>
         <p:cNvGrpSpPr/>
         <p:nvPr/>
       </p:nvGrpSpPr>
@@ -2691,12 +2786,12 @@
             </a:ln>
           </p:spPr>
           <p:txBody>
-            <a:bodyPr anchorCtr="0" anchor="ctr" bIns="91425" lIns="91425" spcFirstLastPara="1" rIns="91425" wrap="square" tIns="91425">
+            <a:bodyPr spcFirstLastPara="1" wrap="square" lIns="91425" tIns="91425" rIns="91425" bIns="91425" anchor="ctr" anchorCtr="0">
               <a:noAutofit/>
             </a:bodyPr>
             <a:lstStyle/>
             <a:p>
-              <a:pPr indent="0" lvl="0" marL="0" rtl="0" algn="l">
+              <a:pPr marL="0" lvl="0" indent="0" algn="l" rtl="0">
                 <a:spcBef>
                   <a:spcPts val="0"/>
                 </a:spcBef>
@@ -2705,9 +2800,6 @@
                 </a:spcAft>
                 <a:buNone/>
               </a:pPr>
-              <a:r>
-                <a:t/>
-              </a:r>
               <a:endParaRPr/>
             </a:p>
           </p:txBody>
@@ -2734,12 +2826,12 @@
             </a:ln>
           </p:spPr>
           <p:txBody>
-            <a:bodyPr anchorCtr="0" anchor="ctr" bIns="91425" lIns="91425" spcFirstLastPara="1" rIns="91425" wrap="square" tIns="91425">
+            <a:bodyPr spcFirstLastPara="1" wrap="square" lIns="91425" tIns="91425" rIns="91425" bIns="91425" anchor="ctr" anchorCtr="0">
               <a:noAutofit/>
             </a:bodyPr>
             <a:lstStyle/>
             <a:p>
-              <a:pPr indent="0" lvl="0" marL="0" rtl="0" algn="l">
+              <a:pPr marL="0" lvl="0" indent="0" algn="l" rtl="0">
                 <a:spcBef>
                   <a:spcPts val="0"/>
                 </a:spcBef>
@@ -2748,9 +2840,6 @@
                 </a:spcAft>
                 <a:buNone/>
               </a:pPr>
-              <a:r>
-                <a:t/>
-              </a:r>
               <a:endParaRPr/>
             </a:p>
           </p:txBody>
@@ -2759,9 +2848,11 @@
       <p:sp>
         <p:nvSpPr>
           <p:cNvPr id="77" name="Google Shape;77;p11"/>
-          <p:cNvSpPr txBox="1"/>
+          <p:cNvSpPr txBox="1">
+            <a:spLocks noGrp="1"/>
+          </p:cNvSpPr>
           <p:nvPr>
-            <p:ph hasCustomPrompt="1" type="title"/>
+            <p:ph type="title" hasCustomPrompt="1"/>
           </p:nvPr>
         </p:nvSpPr>
         <p:spPr>
@@ -2774,7 +2865,7 @@
           </a:prstGeom>
         </p:spPr>
         <p:txBody>
-          <a:bodyPr anchorCtr="0" anchor="t" bIns="91425" lIns="91425" spcFirstLastPara="1" rIns="91425" wrap="square" tIns="91425">
+          <a:bodyPr spcFirstLastPara="1" wrap="square" lIns="91425" tIns="91425" rIns="91425" bIns="91425" anchor="t" anchorCtr="0">
             <a:normAutofit/>
           </a:bodyPr>
           <a:lstStyle>
@@ -2951,9 +3042,11 @@
       <p:sp>
         <p:nvSpPr>
           <p:cNvPr id="78" name="Google Shape;78;p11"/>
-          <p:cNvSpPr txBox="1"/>
+          <p:cNvSpPr txBox="1">
+            <a:spLocks noGrp="1"/>
+          </p:cNvSpPr>
           <p:nvPr>
-            <p:ph idx="1" type="body"/>
+            <p:ph type="body" idx="1"/>
           </p:nvPr>
         </p:nvSpPr>
         <p:spPr>
@@ -2966,11 +3059,11 @@
           </a:prstGeom>
         </p:spPr>
         <p:txBody>
-          <a:bodyPr anchorCtr="0" anchor="t" bIns="91425" lIns="91425" spcFirstLastPara="1" rIns="91425" wrap="square" tIns="91425">
+          <a:bodyPr spcFirstLastPara="1" wrap="square" lIns="91425" tIns="91425" rIns="91425" bIns="91425" anchor="t" anchorCtr="0">
             <a:normAutofit/>
           </a:bodyPr>
           <a:lstStyle>
-            <a:lvl1pPr indent="-311150" lvl="0" marL="457200">
+            <a:lvl1pPr marL="457200" lvl="0" indent="-311150">
               <a:spcBef>
                 <a:spcPts val="0"/>
               </a:spcBef>
@@ -2988,7 +3081,7 @@
                 </a:solidFill>
               </a:defRPr>
             </a:lvl1pPr>
-            <a:lvl2pPr indent="-298450" lvl="1" marL="914400">
+            <a:lvl2pPr marL="914400" lvl="1" indent="-298450">
               <a:spcBef>
                 <a:spcPts val="0"/>
               </a:spcBef>
@@ -3006,7 +3099,7 @@
                 </a:solidFill>
               </a:defRPr>
             </a:lvl2pPr>
-            <a:lvl3pPr indent="-298450" lvl="2" marL="1371600">
+            <a:lvl3pPr marL="1371600" lvl="2" indent="-298450">
               <a:spcBef>
                 <a:spcPts val="0"/>
               </a:spcBef>
@@ -3024,7 +3117,7 @@
                 </a:solidFill>
               </a:defRPr>
             </a:lvl3pPr>
-            <a:lvl4pPr indent="-298450" lvl="3" marL="1828800">
+            <a:lvl4pPr marL="1828800" lvl="3" indent="-298450">
               <a:spcBef>
                 <a:spcPts val="0"/>
               </a:spcBef>
@@ -3042,7 +3135,7 @@
                 </a:solidFill>
               </a:defRPr>
             </a:lvl4pPr>
-            <a:lvl5pPr indent="-298450" lvl="4" marL="2286000">
+            <a:lvl5pPr marL="2286000" lvl="4" indent="-298450">
               <a:spcBef>
                 <a:spcPts val="0"/>
               </a:spcBef>
@@ -3060,7 +3153,7 @@
                 </a:solidFill>
               </a:defRPr>
             </a:lvl5pPr>
-            <a:lvl6pPr indent="-298450" lvl="5" marL="2743200">
+            <a:lvl6pPr marL="2743200" lvl="5" indent="-298450">
               <a:spcBef>
                 <a:spcPts val="0"/>
               </a:spcBef>
@@ -3078,7 +3171,7 @@
                 </a:solidFill>
               </a:defRPr>
             </a:lvl6pPr>
-            <a:lvl7pPr indent="-298450" lvl="6" marL="3200400">
+            <a:lvl7pPr marL="3200400" lvl="6" indent="-298450">
               <a:spcBef>
                 <a:spcPts val="0"/>
               </a:spcBef>
@@ -3096,7 +3189,7 @@
                 </a:solidFill>
               </a:defRPr>
             </a:lvl7pPr>
-            <a:lvl8pPr indent="-298450" lvl="7" marL="3657600">
+            <a:lvl8pPr marL="3657600" lvl="7" indent="-298450">
               <a:spcBef>
                 <a:spcPts val="0"/>
               </a:spcBef>
@@ -3114,7 +3207,7 @@
                 </a:solidFill>
               </a:defRPr>
             </a:lvl8pPr>
-            <a:lvl9pPr indent="-298450" lvl="8" marL="4114800">
+            <a:lvl9pPr marL="4114800" lvl="8" indent="-298450">
               <a:spcBef>
                 <a:spcPts val="0"/>
               </a:spcBef>
@@ -3133,15 +3226,19 @@
               </a:defRPr>
             </a:lvl9pPr>
           </a:lstStyle>
-          <a:p/>
+          <a:p>
+            <a:endParaRPr/>
+          </a:p>
         </p:txBody>
       </p:sp>
       <p:sp>
         <p:nvSpPr>
           <p:cNvPr id="79" name="Google Shape;79;p11"/>
-          <p:cNvSpPr txBox="1"/>
+          <p:cNvSpPr txBox="1">
+            <a:spLocks noGrp="1"/>
+          </p:cNvSpPr>
           <p:nvPr>
-            <p:ph idx="12" type="sldNum"/>
+            <p:ph type="sldNum" idx="12"/>
           </p:nvPr>
         </p:nvSpPr>
         <p:spPr>
@@ -3154,7 +3251,7 @@
           </a:prstGeom>
         </p:spPr>
         <p:txBody>
-          <a:bodyPr anchorCtr="0" anchor="ctr" bIns="91425" lIns="91425" spcFirstLastPara="1" rIns="91425" wrap="square" tIns="91425">
+          <a:bodyPr spcFirstLastPara="1" wrap="square" lIns="91425" tIns="91425" rIns="91425" bIns="91425" anchor="ctr" anchorCtr="0">
             <a:normAutofit/>
           </a:bodyPr>
           <a:lstStyle>
@@ -3232,7 +3329,7 @@
             </a:lvl9pPr>
           </a:lstStyle>
           <a:p>
-            <a:pPr indent="0" lvl="0" marL="0" rtl="0" algn="r">
+            <a:pPr marL="0" lvl="0" indent="0" algn="r" rtl="0">
               <a:spcBef>
                 <a:spcPts val="0"/>
               </a:spcBef>
@@ -3258,11 +3355,11 @@
 </file>
 
 <file path=ppt/slideLayouts/slideLayout11.xml><?xml version="1.0" encoding="utf-8"?>
-<p:sldLayout xmlns:a="http://schemas.openxmlformats.org/drawingml/2006/main" xmlns:r="http://schemas.openxmlformats.org/officeDocument/2006/relationships" xmlns:mc="http://schemas.openxmlformats.org/markup-compatibility/2006" xmlns:mv="urn:schemas-microsoft-com:mac:vml" xmlns:p="http://schemas.openxmlformats.org/presentationml/2006/main" xmlns:c="http://schemas.openxmlformats.org/drawingml/2006/chart" xmlns:dgm="http://schemas.openxmlformats.org/drawingml/2006/diagram" xmlns:o="urn:schemas-microsoft-com:office:office" xmlns:v="urn:schemas-microsoft-com:vml" xmlns:pvml="urn:schemas-microsoft-com:office:powerpoint" xmlns:com="http://schemas.openxmlformats.org/drawingml/2006/compatibility" xmlns:p14="http://schemas.microsoft.com/office/powerpoint/2010/main" xmlns:p15="http://schemas.microsoft.com/office/powerpoint/2012/main" xmlns:ahyp="http://schemas.microsoft.com/office/drawing/2018/hyperlinkcolor" matchingName="Blank" type="blank">
+<p:sldLayout xmlns:a="http://schemas.openxmlformats.org/drawingml/2006/main" xmlns:r="http://schemas.openxmlformats.org/officeDocument/2006/relationships" xmlns:p="http://schemas.openxmlformats.org/presentationml/2006/main" matchingName="Blank" type="blank">
   <p:cSld name="BLANK">
     <p:spTree>
       <p:nvGrpSpPr>
-        <p:cNvPr id="80" name="Shape 80"/>
+        <p:cNvPr id="1" name="Shape 80"/>
         <p:cNvGrpSpPr/>
         <p:nvPr/>
       </p:nvGrpSpPr>
@@ -3277,9 +3374,11 @@
       <p:sp>
         <p:nvSpPr>
           <p:cNvPr id="81" name="Google Shape;81;p12"/>
-          <p:cNvSpPr txBox="1"/>
+          <p:cNvSpPr txBox="1">
+            <a:spLocks noGrp="1"/>
+          </p:cNvSpPr>
           <p:nvPr>
-            <p:ph idx="12" type="sldNum"/>
+            <p:ph type="sldNum" idx="12"/>
           </p:nvPr>
         </p:nvSpPr>
         <p:spPr>
@@ -3292,7 +3391,7 @@
           </a:prstGeom>
         </p:spPr>
         <p:txBody>
-          <a:bodyPr anchorCtr="0" anchor="ctr" bIns="91425" lIns="91425" spcFirstLastPara="1" rIns="91425" wrap="square" tIns="91425">
+          <a:bodyPr spcFirstLastPara="1" wrap="square" lIns="91425" tIns="91425" rIns="91425" bIns="91425" anchor="ctr" anchorCtr="0">
             <a:normAutofit/>
           </a:bodyPr>
           <a:lstStyle>
@@ -3334,7 +3433,7 @@
             </a:lvl9pPr>
           </a:lstStyle>
           <a:p>
-            <a:pPr indent="0" lvl="0" marL="0" rtl="0" algn="r">
+            <a:pPr marL="0" lvl="0" indent="0" algn="r" rtl="0">
               <a:spcBef>
                 <a:spcPts val="0"/>
               </a:spcBef>
@@ -3360,18 +3459,19 @@
 </file>
 
 <file path=ppt/slideLayouts/slideLayout2.xml><?xml version="1.0" encoding="utf-8"?>
-<p:sldLayout xmlns:a="http://schemas.openxmlformats.org/drawingml/2006/main" xmlns:r="http://schemas.openxmlformats.org/officeDocument/2006/relationships" xmlns:mc="http://schemas.openxmlformats.org/markup-compatibility/2006" xmlns:mv="urn:schemas-microsoft-com:mac:vml" xmlns:p="http://schemas.openxmlformats.org/presentationml/2006/main" xmlns:c="http://schemas.openxmlformats.org/drawingml/2006/chart" xmlns:dgm="http://schemas.openxmlformats.org/drawingml/2006/diagram" xmlns:o="urn:schemas-microsoft-com:office:office" xmlns:v="urn:schemas-microsoft-com:vml" xmlns:pvml="urn:schemas-microsoft-com:office:powerpoint" xmlns:com="http://schemas.openxmlformats.org/drawingml/2006/compatibility" xmlns:p14="http://schemas.microsoft.com/office/powerpoint/2010/main" xmlns:p15="http://schemas.microsoft.com/office/powerpoint/2012/main" xmlns:ahyp="http://schemas.microsoft.com/office/drawing/2018/hyperlinkcolor" matchingName="Section header" type="secHead">
+<p:sldLayout xmlns:a="http://schemas.openxmlformats.org/drawingml/2006/main" xmlns:r="http://schemas.openxmlformats.org/officeDocument/2006/relationships" xmlns:p="http://schemas.openxmlformats.org/presentationml/2006/main" matchingName="Section header" type="secHead">
   <p:cSld name="SECTION_HEADER">
     <p:bg>
       <p:bgPr>
         <a:solidFill>
           <a:schemeClr val="dk1"/>
         </a:solidFill>
+        <a:effectLst/>
       </p:bgPr>
     </p:bg>
     <p:spTree>
       <p:nvGrpSpPr>
-        <p:cNvPr id="17" name="Shape 17"/>
+        <p:cNvPr id="1" name="Shape 17"/>
         <p:cNvGrpSpPr/>
         <p:nvPr/>
       </p:nvGrpSpPr>
@@ -3419,12 +3519,12 @@
             </a:ln>
           </p:spPr>
           <p:txBody>
-            <a:bodyPr anchorCtr="0" anchor="ctr" bIns="91425" lIns="91425" spcFirstLastPara="1" rIns="91425" wrap="square" tIns="91425">
+            <a:bodyPr spcFirstLastPara="1" wrap="square" lIns="91425" tIns="91425" rIns="91425" bIns="91425" anchor="ctr" anchorCtr="0">
               <a:noAutofit/>
             </a:bodyPr>
             <a:lstStyle/>
             <a:p>
-              <a:pPr indent="0" lvl="0" marL="0" rtl="0" algn="l">
+              <a:pPr marL="0" lvl="0" indent="0" algn="l" rtl="0">
                 <a:spcBef>
                   <a:spcPts val="0"/>
                 </a:spcBef>
@@ -3433,9 +3533,6 @@
                 </a:spcAft>
                 <a:buNone/>
               </a:pPr>
-              <a:r>
-                <a:t/>
-              </a:r>
               <a:endParaRPr/>
             </a:p>
           </p:txBody>
@@ -3462,12 +3559,12 @@
             </a:ln>
           </p:spPr>
           <p:txBody>
-            <a:bodyPr anchorCtr="0" anchor="ctr" bIns="91425" lIns="91425" spcFirstLastPara="1" rIns="91425" wrap="square" tIns="91425">
+            <a:bodyPr spcFirstLastPara="1" wrap="square" lIns="91425" tIns="91425" rIns="91425" bIns="91425" anchor="ctr" anchorCtr="0">
               <a:noAutofit/>
             </a:bodyPr>
             <a:lstStyle/>
             <a:p>
-              <a:pPr indent="0" lvl="0" marL="0" rtl="0" algn="l">
+              <a:pPr marL="0" lvl="0" indent="0" algn="l" rtl="0">
                 <a:spcBef>
                   <a:spcPts val="0"/>
                 </a:spcBef>
@@ -3476,9 +3573,6 @@
                 </a:spcAft>
                 <a:buNone/>
               </a:pPr>
-              <a:r>
-                <a:t/>
-              </a:r>
               <a:endParaRPr/>
             </a:p>
           </p:txBody>
@@ -3487,7 +3581,9 @@
       <p:sp>
         <p:nvSpPr>
           <p:cNvPr id="21" name="Google Shape;21;p3"/>
-          <p:cNvSpPr txBox="1"/>
+          <p:cNvSpPr txBox="1">
+            <a:spLocks noGrp="1"/>
+          </p:cNvSpPr>
           <p:nvPr>
             <p:ph type="title"/>
           </p:nvPr>
@@ -3502,7 +3598,7 @@
           </a:prstGeom>
         </p:spPr>
         <p:txBody>
-          <a:bodyPr anchorCtr="0" anchor="t" bIns="91425" lIns="91425" spcFirstLastPara="1" rIns="91425" wrap="square" tIns="91425">
+          <a:bodyPr spcFirstLastPara="1" wrap="square" lIns="91425" tIns="91425" rIns="91425" bIns="91425" anchor="t" anchorCtr="0">
             <a:normAutofit/>
           </a:bodyPr>
           <a:lstStyle>
@@ -3669,15 +3765,19 @@
               </a:defRPr>
             </a:lvl9pPr>
           </a:lstStyle>
-          <a:p/>
+          <a:p>
+            <a:endParaRPr/>
+          </a:p>
         </p:txBody>
       </p:sp>
       <p:sp>
         <p:nvSpPr>
           <p:cNvPr id="22" name="Google Shape;22;p3"/>
-          <p:cNvSpPr txBox="1"/>
+          <p:cNvSpPr txBox="1">
+            <a:spLocks noGrp="1"/>
+          </p:cNvSpPr>
           <p:nvPr>
-            <p:ph idx="12" type="sldNum"/>
+            <p:ph type="sldNum" idx="12"/>
           </p:nvPr>
         </p:nvSpPr>
         <p:spPr>
@@ -3690,7 +3790,7 @@
           </a:prstGeom>
         </p:spPr>
         <p:txBody>
-          <a:bodyPr anchorCtr="0" anchor="ctr" bIns="91425" lIns="91425" spcFirstLastPara="1" rIns="91425" wrap="square" tIns="91425">
+          <a:bodyPr spcFirstLastPara="1" wrap="square" lIns="91425" tIns="91425" rIns="91425" bIns="91425" anchor="ctr" anchorCtr="0">
             <a:normAutofit/>
           </a:bodyPr>
           <a:lstStyle>
@@ -3768,7 +3868,7 @@
             </a:lvl9pPr>
           </a:lstStyle>
           <a:p>
-            <a:pPr indent="0" lvl="0" marL="0" rtl="0" algn="r">
+            <a:pPr marL="0" lvl="0" indent="0" algn="r" rtl="0">
               <a:spcBef>
                 <a:spcPts val="0"/>
               </a:spcBef>
@@ -3794,11 +3894,11 @@
 </file>
 
 <file path=ppt/slideLayouts/slideLayout3.xml><?xml version="1.0" encoding="utf-8"?>
-<p:sldLayout xmlns:a="http://schemas.openxmlformats.org/drawingml/2006/main" xmlns:r="http://schemas.openxmlformats.org/officeDocument/2006/relationships" xmlns:mc="http://schemas.openxmlformats.org/markup-compatibility/2006" xmlns:mv="urn:schemas-microsoft-com:mac:vml" xmlns:p="http://schemas.openxmlformats.org/presentationml/2006/main" xmlns:c="http://schemas.openxmlformats.org/drawingml/2006/chart" xmlns:dgm="http://schemas.openxmlformats.org/drawingml/2006/diagram" xmlns:o="urn:schemas-microsoft-com:office:office" xmlns:v="urn:schemas-microsoft-com:vml" xmlns:pvml="urn:schemas-microsoft-com:office:powerpoint" xmlns:com="http://schemas.openxmlformats.org/drawingml/2006/compatibility" xmlns:p14="http://schemas.microsoft.com/office/powerpoint/2010/main" xmlns:p15="http://schemas.microsoft.com/office/powerpoint/2012/main" xmlns:ahyp="http://schemas.microsoft.com/office/drawing/2018/hyperlinkcolor" matchingName="Title and body" type="tx">
+<p:sldLayout xmlns:a="http://schemas.openxmlformats.org/drawingml/2006/main" xmlns:r="http://schemas.openxmlformats.org/officeDocument/2006/relationships" xmlns:p="http://schemas.openxmlformats.org/presentationml/2006/main" matchingName="Title and body" type="tx">
   <p:cSld name="TITLE_AND_BODY">
     <p:spTree>
       <p:nvGrpSpPr>
-        <p:cNvPr id="23" name="Shape 23"/>
+        <p:cNvPr id="1" name="Shape 23"/>
         <p:cNvGrpSpPr/>
         <p:nvPr/>
       </p:nvGrpSpPr>
@@ -3832,12 +3932,12 @@
           </a:ln>
         </p:spPr>
         <p:txBody>
-          <a:bodyPr anchorCtr="0" anchor="ctr" bIns="91425" lIns="91425" spcFirstLastPara="1" rIns="91425" wrap="square" tIns="91425">
+          <a:bodyPr spcFirstLastPara="1" wrap="square" lIns="91425" tIns="91425" rIns="91425" bIns="91425" anchor="ctr" anchorCtr="0">
             <a:noAutofit/>
           </a:bodyPr>
           <a:lstStyle/>
           <a:p>
-            <a:pPr indent="0" lvl="0" marL="0" rtl="0" algn="l">
+            <a:pPr marL="0" lvl="0" indent="0" algn="l" rtl="0">
               <a:spcBef>
                 <a:spcPts val="0"/>
               </a:spcBef>
@@ -3846,9 +3946,6 @@
               </a:spcAft>
               <a:buNone/>
             </a:pPr>
-            <a:r>
-              <a:t/>
-            </a:r>
             <a:endParaRPr/>
           </a:p>
         </p:txBody>
@@ -3889,12 +3986,12 @@
             </a:ln>
           </p:spPr>
           <p:txBody>
-            <a:bodyPr anchorCtr="0" anchor="ctr" bIns="91425" lIns="91425" spcFirstLastPara="1" rIns="91425" wrap="square" tIns="91425">
+            <a:bodyPr spcFirstLastPara="1" wrap="square" lIns="91425" tIns="91425" rIns="91425" bIns="91425" anchor="ctr" anchorCtr="0">
               <a:noAutofit/>
             </a:bodyPr>
             <a:lstStyle/>
             <a:p>
-              <a:pPr indent="0" lvl="0" marL="0" rtl="0" algn="l">
+              <a:pPr marL="0" lvl="0" indent="0" algn="l" rtl="0">
                 <a:spcBef>
                   <a:spcPts val="0"/>
                 </a:spcBef>
@@ -3903,9 +4000,6 @@
                 </a:spcAft>
                 <a:buNone/>
               </a:pPr>
-              <a:r>
-                <a:t/>
-              </a:r>
               <a:endParaRPr/>
             </a:p>
           </p:txBody>
@@ -3932,12 +4026,12 @@
             </a:ln>
           </p:spPr>
           <p:txBody>
-            <a:bodyPr anchorCtr="0" anchor="ctr" bIns="91425" lIns="91425" spcFirstLastPara="1" rIns="91425" wrap="square" tIns="91425">
+            <a:bodyPr spcFirstLastPara="1" wrap="square" lIns="91425" tIns="91425" rIns="91425" bIns="91425" anchor="ctr" anchorCtr="0">
               <a:noAutofit/>
             </a:bodyPr>
             <a:lstStyle/>
             <a:p>
-              <a:pPr indent="0" lvl="0" marL="0" rtl="0" algn="l">
+              <a:pPr marL="0" lvl="0" indent="0" algn="l" rtl="0">
                 <a:spcBef>
                   <a:spcPts val="0"/>
                 </a:spcBef>
@@ -3946,9 +4040,6 @@
                 </a:spcAft>
                 <a:buNone/>
               </a:pPr>
-              <a:r>
-                <a:t/>
-              </a:r>
               <a:endParaRPr/>
             </a:p>
           </p:txBody>
@@ -3957,7 +4048,9 @@
       <p:sp>
         <p:nvSpPr>
           <p:cNvPr id="28" name="Google Shape;28;p4"/>
-          <p:cNvSpPr txBox="1"/>
+          <p:cNvSpPr txBox="1">
+            <a:spLocks noGrp="1"/>
+          </p:cNvSpPr>
           <p:nvPr>
             <p:ph type="title"/>
           </p:nvPr>
@@ -3972,7 +4065,7 @@
           </a:prstGeom>
         </p:spPr>
         <p:txBody>
-          <a:bodyPr anchorCtr="0" anchor="t" bIns="91425" lIns="91425" spcFirstLastPara="1" rIns="91425" wrap="square" tIns="91425">
+          <a:bodyPr spcFirstLastPara="1" wrap="square" lIns="91425" tIns="91425" rIns="91425" bIns="91425" anchor="t" anchorCtr="0">
             <a:normAutofit/>
           </a:bodyPr>
           <a:lstStyle>
@@ -4076,15 +4169,19 @@
               <a:defRPr sz="2600"/>
             </a:lvl9pPr>
           </a:lstStyle>
-          <a:p/>
+          <a:p>
+            <a:endParaRPr/>
+          </a:p>
         </p:txBody>
       </p:sp>
       <p:sp>
         <p:nvSpPr>
           <p:cNvPr id="29" name="Google Shape;29;p4"/>
-          <p:cNvSpPr txBox="1"/>
+          <p:cNvSpPr txBox="1">
+            <a:spLocks noGrp="1"/>
+          </p:cNvSpPr>
           <p:nvPr>
-            <p:ph idx="1" type="body"/>
+            <p:ph type="body" idx="1"/>
           </p:nvPr>
         </p:nvSpPr>
         <p:spPr>
@@ -4097,11 +4194,11 @@
           </a:prstGeom>
         </p:spPr>
         <p:txBody>
-          <a:bodyPr anchorCtr="0" anchor="t" bIns="91425" lIns="91425" spcFirstLastPara="1" rIns="91425" wrap="square" tIns="91425">
+          <a:bodyPr spcFirstLastPara="1" wrap="square" lIns="91425" tIns="91425" rIns="91425" bIns="91425" anchor="t" anchorCtr="0">
             <a:normAutofit/>
           </a:bodyPr>
           <a:lstStyle>
-            <a:lvl1pPr indent="-311150" lvl="0" marL="457200">
+            <a:lvl1pPr marL="457200" lvl="0" indent="-311150">
               <a:spcBef>
                 <a:spcPts val="0"/>
               </a:spcBef>
@@ -4112,7 +4209,7 @@
               <a:buChar char="●"/>
               <a:defRPr/>
             </a:lvl1pPr>
-            <a:lvl2pPr indent="-298450" lvl="1" marL="914400">
+            <a:lvl2pPr marL="914400" lvl="1" indent="-298450">
               <a:spcBef>
                 <a:spcPts val="0"/>
               </a:spcBef>
@@ -4123,7 +4220,7 @@
               <a:buChar char="○"/>
               <a:defRPr/>
             </a:lvl2pPr>
-            <a:lvl3pPr indent="-298450" lvl="2" marL="1371600">
+            <a:lvl3pPr marL="1371600" lvl="2" indent="-298450">
               <a:spcBef>
                 <a:spcPts val="0"/>
               </a:spcBef>
@@ -4134,7 +4231,7 @@
               <a:buChar char="■"/>
               <a:defRPr/>
             </a:lvl3pPr>
-            <a:lvl4pPr indent="-298450" lvl="3" marL="1828800">
+            <a:lvl4pPr marL="1828800" lvl="3" indent="-298450">
               <a:spcBef>
                 <a:spcPts val="0"/>
               </a:spcBef>
@@ -4145,7 +4242,7 @@
               <a:buChar char="●"/>
               <a:defRPr/>
             </a:lvl4pPr>
-            <a:lvl5pPr indent="-298450" lvl="4" marL="2286000">
+            <a:lvl5pPr marL="2286000" lvl="4" indent="-298450">
               <a:spcBef>
                 <a:spcPts val="0"/>
               </a:spcBef>
@@ -4156,7 +4253,7 @@
               <a:buChar char="○"/>
               <a:defRPr/>
             </a:lvl5pPr>
-            <a:lvl6pPr indent="-298450" lvl="5" marL="2743200">
+            <a:lvl6pPr marL="2743200" lvl="5" indent="-298450">
               <a:spcBef>
                 <a:spcPts val="0"/>
               </a:spcBef>
@@ -4167,7 +4264,7 @@
               <a:buChar char="■"/>
               <a:defRPr/>
             </a:lvl6pPr>
-            <a:lvl7pPr indent="-298450" lvl="6" marL="3200400">
+            <a:lvl7pPr marL="3200400" lvl="6" indent="-298450">
               <a:spcBef>
                 <a:spcPts val="0"/>
               </a:spcBef>
@@ -4178,7 +4275,7 @@
               <a:buChar char="●"/>
               <a:defRPr/>
             </a:lvl7pPr>
-            <a:lvl8pPr indent="-298450" lvl="7" marL="3657600">
+            <a:lvl8pPr marL="3657600" lvl="7" indent="-298450">
               <a:spcBef>
                 <a:spcPts val="0"/>
               </a:spcBef>
@@ -4189,7 +4286,7 @@
               <a:buChar char="○"/>
               <a:defRPr/>
             </a:lvl8pPr>
-            <a:lvl9pPr indent="-298450" lvl="8" marL="4114800">
+            <a:lvl9pPr marL="4114800" lvl="8" indent="-298450">
               <a:spcBef>
                 <a:spcPts val="0"/>
               </a:spcBef>
@@ -4201,15 +4298,19 @@
               <a:defRPr/>
             </a:lvl9pPr>
           </a:lstStyle>
-          <a:p/>
+          <a:p>
+            <a:endParaRPr/>
+          </a:p>
         </p:txBody>
       </p:sp>
       <p:sp>
         <p:nvSpPr>
           <p:cNvPr id="30" name="Google Shape;30;p4"/>
-          <p:cNvSpPr txBox="1"/>
+          <p:cNvSpPr txBox="1">
+            <a:spLocks noGrp="1"/>
+          </p:cNvSpPr>
           <p:nvPr>
-            <p:ph idx="12" type="sldNum"/>
+            <p:ph type="sldNum" idx="12"/>
           </p:nvPr>
         </p:nvSpPr>
         <p:spPr>
@@ -4222,7 +4323,7 @@
           </a:prstGeom>
         </p:spPr>
         <p:txBody>
-          <a:bodyPr anchorCtr="0" anchor="ctr" bIns="91425" lIns="91425" spcFirstLastPara="1" rIns="91425" wrap="square" tIns="91425">
+          <a:bodyPr spcFirstLastPara="1" wrap="square" lIns="91425" tIns="91425" rIns="91425" bIns="91425" anchor="ctr" anchorCtr="0">
             <a:normAutofit/>
           </a:bodyPr>
           <a:lstStyle>
@@ -4264,7 +4365,7 @@
             </a:lvl9pPr>
           </a:lstStyle>
           <a:p>
-            <a:pPr indent="0" lvl="0" marL="0" rtl="0" algn="r">
+            <a:pPr marL="0" lvl="0" indent="0" algn="r" rtl="0">
               <a:spcBef>
                 <a:spcPts val="0"/>
               </a:spcBef>
@@ -4290,11 +4391,11 @@
 </file>
 
 <file path=ppt/slideLayouts/slideLayout4.xml><?xml version="1.0" encoding="utf-8"?>
-<p:sldLayout xmlns:a="http://schemas.openxmlformats.org/drawingml/2006/main" xmlns:r="http://schemas.openxmlformats.org/officeDocument/2006/relationships" xmlns:mc="http://schemas.openxmlformats.org/markup-compatibility/2006" xmlns:mv="urn:schemas-microsoft-com:mac:vml" xmlns:p="http://schemas.openxmlformats.org/presentationml/2006/main" xmlns:c="http://schemas.openxmlformats.org/drawingml/2006/chart" xmlns:dgm="http://schemas.openxmlformats.org/drawingml/2006/diagram" xmlns:o="urn:schemas-microsoft-com:office:office" xmlns:v="urn:schemas-microsoft-com:vml" xmlns:pvml="urn:schemas-microsoft-com:office:powerpoint" xmlns:com="http://schemas.openxmlformats.org/drawingml/2006/compatibility" xmlns:p14="http://schemas.microsoft.com/office/powerpoint/2010/main" xmlns:p15="http://schemas.microsoft.com/office/powerpoint/2012/main" xmlns:ahyp="http://schemas.microsoft.com/office/drawing/2018/hyperlinkcolor" matchingName="Title and two columns" type="twoColTx">
+<p:sldLayout xmlns:a="http://schemas.openxmlformats.org/drawingml/2006/main" xmlns:r="http://schemas.openxmlformats.org/officeDocument/2006/relationships" xmlns:p="http://schemas.openxmlformats.org/presentationml/2006/main" matchingName="Title and two columns" type="twoColTx">
   <p:cSld name="TITLE_AND_TWO_COLUMNS">
     <p:spTree>
       <p:nvGrpSpPr>
-        <p:cNvPr id="31" name="Shape 31"/>
+        <p:cNvPr id="1" name="Shape 31"/>
         <p:cNvGrpSpPr/>
         <p:nvPr/>
       </p:nvGrpSpPr>
@@ -4328,12 +4429,12 @@
           </a:ln>
         </p:spPr>
         <p:txBody>
-          <a:bodyPr anchorCtr="0" anchor="ctr" bIns="91425" lIns="91425" spcFirstLastPara="1" rIns="91425" wrap="square" tIns="91425">
+          <a:bodyPr spcFirstLastPara="1" wrap="square" lIns="91425" tIns="91425" rIns="91425" bIns="91425" anchor="ctr" anchorCtr="0">
             <a:noAutofit/>
           </a:bodyPr>
           <a:lstStyle/>
           <a:p>
-            <a:pPr indent="0" lvl="0" marL="0" rtl="0" algn="l">
+            <a:pPr marL="0" lvl="0" indent="0" algn="l" rtl="0">
               <a:spcBef>
                 <a:spcPts val="0"/>
               </a:spcBef>
@@ -4342,9 +4443,6 @@
               </a:spcAft>
               <a:buNone/>
             </a:pPr>
-            <a:r>
-              <a:t/>
-            </a:r>
             <a:endParaRPr/>
           </a:p>
         </p:txBody>
@@ -4385,12 +4483,12 @@
             </a:ln>
           </p:spPr>
           <p:txBody>
-            <a:bodyPr anchorCtr="0" anchor="ctr" bIns="91425" lIns="91425" spcFirstLastPara="1" rIns="91425" wrap="square" tIns="91425">
+            <a:bodyPr spcFirstLastPara="1" wrap="square" lIns="91425" tIns="91425" rIns="91425" bIns="91425" anchor="ctr" anchorCtr="0">
               <a:noAutofit/>
             </a:bodyPr>
             <a:lstStyle/>
             <a:p>
-              <a:pPr indent="0" lvl="0" marL="0" rtl="0" algn="l">
+              <a:pPr marL="0" lvl="0" indent="0" algn="l" rtl="0">
                 <a:spcBef>
                   <a:spcPts val="0"/>
                 </a:spcBef>
@@ -4399,9 +4497,6 @@
                 </a:spcAft>
                 <a:buNone/>
               </a:pPr>
-              <a:r>
-                <a:t/>
-              </a:r>
               <a:endParaRPr/>
             </a:p>
           </p:txBody>
@@ -4428,12 +4523,12 @@
             </a:ln>
           </p:spPr>
           <p:txBody>
-            <a:bodyPr anchorCtr="0" anchor="ctr" bIns="91425" lIns="91425" spcFirstLastPara="1" rIns="91425" wrap="square" tIns="91425">
+            <a:bodyPr spcFirstLastPara="1" wrap="square" lIns="91425" tIns="91425" rIns="91425" bIns="91425" anchor="ctr" anchorCtr="0">
               <a:noAutofit/>
             </a:bodyPr>
             <a:lstStyle/>
             <a:p>
-              <a:pPr indent="0" lvl="0" marL="0" rtl="0" algn="l">
+              <a:pPr marL="0" lvl="0" indent="0" algn="l" rtl="0">
                 <a:spcBef>
                   <a:spcPts val="0"/>
                 </a:spcBef>
@@ -4442,9 +4537,6 @@
                 </a:spcAft>
                 <a:buNone/>
               </a:pPr>
-              <a:r>
-                <a:t/>
-              </a:r>
               <a:endParaRPr/>
             </a:p>
           </p:txBody>
@@ -4453,7 +4545,9 @@
       <p:sp>
         <p:nvSpPr>
           <p:cNvPr id="36" name="Google Shape;36;p5"/>
-          <p:cNvSpPr txBox="1"/>
+          <p:cNvSpPr txBox="1">
+            <a:spLocks noGrp="1"/>
+          </p:cNvSpPr>
           <p:nvPr>
             <p:ph type="title"/>
           </p:nvPr>
@@ -4468,7 +4562,7 @@
           </a:prstGeom>
         </p:spPr>
         <p:txBody>
-          <a:bodyPr anchorCtr="0" anchor="t" bIns="91425" lIns="91425" spcFirstLastPara="1" rIns="91425" wrap="square" tIns="91425">
+          <a:bodyPr spcFirstLastPara="1" wrap="square" lIns="91425" tIns="91425" rIns="91425" bIns="91425" anchor="t" anchorCtr="0">
             <a:normAutofit/>
           </a:bodyPr>
           <a:lstStyle>
@@ -4572,15 +4666,19 @@
               <a:defRPr sz="2600"/>
             </a:lvl9pPr>
           </a:lstStyle>
-          <a:p/>
+          <a:p>
+            <a:endParaRPr/>
+          </a:p>
         </p:txBody>
       </p:sp>
       <p:sp>
         <p:nvSpPr>
           <p:cNvPr id="37" name="Google Shape;37;p5"/>
-          <p:cNvSpPr txBox="1"/>
+          <p:cNvSpPr txBox="1">
+            <a:spLocks noGrp="1"/>
+          </p:cNvSpPr>
           <p:nvPr>
-            <p:ph idx="1" type="body"/>
+            <p:ph type="body" idx="1"/>
           </p:nvPr>
         </p:nvSpPr>
         <p:spPr>
@@ -4593,11 +4691,11 @@
           </a:prstGeom>
         </p:spPr>
         <p:txBody>
-          <a:bodyPr anchorCtr="0" anchor="t" bIns="91425" lIns="91425" spcFirstLastPara="1" rIns="91425" wrap="square" tIns="91425">
+          <a:bodyPr spcFirstLastPara="1" wrap="square" lIns="91425" tIns="91425" rIns="91425" bIns="91425" anchor="t" anchorCtr="0">
             <a:normAutofit/>
           </a:bodyPr>
           <a:lstStyle>
-            <a:lvl1pPr indent="-311150" lvl="0" marL="457200">
+            <a:lvl1pPr marL="457200" lvl="0" indent="-311150">
               <a:spcBef>
                 <a:spcPts val="0"/>
               </a:spcBef>
@@ -4608,7 +4706,7 @@
               <a:buChar char="●"/>
               <a:defRPr/>
             </a:lvl1pPr>
-            <a:lvl2pPr indent="-298450" lvl="1" marL="914400">
+            <a:lvl2pPr marL="914400" lvl="1" indent="-298450">
               <a:spcBef>
                 <a:spcPts val="0"/>
               </a:spcBef>
@@ -4619,7 +4717,7 @@
               <a:buChar char="○"/>
               <a:defRPr/>
             </a:lvl2pPr>
-            <a:lvl3pPr indent="-298450" lvl="2" marL="1371600">
+            <a:lvl3pPr marL="1371600" lvl="2" indent="-298450">
               <a:spcBef>
                 <a:spcPts val="0"/>
               </a:spcBef>
@@ -4630,7 +4728,7 @@
               <a:buChar char="■"/>
               <a:defRPr/>
             </a:lvl3pPr>
-            <a:lvl4pPr indent="-298450" lvl="3" marL="1828800">
+            <a:lvl4pPr marL="1828800" lvl="3" indent="-298450">
               <a:spcBef>
                 <a:spcPts val="0"/>
               </a:spcBef>
@@ -4641,7 +4739,7 @@
               <a:buChar char="●"/>
               <a:defRPr/>
             </a:lvl4pPr>
-            <a:lvl5pPr indent="-298450" lvl="4" marL="2286000">
+            <a:lvl5pPr marL="2286000" lvl="4" indent="-298450">
               <a:spcBef>
                 <a:spcPts val="0"/>
               </a:spcBef>
@@ -4652,7 +4750,7 @@
               <a:buChar char="○"/>
               <a:defRPr/>
             </a:lvl5pPr>
-            <a:lvl6pPr indent="-298450" lvl="5" marL="2743200">
+            <a:lvl6pPr marL="2743200" lvl="5" indent="-298450">
               <a:spcBef>
                 <a:spcPts val="0"/>
               </a:spcBef>
@@ -4663,7 +4761,7 @@
               <a:buChar char="■"/>
               <a:defRPr/>
             </a:lvl6pPr>
-            <a:lvl7pPr indent="-298450" lvl="6" marL="3200400">
+            <a:lvl7pPr marL="3200400" lvl="6" indent="-298450">
               <a:spcBef>
                 <a:spcPts val="0"/>
               </a:spcBef>
@@ -4674,7 +4772,7 @@
               <a:buChar char="●"/>
               <a:defRPr/>
             </a:lvl7pPr>
-            <a:lvl8pPr indent="-298450" lvl="7" marL="3657600">
+            <a:lvl8pPr marL="3657600" lvl="7" indent="-298450">
               <a:spcBef>
                 <a:spcPts val="0"/>
               </a:spcBef>
@@ -4685,7 +4783,7 @@
               <a:buChar char="○"/>
               <a:defRPr/>
             </a:lvl8pPr>
-            <a:lvl9pPr indent="-298450" lvl="8" marL="4114800">
+            <a:lvl9pPr marL="4114800" lvl="8" indent="-298450">
               <a:spcBef>
                 <a:spcPts val="0"/>
               </a:spcBef>
@@ -4697,15 +4795,19 @@
               <a:defRPr/>
             </a:lvl9pPr>
           </a:lstStyle>
-          <a:p/>
+          <a:p>
+            <a:endParaRPr/>
+          </a:p>
         </p:txBody>
       </p:sp>
       <p:sp>
         <p:nvSpPr>
           <p:cNvPr id="38" name="Google Shape;38;p5"/>
-          <p:cNvSpPr txBox="1"/>
+          <p:cNvSpPr txBox="1">
+            <a:spLocks noGrp="1"/>
+          </p:cNvSpPr>
           <p:nvPr>
-            <p:ph idx="2" type="body"/>
+            <p:ph type="body" idx="2"/>
           </p:nvPr>
         </p:nvSpPr>
         <p:spPr>
@@ -4718,11 +4820,11 @@
           </a:prstGeom>
         </p:spPr>
         <p:txBody>
-          <a:bodyPr anchorCtr="0" anchor="t" bIns="91425" lIns="91425" spcFirstLastPara="1" rIns="91425" wrap="square" tIns="91425">
+          <a:bodyPr spcFirstLastPara="1" wrap="square" lIns="91425" tIns="91425" rIns="91425" bIns="91425" anchor="t" anchorCtr="0">
             <a:normAutofit/>
           </a:bodyPr>
           <a:lstStyle>
-            <a:lvl1pPr indent="-311150" lvl="0" marL="457200">
+            <a:lvl1pPr marL="457200" lvl="0" indent="-311150">
               <a:spcBef>
                 <a:spcPts val="0"/>
               </a:spcBef>
@@ -4733,7 +4835,7 @@
               <a:buChar char="●"/>
               <a:defRPr/>
             </a:lvl1pPr>
-            <a:lvl2pPr indent="-298450" lvl="1" marL="914400">
+            <a:lvl2pPr marL="914400" lvl="1" indent="-298450">
               <a:spcBef>
                 <a:spcPts val="0"/>
               </a:spcBef>
@@ -4744,7 +4846,7 @@
               <a:buChar char="○"/>
               <a:defRPr/>
             </a:lvl2pPr>
-            <a:lvl3pPr indent="-298450" lvl="2" marL="1371600">
+            <a:lvl3pPr marL="1371600" lvl="2" indent="-298450">
               <a:spcBef>
                 <a:spcPts val="0"/>
               </a:spcBef>
@@ -4755,7 +4857,7 @@
               <a:buChar char="■"/>
               <a:defRPr/>
             </a:lvl3pPr>
-            <a:lvl4pPr indent="-298450" lvl="3" marL="1828800">
+            <a:lvl4pPr marL="1828800" lvl="3" indent="-298450">
               <a:spcBef>
                 <a:spcPts val="0"/>
               </a:spcBef>
@@ -4766,7 +4868,7 @@
               <a:buChar char="●"/>
               <a:defRPr/>
             </a:lvl4pPr>
-            <a:lvl5pPr indent="-298450" lvl="4" marL="2286000">
+            <a:lvl5pPr marL="2286000" lvl="4" indent="-298450">
               <a:spcBef>
                 <a:spcPts val="0"/>
               </a:spcBef>
@@ -4777,7 +4879,7 @@
               <a:buChar char="○"/>
               <a:defRPr/>
             </a:lvl5pPr>
-            <a:lvl6pPr indent="-298450" lvl="5" marL="2743200">
+            <a:lvl6pPr marL="2743200" lvl="5" indent="-298450">
               <a:spcBef>
                 <a:spcPts val="0"/>
               </a:spcBef>
@@ -4788,7 +4890,7 @@
               <a:buChar char="■"/>
               <a:defRPr/>
             </a:lvl6pPr>
-            <a:lvl7pPr indent="-298450" lvl="6" marL="3200400">
+            <a:lvl7pPr marL="3200400" lvl="6" indent="-298450">
               <a:spcBef>
                 <a:spcPts val="0"/>
               </a:spcBef>
@@ -4799,7 +4901,7 @@
               <a:buChar char="●"/>
               <a:defRPr/>
             </a:lvl7pPr>
-            <a:lvl8pPr indent="-298450" lvl="7" marL="3657600">
+            <a:lvl8pPr marL="3657600" lvl="7" indent="-298450">
               <a:spcBef>
                 <a:spcPts val="0"/>
               </a:spcBef>
@@ -4810,7 +4912,7 @@
               <a:buChar char="○"/>
               <a:defRPr/>
             </a:lvl8pPr>
-            <a:lvl9pPr indent="-298450" lvl="8" marL="4114800">
+            <a:lvl9pPr marL="4114800" lvl="8" indent="-298450">
               <a:spcBef>
                 <a:spcPts val="0"/>
               </a:spcBef>
@@ -4822,15 +4924,19 @@
               <a:defRPr/>
             </a:lvl9pPr>
           </a:lstStyle>
-          <a:p/>
+          <a:p>
+            <a:endParaRPr/>
+          </a:p>
         </p:txBody>
       </p:sp>
       <p:sp>
         <p:nvSpPr>
           <p:cNvPr id="39" name="Google Shape;39;p5"/>
-          <p:cNvSpPr txBox="1"/>
+          <p:cNvSpPr txBox="1">
+            <a:spLocks noGrp="1"/>
+          </p:cNvSpPr>
           <p:nvPr>
-            <p:ph idx="12" type="sldNum"/>
+            <p:ph type="sldNum" idx="12"/>
           </p:nvPr>
         </p:nvSpPr>
         <p:spPr>
@@ -4843,7 +4949,7 @@
           </a:prstGeom>
         </p:spPr>
         <p:txBody>
-          <a:bodyPr anchorCtr="0" anchor="ctr" bIns="91425" lIns="91425" spcFirstLastPara="1" rIns="91425" wrap="square" tIns="91425">
+          <a:bodyPr spcFirstLastPara="1" wrap="square" lIns="91425" tIns="91425" rIns="91425" bIns="91425" anchor="ctr" anchorCtr="0">
             <a:normAutofit/>
           </a:bodyPr>
           <a:lstStyle>
@@ -4885,7 +4991,7 @@
             </a:lvl9pPr>
           </a:lstStyle>
           <a:p>
-            <a:pPr indent="0" lvl="0" marL="0" rtl="0" algn="r">
+            <a:pPr marL="0" lvl="0" indent="0" algn="r" rtl="0">
               <a:spcBef>
                 <a:spcPts val="0"/>
               </a:spcBef>
@@ -4911,11 +5017,11 @@
 </file>
 
 <file path=ppt/slideLayouts/slideLayout5.xml><?xml version="1.0" encoding="utf-8"?>
-<p:sldLayout xmlns:a="http://schemas.openxmlformats.org/drawingml/2006/main" xmlns:r="http://schemas.openxmlformats.org/officeDocument/2006/relationships" xmlns:mc="http://schemas.openxmlformats.org/markup-compatibility/2006" xmlns:mv="urn:schemas-microsoft-com:mac:vml" xmlns:p="http://schemas.openxmlformats.org/presentationml/2006/main" xmlns:c="http://schemas.openxmlformats.org/drawingml/2006/chart" xmlns:dgm="http://schemas.openxmlformats.org/drawingml/2006/diagram" xmlns:o="urn:schemas-microsoft-com:office:office" xmlns:v="urn:schemas-microsoft-com:vml" xmlns:pvml="urn:schemas-microsoft-com:office:powerpoint" xmlns:com="http://schemas.openxmlformats.org/drawingml/2006/compatibility" xmlns:p14="http://schemas.microsoft.com/office/powerpoint/2010/main" xmlns:p15="http://schemas.microsoft.com/office/powerpoint/2012/main" xmlns:ahyp="http://schemas.microsoft.com/office/drawing/2018/hyperlinkcolor" matchingName="Title only" type="titleOnly">
+<p:sldLayout xmlns:a="http://schemas.openxmlformats.org/drawingml/2006/main" xmlns:r="http://schemas.openxmlformats.org/officeDocument/2006/relationships" xmlns:p="http://schemas.openxmlformats.org/presentationml/2006/main" matchingName="Title only" type="titleOnly">
   <p:cSld name="TITLE_ONLY">
     <p:spTree>
       <p:nvGrpSpPr>
-        <p:cNvPr id="40" name="Shape 40"/>
+        <p:cNvPr id="1" name="Shape 40"/>
         <p:cNvGrpSpPr/>
         <p:nvPr/>
       </p:nvGrpSpPr>
@@ -4949,12 +5055,12 @@
           </a:ln>
         </p:spPr>
         <p:txBody>
-          <a:bodyPr anchorCtr="0" anchor="ctr" bIns="91425" lIns="91425" spcFirstLastPara="1" rIns="91425" wrap="square" tIns="91425">
+          <a:bodyPr spcFirstLastPara="1" wrap="square" lIns="91425" tIns="91425" rIns="91425" bIns="91425" anchor="ctr" anchorCtr="0">
             <a:noAutofit/>
           </a:bodyPr>
           <a:lstStyle/>
           <a:p>
-            <a:pPr indent="0" lvl="0" marL="0" rtl="0" algn="l">
+            <a:pPr marL="0" lvl="0" indent="0" algn="l" rtl="0">
               <a:spcBef>
                 <a:spcPts val="0"/>
               </a:spcBef>
@@ -4963,9 +5069,6 @@
               </a:spcAft>
               <a:buNone/>
             </a:pPr>
-            <a:r>
-              <a:t/>
-            </a:r>
             <a:endParaRPr/>
           </a:p>
         </p:txBody>
@@ -5006,12 +5109,12 @@
             </a:ln>
           </p:spPr>
           <p:txBody>
-            <a:bodyPr anchorCtr="0" anchor="ctr" bIns="91425" lIns="91425" spcFirstLastPara="1" rIns="91425" wrap="square" tIns="91425">
+            <a:bodyPr spcFirstLastPara="1" wrap="square" lIns="91425" tIns="91425" rIns="91425" bIns="91425" anchor="ctr" anchorCtr="0">
               <a:noAutofit/>
             </a:bodyPr>
             <a:lstStyle/>
             <a:p>
-              <a:pPr indent="0" lvl="0" marL="0" rtl="0" algn="l">
+              <a:pPr marL="0" lvl="0" indent="0" algn="l" rtl="0">
                 <a:spcBef>
                   <a:spcPts val="0"/>
                 </a:spcBef>
@@ -5020,9 +5123,6 @@
                 </a:spcAft>
                 <a:buNone/>
               </a:pPr>
-              <a:r>
-                <a:t/>
-              </a:r>
               <a:endParaRPr/>
             </a:p>
           </p:txBody>
@@ -5049,12 +5149,12 @@
             </a:ln>
           </p:spPr>
           <p:txBody>
-            <a:bodyPr anchorCtr="0" anchor="ctr" bIns="91425" lIns="91425" spcFirstLastPara="1" rIns="91425" wrap="square" tIns="91425">
+            <a:bodyPr spcFirstLastPara="1" wrap="square" lIns="91425" tIns="91425" rIns="91425" bIns="91425" anchor="ctr" anchorCtr="0">
               <a:noAutofit/>
             </a:bodyPr>
             <a:lstStyle/>
             <a:p>
-              <a:pPr indent="0" lvl="0" marL="0" rtl="0" algn="l">
+              <a:pPr marL="0" lvl="0" indent="0" algn="l" rtl="0">
                 <a:spcBef>
                   <a:spcPts val="0"/>
                 </a:spcBef>
@@ -5063,9 +5163,6 @@
                 </a:spcAft>
                 <a:buNone/>
               </a:pPr>
-              <a:r>
-                <a:t/>
-              </a:r>
               <a:endParaRPr/>
             </a:p>
           </p:txBody>
@@ -5074,7 +5171,9 @@
       <p:sp>
         <p:nvSpPr>
           <p:cNvPr id="45" name="Google Shape;45;p6"/>
-          <p:cNvSpPr txBox="1"/>
+          <p:cNvSpPr txBox="1">
+            <a:spLocks noGrp="1"/>
+          </p:cNvSpPr>
           <p:nvPr>
             <p:ph type="title"/>
           </p:nvPr>
@@ -5089,7 +5188,7 @@
           </a:prstGeom>
         </p:spPr>
         <p:txBody>
-          <a:bodyPr anchorCtr="0" anchor="t" bIns="91425" lIns="91425" spcFirstLastPara="1" rIns="91425" wrap="square" tIns="91425">
+          <a:bodyPr spcFirstLastPara="1" wrap="square" lIns="91425" tIns="91425" rIns="91425" bIns="91425" anchor="t" anchorCtr="0">
             <a:normAutofit/>
           </a:bodyPr>
           <a:lstStyle>
@@ -5193,15 +5292,19 @@
               <a:defRPr sz="2600"/>
             </a:lvl9pPr>
           </a:lstStyle>
-          <a:p/>
+          <a:p>
+            <a:endParaRPr/>
+          </a:p>
         </p:txBody>
       </p:sp>
       <p:sp>
         <p:nvSpPr>
           <p:cNvPr id="46" name="Google Shape;46;p6"/>
-          <p:cNvSpPr txBox="1"/>
+          <p:cNvSpPr txBox="1">
+            <a:spLocks noGrp="1"/>
+          </p:cNvSpPr>
           <p:nvPr>
-            <p:ph idx="12" type="sldNum"/>
+            <p:ph type="sldNum" idx="12"/>
           </p:nvPr>
         </p:nvSpPr>
         <p:spPr>
@@ -5214,7 +5317,7 @@
           </a:prstGeom>
         </p:spPr>
         <p:txBody>
-          <a:bodyPr anchorCtr="0" anchor="ctr" bIns="91425" lIns="91425" spcFirstLastPara="1" rIns="91425" wrap="square" tIns="91425">
+          <a:bodyPr spcFirstLastPara="1" wrap="square" lIns="91425" tIns="91425" rIns="91425" bIns="91425" anchor="ctr" anchorCtr="0">
             <a:normAutofit/>
           </a:bodyPr>
           <a:lstStyle>
@@ -5256,7 +5359,7 @@
             </a:lvl9pPr>
           </a:lstStyle>
           <a:p>
-            <a:pPr indent="0" lvl="0" marL="0" rtl="0" algn="r">
+            <a:pPr marL="0" lvl="0" indent="0" algn="r" rtl="0">
               <a:spcBef>
                 <a:spcPts val="0"/>
               </a:spcBef>
@@ -5282,11 +5385,11 @@
 </file>
 
 <file path=ppt/slideLayouts/slideLayout6.xml><?xml version="1.0" encoding="utf-8"?>
-<p:sldLayout xmlns:a="http://schemas.openxmlformats.org/drawingml/2006/main" xmlns:r="http://schemas.openxmlformats.org/officeDocument/2006/relationships" xmlns:mc="http://schemas.openxmlformats.org/markup-compatibility/2006" xmlns:mv="urn:schemas-microsoft-com:mac:vml" xmlns:p="http://schemas.openxmlformats.org/presentationml/2006/main" xmlns:c="http://schemas.openxmlformats.org/drawingml/2006/chart" xmlns:dgm="http://schemas.openxmlformats.org/drawingml/2006/diagram" xmlns:o="urn:schemas-microsoft-com:office:office" xmlns:v="urn:schemas-microsoft-com:vml" xmlns:pvml="urn:schemas-microsoft-com:office:powerpoint" xmlns:com="http://schemas.openxmlformats.org/drawingml/2006/compatibility" xmlns:p14="http://schemas.microsoft.com/office/powerpoint/2010/main" xmlns:p15="http://schemas.microsoft.com/office/powerpoint/2012/main" xmlns:ahyp="http://schemas.microsoft.com/office/drawing/2018/hyperlinkcolor" matchingName="One column text">
+<p:sldLayout xmlns:a="http://schemas.openxmlformats.org/drawingml/2006/main" xmlns:r="http://schemas.openxmlformats.org/officeDocument/2006/relationships" xmlns:p="http://schemas.openxmlformats.org/presentationml/2006/main" matchingName="One column text">
   <p:cSld name="ONE_COLUMN_TEXT">
     <p:spTree>
       <p:nvGrpSpPr>
-        <p:cNvPr id="47" name="Shape 47"/>
+        <p:cNvPr id="1" name="Shape 47"/>
         <p:cNvGrpSpPr/>
         <p:nvPr/>
       </p:nvGrpSpPr>
@@ -5320,12 +5423,12 @@
           </a:ln>
         </p:spPr>
         <p:txBody>
-          <a:bodyPr anchorCtr="0" anchor="ctr" bIns="91425" lIns="91425" spcFirstLastPara="1" rIns="91425" wrap="square" tIns="91425">
+          <a:bodyPr spcFirstLastPara="1" wrap="square" lIns="91425" tIns="91425" rIns="91425" bIns="91425" anchor="ctr" anchorCtr="0">
             <a:noAutofit/>
           </a:bodyPr>
           <a:lstStyle/>
           <a:p>
-            <a:pPr indent="0" lvl="0" marL="0" rtl="0" algn="l">
+            <a:pPr marL="0" lvl="0" indent="0" algn="l" rtl="0">
               <a:spcBef>
                 <a:spcPts val="0"/>
               </a:spcBef>
@@ -5334,9 +5437,6 @@
               </a:spcAft>
               <a:buNone/>
             </a:pPr>
-            <a:r>
-              <a:t/>
-            </a:r>
             <a:endParaRPr/>
           </a:p>
         </p:txBody>
@@ -5377,12 +5477,12 @@
             </a:ln>
           </p:spPr>
           <p:txBody>
-            <a:bodyPr anchorCtr="0" anchor="ctr" bIns="91425" lIns="91425" spcFirstLastPara="1" rIns="91425" wrap="square" tIns="91425">
+            <a:bodyPr spcFirstLastPara="1" wrap="square" lIns="91425" tIns="91425" rIns="91425" bIns="91425" anchor="ctr" anchorCtr="0">
               <a:noAutofit/>
             </a:bodyPr>
             <a:lstStyle/>
             <a:p>
-              <a:pPr indent="0" lvl="0" marL="0" rtl="0" algn="l">
+              <a:pPr marL="0" lvl="0" indent="0" algn="l" rtl="0">
                 <a:spcBef>
                   <a:spcPts val="0"/>
                 </a:spcBef>
@@ -5391,9 +5491,6 @@
                 </a:spcAft>
                 <a:buNone/>
               </a:pPr>
-              <a:r>
-                <a:t/>
-              </a:r>
               <a:endParaRPr/>
             </a:p>
           </p:txBody>
@@ -5420,12 +5517,12 @@
             </a:ln>
           </p:spPr>
           <p:txBody>
-            <a:bodyPr anchorCtr="0" anchor="ctr" bIns="91425" lIns="91425" spcFirstLastPara="1" rIns="91425" wrap="square" tIns="91425">
+            <a:bodyPr spcFirstLastPara="1" wrap="square" lIns="91425" tIns="91425" rIns="91425" bIns="91425" anchor="ctr" anchorCtr="0">
               <a:noAutofit/>
             </a:bodyPr>
             <a:lstStyle/>
             <a:p>
-              <a:pPr indent="0" lvl="0" marL="0" rtl="0" algn="l">
+              <a:pPr marL="0" lvl="0" indent="0" algn="l" rtl="0">
                 <a:spcBef>
                   <a:spcPts val="0"/>
                 </a:spcBef>
@@ -5434,9 +5531,6 @@
                 </a:spcAft>
                 <a:buNone/>
               </a:pPr>
-              <a:r>
-                <a:t/>
-              </a:r>
               <a:endParaRPr/>
             </a:p>
           </p:txBody>
@@ -5445,7 +5539,9 @@
       <p:sp>
         <p:nvSpPr>
           <p:cNvPr id="52" name="Google Shape;52;p7"/>
-          <p:cNvSpPr txBox="1"/>
+          <p:cNvSpPr txBox="1">
+            <a:spLocks noGrp="1"/>
+          </p:cNvSpPr>
           <p:nvPr>
             <p:ph type="title"/>
           </p:nvPr>
@@ -5460,7 +5556,7 @@
           </a:prstGeom>
         </p:spPr>
         <p:txBody>
-          <a:bodyPr anchorCtr="0" anchor="t" bIns="91425" lIns="91425" spcFirstLastPara="1" rIns="91425" wrap="square" tIns="91425">
+          <a:bodyPr spcFirstLastPara="1" wrap="square" lIns="91425" tIns="91425" rIns="91425" bIns="91425" anchor="t" anchorCtr="0">
             <a:normAutofit/>
           </a:bodyPr>
           <a:lstStyle>
@@ -5564,15 +5660,19 @@
               <a:defRPr sz="2600"/>
             </a:lvl9pPr>
           </a:lstStyle>
-          <a:p/>
+          <a:p>
+            <a:endParaRPr/>
+          </a:p>
         </p:txBody>
       </p:sp>
       <p:sp>
         <p:nvSpPr>
           <p:cNvPr id="53" name="Google Shape;53;p7"/>
-          <p:cNvSpPr txBox="1"/>
+          <p:cNvSpPr txBox="1">
+            <a:spLocks noGrp="1"/>
+          </p:cNvSpPr>
           <p:nvPr>
-            <p:ph idx="1" type="body"/>
+            <p:ph type="body" idx="1"/>
           </p:nvPr>
         </p:nvSpPr>
         <p:spPr>
@@ -5585,11 +5685,11 @@
           </a:prstGeom>
         </p:spPr>
         <p:txBody>
-          <a:bodyPr anchorCtr="0" anchor="t" bIns="91425" lIns="91425" spcFirstLastPara="1" rIns="91425" wrap="square" tIns="91425">
+          <a:bodyPr spcFirstLastPara="1" wrap="square" lIns="91425" tIns="91425" rIns="91425" bIns="91425" anchor="t" anchorCtr="0">
             <a:normAutofit/>
           </a:bodyPr>
           <a:lstStyle>
-            <a:lvl1pPr indent="-311150" lvl="0" marL="457200">
+            <a:lvl1pPr marL="457200" lvl="0" indent="-311150">
               <a:spcBef>
                 <a:spcPts val="0"/>
               </a:spcBef>
@@ -5600,7 +5700,7 @@
               <a:buChar char="●"/>
               <a:defRPr/>
             </a:lvl1pPr>
-            <a:lvl2pPr indent="-298450" lvl="1" marL="914400">
+            <a:lvl2pPr marL="914400" lvl="1" indent="-298450">
               <a:spcBef>
                 <a:spcPts val="0"/>
               </a:spcBef>
@@ -5611,7 +5711,7 @@
               <a:buChar char="○"/>
               <a:defRPr/>
             </a:lvl2pPr>
-            <a:lvl3pPr indent="-298450" lvl="2" marL="1371600">
+            <a:lvl3pPr marL="1371600" lvl="2" indent="-298450">
               <a:spcBef>
                 <a:spcPts val="0"/>
               </a:spcBef>
@@ -5622,7 +5722,7 @@
               <a:buChar char="■"/>
               <a:defRPr/>
             </a:lvl3pPr>
-            <a:lvl4pPr indent="-298450" lvl="3" marL="1828800">
+            <a:lvl4pPr marL="1828800" lvl="3" indent="-298450">
               <a:spcBef>
                 <a:spcPts val="0"/>
               </a:spcBef>
@@ -5633,7 +5733,7 @@
               <a:buChar char="●"/>
               <a:defRPr/>
             </a:lvl4pPr>
-            <a:lvl5pPr indent="-298450" lvl="4" marL="2286000">
+            <a:lvl5pPr marL="2286000" lvl="4" indent="-298450">
               <a:spcBef>
                 <a:spcPts val="0"/>
               </a:spcBef>
@@ -5644,7 +5744,7 @@
               <a:buChar char="○"/>
               <a:defRPr/>
             </a:lvl5pPr>
-            <a:lvl6pPr indent="-298450" lvl="5" marL="2743200">
+            <a:lvl6pPr marL="2743200" lvl="5" indent="-298450">
               <a:spcBef>
                 <a:spcPts val="0"/>
               </a:spcBef>
@@ -5655,7 +5755,7 @@
               <a:buChar char="■"/>
               <a:defRPr/>
             </a:lvl6pPr>
-            <a:lvl7pPr indent="-298450" lvl="6" marL="3200400">
+            <a:lvl7pPr marL="3200400" lvl="6" indent="-298450">
               <a:spcBef>
                 <a:spcPts val="0"/>
               </a:spcBef>
@@ -5666,7 +5766,7 @@
               <a:buChar char="●"/>
               <a:defRPr/>
             </a:lvl7pPr>
-            <a:lvl8pPr indent="-298450" lvl="7" marL="3657600">
+            <a:lvl8pPr marL="3657600" lvl="7" indent="-298450">
               <a:spcBef>
                 <a:spcPts val="0"/>
               </a:spcBef>
@@ -5677,7 +5777,7 @@
               <a:buChar char="○"/>
               <a:defRPr/>
             </a:lvl8pPr>
-            <a:lvl9pPr indent="-298450" lvl="8" marL="4114800">
+            <a:lvl9pPr marL="4114800" lvl="8" indent="-298450">
               <a:spcBef>
                 <a:spcPts val="0"/>
               </a:spcBef>
@@ -5689,15 +5789,19 @@
               <a:defRPr/>
             </a:lvl9pPr>
           </a:lstStyle>
-          <a:p/>
+          <a:p>
+            <a:endParaRPr/>
+          </a:p>
         </p:txBody>
       </p:sp>
       <p:sp>
         <p:nvSpPr>
           <p:cNvPr id="54" name="Google Shape;54;p7"/>
-          <p:cNvSpPr txBox="1"/>
+          <p:cNvSpPr txBox="1">
+            <a:spLocks noGrp="1"/>
+          </p:cNvSpPr>
           <p:nvPr>
-            <p:ph idx="12" type="sldNum"/>
+            <p:ph type="sldNum" idx="12"/>
           </p:nvPr>
         </p:nvSpPr>
         <p:spPr>
@@ -5710,7 +5814,7 @@
           </a:prstGeom>
         </p:spPr>
         <p:txBody>
-          <a:bodyPr anchorCtr="0" anchor="ctr" bIns="91425" lIns="91425" spcFirstLastPara="1" rIns="91425" wrap="square" tIns="91425">
+          <a:bodyPr spcFirstLastPara="1" wrap="square" lIns="91425" tIns="91425" rIns="91425" bIns="91425" anchor="ctr" anchorCtr="0">
             <a:normAutofit/>
           </a:bodyPr>
           <a:lstStyle>
@@ -5752,7 +5856,7 @@
             </a:lvl9pPr>
           </a:lstStyle>
           <a:p>
-            <a:pPr indent="0" lvl="0" marL="0" rtl="0" algn="r">
+            <a:pPr marL="0" lvl="0" indent="0" algn="r" rtl="0">
               <a:spcBef>
                 <a:spcPts val="0"/>
               </a:spcBef>
@@ -5778,18 +5882,19 @@
 </file>
 
 <file path=ppt/slideLayouts/slideLayout7.xml><?xml version="1.0" encoding="utf-8"?>
-<p:sldLayout xmlns:a="http://schemas.openxmlformats.org/drawingml/2006/main" xmlns:r="http://schemas.openxmlformats.org/officeDocument/2006/relationships" xmlns:mc="http://schemas.openxmlformats.org/markup-compatibility/2006" xmlns:mv="urn:schemas-microsoft-com:mac:vml" xmlns:p="http://schemas.openxmlformats.org/presentationml/2006/main" xmlns:c="http://schemas.openxmlformats.org/drawingml/2006/chart" xmlns:dgm="http://schemas.openxmlformats.org/drawingml/2006/diagram" xmlns:o="urn:schemas-microsoft-com:office:office" xmlns:v="urn:schemas-microsoft-com:vml" xmlns:pvml="urn:schemas-microsoft-com:office:powerpoint" xmlns:com="http://schemas.openxmlformats.org/drawingml/2006/compatibility" xmlns:p14="http://schemas.microsoft.com/office/powerpoint/2010/main" xmlns:p15="http://schemas.microsoft.com/office/powerpoint/2012/main" xmlns:ahyp="http://schemas.microsoft.com/office/drawing/2018/hyperlinkcolor" matchingName="Main point">
+<p:sldLayout xmlns:a="http://schemas.openxmlformats.org/drawingml/2006/main" xmlns:r="http://schemas.openxmlformats.org/officeDocument/2006/relationships" xmlns:p="http://schemas.openxmlformats.org/presentationml/2006/main" matchingName="Main point">
   <p:cSld name="MAIN_POINT">
     <p:bg>
       <p:bgPr>
         <a:solidFill>
           <a:schemeClr val="accent3"/>
         </a:solidFill>
+        <a:effectLst/>
       </p:bgPr>
     </p:bg>
     <p:spTree>
       <p:nvGrpSpPr>
-        <p:cNvPr id="55" name="Shape 55"/>
+        <p:cNvPr id="1" name="Shape 55"/>
         <p:cNvGrpSpPr/>
         <p:nvPr/>
       </p:nvGrpSpPr>
@@ -5837,12 +5942,12 @@
             </a:ln>
           </p:spPr>
           <p:txBody>
-            <a:bodyPr anchorCtr="0" anchor="ctr" bIns="91425" lIns="91425" spcFirstLastPara="1" rIns="91425" wrap="square" tIns="91425">
+            <a:bodyPr spcFirstLastPara="1" wrap="square" lIns="91425" tIns="91425" rIns="91425" bIns="91425" anchor="ctr" anchorCtr="0">
               <a:noAutofit/>
             </a:bodyPr>
             <a:lstStyle/>
             <a:p>
-              <a:pPr indent="0" lvl="0" marL="0" rtl="0" algn="l">
+              <a:pPr marL="0" lvl="0" indent="0" algn="l" rtl="0">
                 <a:spcBef>
                   <a:spcPts val="0"/>
                 </a:spcBef>
@@ -5851,9 +5956,6 @@
                 </a:spcAft>
                 <a:buNone/>
               </a:pPr>
-              <a:r>
-                <a:t/>
-              </a:r>
               <a:endParaRPr/>
             </a:p>
           </p:txBody>
@@ -5880,12 +5982,12 @@
             </a:ln>
           </p:spPr>
           <p:txBody>
-            <a:bodyPr anchorCtr="0" anchor="ctr" bIns="91425" lIns="91425" spcFirstLastPara="1" rIns="91425" wrap="square" tIns="91425">
+            <a:bodyPr spcFirstLastPara="1" wrap="square" lIns="91425" tIns="91425" rIns="91425" bIns="91425" anchor="ctr" anchorCtr="0">
               <a:noAutofit/>
             </a:bodyPr>
             <a:lstStyle/>
             <a:p>
-              <a:pPr indent="0" lvl="0" marL="0" rtl="0" algn="l">
+              <a:pPr marL="0" lvl="0" indent="0" algn="l" rtl="0">
                 <a:spcBef>
                   <a:spcPts val="0"/>
                 </a:spcBef>
@@ -5894,9 +5996,6 @@
                 </a:spcAft>
                 <a:buNone/>
               </a:pPr>
-              <a:r>
-                <a:t/>
-              </a:r>
               <a:endParaRPr/>
             </a:p>
           </p:txBody>
@@ -5905,7 +6004,9 @@
       <p:sp>
         <p:nvSpPr>
           <p:cNvPr id="59" name="Google Shape;59;p8"/>
-          <p:cNvSpPr txBox="1"/>
+          <p:cNvSpPr txBox="1">
+            <a:spLocks noGrp="1"/>
+          </p:cNvSpPr>
           <p:nvPr>
             <p:ph type="title"/>
           </p:nvPr>
@@ -5920,7 +6021,7 @@
           </a:prstGeom>
         </p:spPr>
         <p:txBody>
-          <a:bodyPr anchorCtr="0" anchor="ctr" bIns="91425" lIns="91425" spcFirstLastPara="1" rIns="91425" wrap="square" tIns="91425">
+          <a:bodyPr spcFirstLastPara="1" wrap="square" lIns="91425" tIns="91425" rIns="91425" bIns="91425" anchor="ctr" anchorCtr="0">
             <a:normAutofit/>
           </a:bodyPr>
           <a:lstStyle>
@@ -6087,15 +6188,19 @@
               </a:defRPr>
             </a:lvl9pPr>
           </a:lstStyle>
-          <a:p/>
+          <a:p>
+            <a:endParaRPr/>
+          </a:p>
         </p:txBody>
       </p:sp>
       <p:sp>
         <p:nvSpPr>
           <p:cNvPr id="60" name="Google Shape;60;p8"/>
-          <p:cNvSpPr txBox="1"/>
+          <p:cNvSpPr txBox="1">
+            <a:spLocks noGrp="1"/>
+          </p:cNvSpPr>
           <p:nvPr>
-            <p:ph idx="12" type="sldNum"/>
+            <p:ph type="sldNum" idx="12"/>
           </p:nvPr>
         </p:nvSpPr>
         <p:spPr>
@@ -6108,7 +6213,7 @@
           </a:prstGeom>
         </p:spPr>
         <p:txBody>
-          <a:bodyPr anchorCtr="0" anchor="ctr" bIns="91425" lIns="91425" spcFirstLastPara="1" rIns="91425" wrap="square" tIns="91425">
+          <a:bodyPr spcFirstLastPara="1" wrap="square" lIns="91425" tIns="91425" rIns="91425" bIns="91425" anchor="ctr" anchorCtr="0">
             <a:normAutofit/>
           </a:bodyPr>
           <a:lstStyle>
@@ -6186,7 +6291,7 @@
             </a:lvl9pPr>
           </a:lstStyle>
           <a:p>
-            <a:pPr indent="0" lvl="0" marL="0" rtl="0" algn="r">
+            <a:pPr marL="0" lvl="0" indent="0" algn="r" rtl="0">
               <a:spcBef>
                 <a:spcPts val="0"/>
               </a:spcBef>
@@ -6212,11 +6317,11 @@
 </file>
 
 <file path=ppt/slideLayouts/slideLayout8.xml><?xml version="1.0" encoding="utf-8"?>
-<p:sldLayout xmlns:a="http://schemas.openxmlformats.org/drawingml/2006/main" xmlns:r="http://schemas.openxmlformats.org/officeDocument/2006/relationships" xmlns:mc="http://schemas.openxmlformats.org/markup-compatibility/2006" xmlns:mv="urn:schemas-microsoft-com:mac:vml" xmlns:p="http://schemas.openxmlformats.org/presentationml/2006/main" xmlns:c="http://schemas.openxmlformats.org/drawingml/2006/chart" xmlns:dgm="http://schemas.openxmlformats.org/drawingml/2006/diagram" xmlns:o="urn:schemas-microsoft-com:office:office" xmlns:v="urn:schemas-microsoft-com:vml" xmlns:pvml="urn:schemas-microsoft-com:office:powerpoint" xmlns:com="http://schemas.openxmlformats.org/drawingml/2006/compatibility" xmlns:p14="http://schemas.microsoft.com/office/powerpoint/2010/main" xmlns:p15="http://schemas.microsoft.com/office/powerpoint/2012/main" xmlns:ahyp="http://schemas.microsoft.com/office/drawing/2018/hyperlinkcolor" matchingName="Section title and description">
+<p:sldLayout xmlns:a="http://schemas.openxmlformats.org/drawingml/2006/main" xmlns:r="http://schemas.openxmlformats.org/officeDocument/2006/relationships" xmlns:p="http://schemas.openxmlformats.org/presentationml/2006/main" matchingName="Section title and description">
   <p:cSld name="SECTION_TITLE_AND_DESCRIPTION">
     <p:spTree>
       <p:nvGrpSpPr>
-        <p:cNvPr id="61" name="Shape 61"/>
+        <p:cNvPr id="1" name="Shape 61"/>
         <p:cNvGrpSpPr/>
         <p:nvPr/>
       </p:nvGrpSpPr>
@@ -6250,12 +6355,12 @@
           </a:ln>
         </p:spPr>
         <p:txBody>
-          <a:bodyPr anchorCtr="0" anchor="ctr" bIns="91425" lIns="91425" spcFirstLastPara="1" rIns="91425" wrap="square" tIns="91425">
+          <a:bodyPr spcFirstLastPara="1" wrap="square" lIns="91425" tIns="91425" rIns="91425" bIns="91425" anchor="ctr" anchorCtr="0">
             <a:noAutofit/>
           </a:bodyPr>
           <a:lstStyle/>
           <a:p>
-            <a:pPr indent="0" lvl="0" marL="0" rtl="0" algn="l">
+            <a:pPr marL="0" lvl="0" indent="0" algn="l" rtl="0">
               <a:spcBef>
                 <a:spcPts val="0"/>
               </a:spcBef>
@@ -6264,9 +6369,6 @@
               </a:spcAft>
               <a:buNone/>
             </a:pPr>
-            <a:r>
-              <a:t/>
-            </a:r>
             <a:endParaRPr/>
           </a:p>
         </p:txBody>
@@ -6307,12 +6409,12 @@
             </a:ln>
           </p:spPr>
           <p:txBody>
-            <a:bodyPr anchorCtr="0" anchor="ctr" bIns="91425" lIns="91425" spcFirstLastPara="1" rIns="91425" wrap="square" tIns="91425">
+            <a:bodyPr spcFirstLastPara="1" wrap="square" lIns="91425" tIns="91425" rIns="91425" bIns="91425" anchor="ctr" anchorCtr="0">
               <a:noAutofit/>
             </a:bodyPr>
             <a:lstStyle/>
             <a:p>
-              <a:pPr indent="0" lvl="0" marL="0" rtl="0" algn="l">
+              <a:pPr marL="0" lvl="0" indent="0" algn="l" rtl="0">
                 <a:spcBef>
                   <a:spcPts val="0"/>
                 </a:spcBef>
@@ -6321,9 +6423,6 @@
                 </a:spcAft>
                 <a:buNone/>
               </a:pPr>
-              <a:r>
-                <a:t/>
-              </a:r>
               <a:endParaRPr/>
             </a:p>
           </p:txBody>
@@ -6350,12 +6449,12 @@
             </a:ln>
           </p:spPr>
           <p:txBody>
-            <a:bodyPr anchorCtr="0" anchor="ctr" bIns="91425" lIns="91425" spcFirstLastPara="1" rIns="91425" wrap="square" tIns="91425">
+            <a:bodyPr spcFirstLastPara="1" wrap="square" lIns="91425" tIns="91425" rIns="91425" bIns="91425" anchor="ctr" anchorCtr="0">
               <a:noAutofit/>
             </a:bodyPr>
             <a:lstStyle/>
             <a:p>
-              <a:pPr indent="0" lvl="0" marL="0" rtl="0" algn="l">
+              <a:pPr marL="0" lvl="0" indent="0" algn="l" rtl="0">
                 <a:spcBef>
                   <a:spcPts val="0"/>
                 </a:spcBef>
@@ -6364,9 +6463,6 @@
                 </a:spcAft>
                 <a:buNone/>
               </a:pPr>
-              <a:r>
-                <a:t/>
-              </a:r>
               <a:endParaRPr/>
             </a:p>
           </p:txBody>
@@ -6375,7 +6471,9 @@
       <p:sp>
         <p:nvSpPr>
           <p:cNvPr id="66" name="Google Shape;66;p9"/>
-          <p:cNvSpPr txBox="1"/>
+          <p:cNvSpPr txBox="1">
+            <a:spLocks noGrp="1"/>
+          </p:cNvSpPr>
           <p:nvPr>
             <p:ph type="title"/>
           </p:nvPr>
@@ -6390,7 +6488,7 @@
           </a:prstGeom>
         </p:spPr>
         <p:txBody>
-          <a:bodyPr anchorCtr="0" anchor="t" bIns="91425" lIns="91425" spcFirstLastPara="1" rIns="91425" wrap="square" tIns="91425">
+          <a:bodyPr spcFirstLastPara="1" wrap="square" lIns="91425" tIns="91425" rIns="91425" bIns="91425" anchor="t" anchorCtr="0">
             <a:normAutofit/>
           </a:bodyPr>
           <a:lstStyle>
@@ -6494,15 +6592,19 @@
               <a:defRPr sz="2600"/>
             </a:lvl9pPr>
           </a:lstStyle>
-          <a:p/>
+          <a:p>
+            <a:endParaRPr/>
+          </a:p>
         </p:txBody>
       </p:sp>
       <p:sp>
         <p:nvSpPr>
           <p:cNvPr id="67" name="Google Shape;67;p9"/>
-          <p:cNvSpPr txBox="1"/>
+          <p:cNvSpPr txBox="1">
+            <a:spLocks noGrp="1"/>
+          </p:cNvSpPr>
           <p:nvPr>
-            <p:ph idx="1" type="subTitle"/>
+            <p:ph type="subTitle" idx="1"/>
           </p:nvPr>
         </p:nvSpPr>
         <p:spPr>
@@ -6515,7 +6617,7 @@
           </a:prstGeom>
         </p:spPr>
         <p:txBody>
-          <a:bodyPr anchorCtr="0" anchor="t" bIns="91425" lIns="91425" spcFirstLastPara="1" rIns="91425" wrap="square" tIns="91425">
+          <a:bodyPr spcFirstLastPara="1" wrap="square" lIns="91425" tIns="91425" rIns="91425" bIns="91425" anchor="t" anchorCtr="0">
             <a:normAutofit/>
           </a:bodyPr>
           <a:lstStyle>
@@ -6646,15 +6748,19 @@
               <a:defRPr sz="1600"/>
             </a:lvl9pPr>
           </a:lstStyle>
-          <a:p/>
+          <a:p>
+            <a:endParaRPr/>
+          </a:p>
         </p:txBody>
       </p:sp>
       <p:sp>
         <p:nvSpPr>
           <p:cNvPr id="68" name="Google Shape;68;p9"/>
-          <p:cNvSpPr txBox="1"/>
+          <p:cNvSpPr txBox="1">
+            <a:spLocks noGrp="1"/>
+          </p:cNvSpPr>
           <p:nvPr>
-            <p:ph idx="2" type="body"/>
+            <p:ph type="body" idx="2"/>
           </p:nvPr>
         </p:nvSpPr>
         <p:spPr>
@@ -6667,11 +6773,11 @@
           </a:prstGeom>
         </p:spPr>
         <p:txBody>
-          <a:bodyPr anchorCtr="0" anchor="t" bIns="91425" lIns="91425" spcFirstLastPara="1" rIns="91425" wrap="square" tIns="91425">
+          <a:bodyPr spcFirstLastPara="1" wrap="square" lIns="91425" tIns="91425" rIns="91425" bIns="91425" anchor="t" anchorCtr="0">
             <a:normAutofit/>
           </a:bodyPr>
           <a:lstStyle>
-            <a:lvl1pPr indent="-311150" lvl="0" marL="457200">
+            <a:lvl1pPr marL="457200" lvl="0" indent="-311150">
               <a:spcBef>
                 <a:spcPts val="0"/>
               </a:spcBef>
@@ -6682,7 +6788,7 @@
               <a:buChar char="●"/>
               <a:defRPr/>
             </a:lvl1pPr>
-            <a:lvl2pPr indent="-298450" lvl="1" marL="914400">
+            <a:lvl2pPr marL="914400" lvl="1" indent="-298450">
               <a:spcBef>
                 <a:spcPts val="0"/>
               </a:spcBef>
@@ -6693,7 +6799,7 @@
               <a:buChar char="○"/>
               <a:defRPr/>
             </a:lvl2pPr>
-            <a:lvl3pPr indent="-298450" lvl="2" marL="1371600">
+            <a:lvl3pPr marL="1371600" lvl="2" indent="-298450">
               <a:spcBef>
                 <a:spcPts val="0"/>
               </a:spcBef>
@@ -6704,7 +6810,7 @@
               <a:buChar char="■"/>
               <a:defRPr/>
             </a:lvl3pPr>
-            <a:lvl4pPr indent="-298450" lvl="3" marL="1828800">
+            <a:lvl4pPr marL="1828800" lvl="3" indent="-298450">
               <a:spcBef>
                 <a:spcPts val="0"/>
               </a:spcBef>
@@ -6715,7 +6821,7 @@
               <a:buChar char="●"/>
               <a:defRPr/>
             </a:lvl4pPr>
-            <a:lvl5pPr indent="-298450" lvl="4" marL="2286000">
+            <a:lvl5pPr marL="2286000" lvl="4" indent="-298450">
               <a:spcBef>
                 <a:spcPts val="0"/>
               </a:spcBef>
@@ -6726,7 +6832,7 @@
               <a:buChar char="○"/>
               <a:defRPr/>
             </a:lvl5pPr>
-            <a:lvl6pPr indent="-298450" lvl="5" marL="2743200">
+            <a:lvl6pPr marL="2743200" lvl="5" indent="-298450">
               <a:spcBef>
                 <a:spcPts val="0"/>
               </a:spcBef>
@@ -6737,7 +6843,7 @@
               <a:buChar char="■"/>
               <a:defRPr/>
             </a:lvl6pPr>
-            <a:lvl7pPr indent="-298450" lvl="6" marL="3200400">
+            <a:lvl7pPr marL="3200400" lvl="6" indent="-298450">
               <a:spcBef>
                 <a:spcPts val="0"/>
               </a:spcBef>
@@ -6748,7 +6854,7 @@
               <a:buChar char="●"/>
               <a:defRPr/>
             </a:lvl7pPr>
-            <a:lvl8pPr indent="-298450" lvl="7" marL="3657600">
+            <a:lvl8pPr marL="3657600" lvl="7" indent="-298450">
               <a:spcBef>
                 <a:spcPts val="0"/>
               </a:spcBef>
@@ -6759,7 +6865,7 @@
               <a:buChar char="○"/>
               <a:defRPr/>
             </a:lvl8pPr>
-            <a:lvl9pPr indent="-298450" lvl="8" marL="4114800">
+            <a:lvl9pPr marL="4114800" lvl="8" indent="-298450">
               <a:spcBef>
                 <a:spcPts val="0"/>
               </a:spcBef>
@@ -6771,15 +6877,19 @@
               <a:defRPr/>
             </a:lvl9pPr>
           </a:lstStyle>
-          <a:p/>
+          <a:p>
+            <a:endParaRPr/>
+          </a:p>
         </p:txBody>
       </p:sp>
       <p:sp>
         <p:nvSpPr>
           <p:cNvPr id="69" name="Google Shape;69;p9"/>
-          <p:cNvSpPr txBox="1"/>
+          <p:cNvSpPr txBox="1">
+            <a:spLocks noGrp="1"/>
+          </p:cNvSpPr>
           <p:nvPr>
-            <p:ph idx="12" type="sldNum"/>
+            <p:ph type="sldNum" idx="12"/>
           </p:nvPr>
         </p:nvSpPr>
         <p:spPr>
@@ -6792,7 +6902,7 @@
           </a:prstGeom>
         </p:spPr>
         <p:txBody>
-          <a:bodyPr anchorCtr="0" anchor="ctr" bIns="91425" lIns="91425" spcFirstLastPara="1" rIns="91425" wrap="square" tIns="91425">
+          <a:bodyPr spcFirstLastPara="1" wrap="square" lIns="91425" tIns="91425" rIns="91425" bIns="91425" anchor="ctr" anchorCtr="0">
             <a:normAutofit/>
           </a:bodyPr>
           <a:lstStyle>
@@ -6834,7 +6944,7 @@
             </a:lvl9pPr>
           </a:lstStyle>
           <a:p>
-            <a:pPr indent="0" lvl="0" marL="0" rtl="0" algn="r">
+            <a:pPr marL="0" lvl="0" indent="0" algn="r" rtl="0">
               <a:spcBef>
                 <a:spcPts val="0"/>
               </a:spcBef>
@@ -6860,11 +6970,11 @@
 </file>
 
 <file path=ppt/slideLayouts/slideLayout9.xml><?xml version="1.0" encoding="utf-8"?>
-<p:sldLayout xmlns:a="http://schemas.openxmlformats.org/drawingml/2006/main" xmlns:r="http://schemas.openxmlformats.org/officeDocument/2006/relationships" xmlns:mc="http://schemas.openxmlformats.org/markup-compatibility/2006" xmlns:mv="urn:schemas-microsoft-com:mac:vml" xmlns:p="http://schemas.openxmlformats.org/presentationml/2006/main" xmlns:c="http://schemas.openxmlformats.org/drawingml/2006/chart" xmlns:dgm="http://schemas.openxmlformats.org/drawingml/2006/diagram" xmlns:o="urn:schemas-microsoft-com:office:office" xmlns:v="urn:schemas-microsoft-com:vml" xmlns:pvml="urn:schemas-microsoft-com:office:powerpoint" xmlns:com="http://schemas.openxmlformats.org/drawingml/2006/compatibility" xmlns:p14="http://schemas.microsoft.com/office/powerpoint/2010/main" xmlns:p15="http://schemas.microsoft.com/office/powerpoint/2012/main" xmlns:ahyp="http://schemas.microsoft.com/office/drawing/2018/hyperlinkcolor" matchingName="Caption">
+<p:sldLayout xmlns:a="http://schemas.openxmlformats.org/drawingml/2006/main" xmlns:r="http://schemas.openxmlformats.org/officeDocument/2006/relationships" xmlns:p="http://schemas.openxmlformats.org/presentationml/2006/main" matchingName="Caption">
   <p:cSld name="CAPTION_ONLY">
     <p:spTree>
       <p:nvGrpSpPr>
-        <p:cNvPr id="70" name="Shape 70"/>
+        <p:cNvPr id="1" name="Shape 70"/>
         <p:cNvGrpSpPr/>
         <p:nvPr/>
       </p:nvGrpSpPr>
@@ -6879,9 +6989,11 @@
       <p:sp>
         <p:nvSpPr>
           <p:cNvPr id="71" name="Google Shape;71;p10"/>
-          <p:cNvSpPr txBox="1"/>
+          <p:cNvSpPr txBox="1">
+            <a:spLocks noGrp="1"/>
+          </p:cNvSpPr>
           <p:nvPr>
-            <p:ph idx="1" type="body"/>
+            <p:ph type="body" idx="1"/>
           </p:nvPr>
         </p:nvSpPr>
         <p:spPr>
@@ -6894,11 +7006,11 @@
           </a:prstGeom>
         </p:spPr>
         <p:txBody>
-          <a:bodyPr anchorCtr="0" anchor="ctr" bIns="91425" lIns="91425" spcFirstLastPara="1" rIns="91425" wrap="square" tIns="91425">
+          <a:bodyPr spcFirstLastPara="1" wrap="square" lIns="91425" tIns="91425" rIns="91425" bIns="91425" anchor="ctr" anchorCtr="0">
             <a:normAutofit/>
           </a:bodyPr>
           <a:lstStyle>
-            <a:lvl1pPr indent="-228600" lvl="0" marL="457200">
+            <a:lvl1pPr marL="457200" lvl="0" indent="-228600">
               <a:lnSpc>
                 <a:spcPct val="100000"/>
               </a:lnSpc>
@@ -6913,15 +7025,19 @@
               <a:defRPr/>
             </a:lvl1pPr>
           </a:lstStyle>
-          <a:p/>
+          <a:p>
+            <a:endParaRPr/>
+          </a:p>
         </p:txBody>
       </p:sp>
       <p:sp>
         <p:nvSpPr>
           <p:cNvPr id="72" name="Google Shape;72;p10"/>
-          <p:cNvSpPr txBox="1"/>
+          <p:cNvSpPr txBox="1">
+            <a:spLocks noGrp="1"/>
+          </p:cNvSpPr>
           <p:nvPr>
-            <p:ph idx="12" type="sldNum"/>
+            <p:ph type="sldNum" idx="12"/>
           </p:nvPr>
         </p:nvSpPr>
         <p:spPr>
@@ -6934,7 +7050,7 @@
           </a:prstGeom>
         </p:spPr>
         <p:txBody>
-          <a:bodyPr anchorCtr="0" anchor="ctr" bIns="91425" lIns="91425" spcFirstLastPara="1" rIns="91425" wrap="square" tIns="91425">
+          <a:bodyPr spcFirstLastPara="1" wrap="square" lIns="91425" tIns="91425" rIns="91425" bIns="91425" anchor="ctr" anchorCtr="0">
             <a:normAutofit/>
           </a:bodyPr>
           <a:lstStyle>
@@ -6976,7 +7092,7 @@
             </a:lvl9pPr>
           </a:lstStyle>
           <a:p>
-            <a:pPr indent="0" lvl="0" marL="0" rtl="0" algn="r">
+            <a:pPr marL="0" lvl="0" indent="0" algn="r" rtl="0">
               <a:spcBef>
                 <a:spcPts val="0"/>
               </a:spcBef>
@@ -7002,18 +7118,19 @@
 </file>
 
 <file path=ppt/slideMasters/slideMaster1.xml><?xml version="1.0" encoding="utf-8"?>
-<p:sldMaster xmlns:a="http://schemas.openxmlformats.org/drawingml/2006/main" xmlns:r="http://schemas.openxmlformats.org/officeDocument/2006/relationships" xmlns:mc="http://schemas.openxmlformats.org/markup-compatibility/2006" xmlns:mv="urn:schemas-microsoft-com:mac:vml" xmlns:p="http://schemas.openxmlformats.org/presentationml/2006/main" xmlns:c="http://schemas.openxmlformats.org/drawingml/2006/chart" xmlns:dgm="http://schemas.openxmlformats.org/drawingml/2006/diagram" xmlns:o="urn:schemas-microsoft-com:office:office" xmlns:v="urn:schemas-microsoft-com:vml" xmlns:pvml="urn:schemas-microsoft-com:office:powerpoint" xmlns:com="http://schemas.openxmlformats.org/drawingml/2006/compatibility" xmlns:p14="http://schemas.microsoft.com/office/powerpoint/2010/main" xmlns:p15="http://schemas.microsoft.com/office/powerpoint/2012/main" xmlns:ahyp="http://schemas.microsoft.com/office/drawing/2018/hyperlinkcolor">
+<p:sldMaster xmlns:a="http://schemas.openxmlformats.org/drawingml/2006/main" xmlns:r="http://schemas.openxmlformats.org/officeDocument/2006/relationships" xmlns:p="http://schemas.openxmlformats.org/presentationml/2006/main">
   <p:cSld name="streamline">
     <p:bg>
       <p:bgPr>
         <a:solidFill>
           <a:schemeClr val="lt1"/>
         </a:solidFill>
+        <a:effectLst/>
       </p:bgPr>
     </p:bg>
     <p:spTree>
       <p:nvGrpSpPr>
-        <p:cNvPr id="5" name="Shape 5"/>
+        <p:cNvPr id="1" name="Shape 5"/>
         <p:cNvGrpSpPr/>
         <p:nvPr/>
       </p:nvGrpSpPr>
@@ -7028,7 +7145,9 @@
       <p:sp>
         <p:nvSpPr>
           <p:cNvPr id="6" name="Google Shape;6;p1"/>
-          <p:cNvSpPr txBox="1"/>
+          <p:cNvSpPr txBox="1">
+            <a:spLocks noGrp="1"/>
+          </p:cNvSpPr>
           <p:nvPr>
             <p:ph type="title"/>
           </p:nvPr>
@@ -7047,7 +7166,7 @@
           </a:ln>
         </p:spPr>
         <p:txBody>
-          <a:bodyPr anchorCtr="0" anchor="t" bIns="91425" lIns="91425" spcFirstLastPara="1" rIns="91425" wrap="square" tIns="91425">
+          <a:bodyPr spcFirstLastPara="1" wrap="square" lIns="91425" tIns="91425" rIns="91425" bIns="91425" anchor="t" anchorCtr="0">
             <a:normAutofit/>
           </a:bodyPr>
           <a:lstStyle>
@@ -7064,7 +7183,7 @@
               <a:buSzPts val="2800"/>
               <a:buFont typeface="Raleway"/>
               <a:buNone/>
-              <a:defRPr b="1" sz="2800">
+              <a:defRPr sz="2800" b="1">
                 <a:solidFill>
                   <a:schemeClr val="dk2"/>
                 </a:solidFill>
@@ -7087,7 +7206,7 @@
               <a:buSzPts val="2800"/>
               <a:buFont typeface="Raleway"/>
               <a:buNone/>
-              <a:defRPr b="1" sz="2800">
+              <a:defRPr sz="2800" b="1">
                 <a:solidFill>
                   <a:schemeClr val="dk2"/>
                 </a:solidFill>
@@ -7110,7 +7229,7 @@
               <a:buSzPts val="2800"/>
               <a:buFont typeface="Raleway"/>
               <a:buNone/>
-              <a:defRPr b="1" sz="2800">
+              <a:defRPr sz="2800" b="1">
                 <a:solidFill>
                   <a:schemeClr val="dk2"/>
                 </a:solidFill>
@@ -7133,7 +7252,7 @@
               <a:buSzPts val="2800"/>
               <a:buFont typeface="Raleway"/>
               <a:buNone/>
-              <a:defRPr b="1" sz="2800">
+              <a:defRPr sz="2800" b="1">
                 <a:solidFill>
                   <a:schemeClr val="dk2"/>
                 </a:solidFill>
@@ -7156,7 +7275,7 @@
               <a:buSzPts val="2800"/>
               <a:buFont typeface="Raleway"/>
               <a:buNone/>
-              <a:defRPr b="1" sz="2800">
+              <a:defRPr sz="2800" b="1">
                 <a:solidFill>
                   <a:schemeClr val="dk2"/>
                 </a:solidFill>
@@ -7179,7 +7298,7 @@
               <a:buSzPts val="2800"/>
               <a:buFont typeface="Raleway"/>
               <a:buNone/>
-              <a:defRPr b="1" sz="2800">
+              <a:defRPr sz="2800" b="1">
                 <a:solidFill>
                   <a:schemeClr val="dk2"/>
                 </a:solidFill>
@@ -7202,7 +7321,7 @@
               <a:buSzPts val="2800"/>
               <a:buFont typeface="Raleway"/>
               <a:buNone/>
-              <a:defRPr b="1" sz="2800">
+              <a:defRPr sz="2800" b="1">
                 <a:solidFill>
                   <a:schemeClr val="dk2"/>
                 </a:solidFill>
@@ -7225,7 +7344,7 @@
               <a:buSzPts val="2800"/>
               <a:buFont typeface="Raleway"/>
               <a:buNone/>
-              <a:defRPr b="1" sz="2800">
+              <a:defRPr sz="2800" b="1">
                 <a:solidFill>
                   <a:schemeClr val="dk2"/>
                 </a:solidFill>
@@ -7248,7 +7367,7 @@
               <a:buSzPts val="2800"/>
               <a:buFont typeface="Raleway"/>
               <a:buNone/>
-              <a:defRPr b="1" sz="2800">
+              <a:defRPr sz="2800" b="1">
                 <a:solidFill>
                   <a:schemeClr val="dk2"/>
                 </a:solidFill>
@@ -7259,15 +7378,19 @@
               </a:defRPr>
             </a:lvl9pPr>
           </a:lstStyle>
-          <a:p/>
+          <a:p>
+            <a:endParaRPr/>
+          </a:p>
         </p:txBody>
       </p:sp>
       <p:sp>
         <p:nvSpPr>
           <p:cNvPr id="7" name="Google Shape;7;p1"/>
-          <p:cNvSpPr txBox="1"/>
+          <p:cNvSpPr txBox="1">
+            <a:spLocks noGrp="1"/>
+          </p:cNvSpPr>
           <p:nvPr>
-            <p:ph idx="1" type="body"/>
+            <p:ph type="body" idx="1"/>
           </p:nvPr>
         </p:nvSpPr>
         <p:spPr>
@@ -7284,11 +7407,11 @@
           </a:ln>
         </p:spPr>
         <p:txBody>
-          <a:bodyPr anchorCtr="0" anchor="t" bIns="91425" lIns="91425" spcFirstLastPara="1" rIns="91425" wrap="square" tIns="91425">
+          <a:bodyPr spcFirstLastPara="1" wrap="square" lIns="91425" tIns="91425" rIns="91425" bIns="91425" anchor="t" anchorCtr="0">
             <a:normAutofit/>
           </a:bodyPr>
           <a:lstStyle>
-            <a:lvl1pPr indent="-311150" lvl="0" marL="457200">
+            <a:lvl1pPr marL="457200" lvl="0" indent="-311150">
               <a:lnSpc>
                 <a:spcPct val="115000"/>
               </a:lnSpc>
@@ -7314,7 +7437,7 @@
                 <a:sym typeface="Lato"/>
               </a:defRPr>
             </a:lvl1pPr>
-            <a:lvl2pPr indent="-298450" lvl="1" marL="914400">
+            <a:lvl2pPr marL="914400" lvl="1" indent="-298450">
               <a:lnSpc>
                 <a:spcPct val="115000"/>
               </a:lnSpc>
@@ -7340,7 +7463,7 @@
                 <a:sym typeface="Lato"/>
               </a:defRPr>
             </a:lvl2pPr>
-            <a:lvl3pPr indent="-298450" lvl="2" marL="1371600">
+            <a:lvl3pPr marL="1371600" lvl="2" indent="-298450">
               <a:lnSpc>
                 <a:spcPct val="115000"/>
               </a:lnSpc>
@@ -7366,7 +7489,7 @@
                 <a:sym typeface="Lato"/>
               </a:defRPr>
             </a:lvl3pPr>
-            <a:lvl4pPr indent="-298450" lvl="3" marL="1828800">
+            <a:lvl4pPr marL="1828800" lvl="3" indent="-298450">
               <a:lnSpc>
                 <a:spcPct val="115000"/>
               </a:lnSpc>
@@ -7392,7 +7515,7 @@
                 <a:sym typeface="Lato"/>
               </a:defRPr>
             </a:lvl4pPr>
-            <a:lvl5pPr indent="-298450" lvl="4" marL="2286000">
+            <a:lvl5pPr marL="2286000" lvl="4" indent="-298450">
               <a:lnSpc>
                 <a:spcPct val="115000"/>
               </a:lnSpc>
@@ -7418,7 +7541,7 @@
                 <a:sym typeface="Lato"/>
               </a:defRPr>
             </a:lvl5pPr>
-            <a:lvl6pPr indent="-298450" lvl="5" marL="2743200">
+            <a:lvl6pPr marL="2743200" lvl="5" indent="-298450">
               <a:lnSpc>
                 <a:spcPct val="115000"/>
               </a:lnSpc>
@@ -7444,7 +7567,7 @@
                 <a:sym typeface="Lato"/>
               </a:defRPr>
             </a:lvl6pPr>
-            <a:lvl7pPr indent="-298450" lvl="6" marL="3200400">
+            <a:lvl7pPr marL="3200400" lvl="6" indent="-298450">
               <a:lnSpc>
                 <a:spcPct val="115000"/>
               </a:lnSpc>
@@ -7470,7 +7593,7 @@
                 <a:sym typeface="Lato"/>
               </a:defRPr>
             </a:lvl7pPr>
-            <a:lvl8pPr indent="-298450" lvl="7" marL="3657600">
+            <a:lvl8pPr marL="3657600" lvl="7" indent="-298450">
               <a:lnSpc>
                 <a:spcPct val="115000"/>
               </a:lnSpc>
@@ -7496,7 +7619,7 @@
                 <a:sym typeface="Lato"/>
               </a:defRPr>
             </a:lvl8pPr>
-            <a:lvl9pPr indent="-298450" lvl="8" marL="4114800">
+            <a:lvl9pPr marL="4114800" lvl="8" indent="-298450">
               <a:lnSpc>
                 <a:spcPct val="115000"/>
               </a:lnSpc>
@@ -7523,15 +7646,19 @@
               </a:defRPr>
             </a:lvl9pPr>
           </a:lstStyle>
-          <a:p/>
+          <a:p>
+            <a:endParaRPr/>
+          </a:p>
         </p:txBody>
       </p:sp>
       <p:sp>
         <p:nvSpPr>
           <p:cNvPr id="8" name="Google Shape;8;p1"/>
-          <p:cNvSpPr txBox="1"/>
+          <p:cNvSpPr txBox="1">
+            <a:spLocks noGrp="1"/>
+          </p:cNvSpPr>
           <p:nvPr>
-            <p:ph idx="12" type="sldNum"/>
+            <p:ph type="sldNum" idx="12"/>
           </p:nvPr>
         </p:nvSpPr>
         <p:spPr>
@@ -7548,7 +7675,7 @@
           </a:ln>
         </p:spPr>
         <p:txBody>
-          <a:bodyPr anchorCtr="0" anchor="ctr" bIns="91425" lIns="91425" spcFirstLastPara="1" rIns="91425" wrap="square" tIns="91425">
+          <a:bodyPr spcFirstLastPara="1" wrap="square" lIns="91425" tIns="91425" rIns="91425" bIns="91425" anchor="ctr" anchorCtr="0">
             <a:normAutofit/>
           </a:bodyPr>
           <a:lstStyle>
@@ -7662,7 +7789,7 @@
             </a:lvl9pPr>
           </a:lstStyle>
           <a:p>
-            <a:pPr indent="0" lvl="0" marL="0" rtl="0" algn="r">
+            <a:pPr marL="0" lvl="0" indent="0" algn="r" rtl="0">
               <a:spcBef>
                 <a:spcPts val="0"/>
               </a:spcBef>
@@ -7681,7 +7808,7 @@
       </p:sp>
     </p:spTree>
   </p:cSld>
-  <p:clrMap accent1="accent1" accent2="accent2" accent3="accent3" accent4="accent4" accent5="accent5" accent6="accent6" bg1="lt1" bg2="dk2" tx1="dk1" tx2="lt2" folHlink="folHlink" hlink="hlink"/>
+  <p:clrMap bg1="lt1" tx1="dk1" bg2="dk2" tx2="lt2" accent1="accent1" accent2="accent2" accent3="accent3" accent4="accent4" accent5="accent5" accent6="accent6" hlink="hlink" folHlink="folHlink"/>
   <p:sldLayoutIdLst>
     <p:sldLayoutId id="2147483648" r:id="rId1"/>
     <p:sldLayoutId id="2147483649" r:id="rId2"/>
@@ -7695,10 +7822,10 @@
     <p:sldLayoutId id="2147483657" r:id="rId10"/>
     <p:sldLayoutId id="2147483658" r:id="rId11"/>
   </p:sldLayoutIdLst>
-  <p:hf dt="0" ftr="0" hdr="0" sldNum="0"/>
+  <p:hf sldNum="0" hdr="0" ftr="0" dt="0"/>
   <p:txStyles>
     <p:titleStyle>
-      <a:defPPr lvl="0" marR="0" rtl="0" algn="l">
+      <a:defPPr marR="0" lvl="0" algn="l" rtl="0">
         <a:lnSpc>
           <a:spcPct val="100000"/>
         </a:lnSpc>
@@ -7709,7 +7836,7 @@
           <a:spcPts val="0"/>
         </a:spcAft>
       </a:defPPr>
-      <a:lvl1pPr lvl="0" marR="0" rtl="0" algn="l">
+      <a:lvl1pPr marR="0" lvl="0" algn="l" rtl="0">
         <a:lnSpc>
           <a:spcPct val="100000"/>
         </a:lnSpc>
@@ -7723,7 +7850,7 @@
           <a:srgbClr val="000000"/>
         </a:buClr>
         <a:buFont typeface="Arial"/>
-        <a:defRPr b="0" i="0" sz="1400" u="none" cap="none" strike="noStrike">
+        <a:defRPr sz="1400" b="0" i="0" u="none" strike="noStrike" cap="none">
           <a:solidFill>
             <a:srgbClr val="000000"/>
           </a:solidFill>
@@ -7733,7 +7860,7 @@
           <a:sym typeface="Arial"/>
         </a:defRPr>
       </a:lvl1pPr>
-      <a:lvl2pPr lvl="1" marR="0" rtl="0" algn="l">
+      <a:lvl2pPr marR="0" lvl="1" algn="l" rtl="0">
         <a:lnSpc>
           <a:spcPct val="100000"/>
         </a:lnSpc>
@@ -7747,7 +7874,7 @@
           <a:srgbClr val="000000"/>
         </a:buClr>
         <a:buFont typeface="Arial"/>
-        <a:defRPr b="0" i="0" sz="1400" u="none" cap="none" strike="noStrike">
+        <a:defRPr sz="1400" b="0" i="0" u="none" strike="noStrike" cap="none">
           <a:solidFill>
             <a:srgbClr val="000000"/>
           </a:solidFill>
@@ -7757,7 +7884,7 @@
           <a:sym typeface="Arial"/>
         </a:defRPr>
       </a:lvl2pPr>
-      <a:lvl3pPr lvl="2" marR="0" rtl="0" algn="l">
+      <a:lvl3pPr marR="0" lvl="2" algn="l" rtl="0">
         <a:lnSpc>
           <a:spcPct val="100000"/>
         </a:lnSpc>
@@ -7771,7 +7898,7 @@
           <a:srgbClr val="000000"/>
         </a:buClr>
         <a:buFont typeface="Arial"/>
-        <a:defRPr b="0" i="0" sz="1400" u="none" cap="none" strike="noStrike">
+        <a:defRPr sz="1400" b="0" i="0" u="none" strike="noStrike" cap="none">
           <a:solidFill>
             <a:srgbClr val="000000"/>
           </a:solidFill>
@@ -7781,7 +7908,7 @@
           <a:sym typeface="Arial"/>
         </a:defRPr>
       </a:lvl3pPr>
-      <a:lvl4pPr lvl="3" marR="0" rtl="0" algn="l">
+      <a:lvl4pPr marR="0" lvl="3" algn="l" rtl="0">
         <a:lnSpc>
           <a:spcPct val="100000"/>
         </a:lnSpc>
@@ -7795,7 +7922,7 @@
           <a:srgbClr val="000000"/>
         </a:buClr>
         <a:buFont typeface="Arial"/>
-        <a:defRPr b="0" i="0" sz="1400" u="none" cap="none" strike="noStrike">
+        <a:defRPr sz="1400" b="0" i="0" u="none" strike="noStrike" cap="none">
           <a:solidFill>
             <a:srgbClr val="000000"/>
           </a:solidFill>
@@ -7805,7 +7932,7 @@
           <a:sym typeface="Arial"/>
         </a:defRPr>
       </a:lvl4pPr>
-      <a:lvl5pPr lvl="4" marR="0" rtl="0" algn="l">
+      <a:lvl5pPr marR="0" lvl="4" algn="l" rtl="0">
         <a:lnSpc>
           <a:spcPct val="100000"/>
         </a:lnSpc>
@@ -7819,7 +7946,7 @@
           <a:srgbClr val="000000"/>
         </a:buClr>
         <a:buFont typeface="Arial"/>
-        <a:defRPr b="0" i="0" sz="1400" u="none" cap="none" strike="noStrike">
+        <a:defRPr sz="1400" b="0" i="0" u="none" strike="noStrike" cap="none">
           <a:solidFill>
             <a:srgbClr val="000000"/>
           </a:solidFill>
@@ -7829,7 +7956,7 @@
           <a:sym typeface="Arial"/>
         </a:defRPr>
       </a:lvl5pPr>
-      <a:lvl6pPr lvl="5" marR="0" rtl="0" algn="l">
+      <a:lvl6pPr marR="0" lvl="5" algn="l" rtl="0">
         <a:lnSpc>
           <a:spcPct val="100000"/>
         </a:lnSpc>
@@ -7843,7 +7970,7 @@
           <a:srgbClr val="000000"/>
         </a:buClr>
         <a:buFont typeface="Arial"/>
-        <a:defRPr b="0" i="0" sz="1400" u="none" cap="none" strike="noStrike">
+        <a:defRPr sz="1400" b="0" i="0" u="none" strike="noStrike" cap="none">
           <a:solidFill>
             <a:srgbClr val="000000"/>
           </a:solidFill>
@@ -7853,7 +7980,7 @@
           <a:sym typeface="Arial"/>
         </a:defRPr>
       </a:lvl6pPr>
-      <a:lvl7pPr lvl="6" marR="0" rtl="0" algn="l">
+      <a:lvl7pPr marR="0" lvl="6" algn="l" rtl="0">
         <a:lnSpc>
           <a:spcPct val="100000"/>
         </a:lnSpc>
@@ -7867,7 +7994,7 @@
           <a:srgbClr val="000000"/>
         </a:buClr>
         <a:buFont typeface="Arial"/>
-        <a:defRPr b="0" i="0" sz="1400" u="none" cap="none" strike="noStrike">
+        <a:defRPr sz="1400" b="0" i="0" u="none" strike="noStrike" cap="none">
           <a:solidFill>
             <a:srgbClr val="000000"/>
           </a:solidFill>
@@ -7877,7 +8004,7 @@
           <a:sym typeface="Arial"/>
         </a:defRPr>
       </a:lvl7pPr>
-      <a:lvl8pPr lvl="7" marR="0" rtl="0" algn="l">
+      <a:lvl8pPr marR="0" lvl="7" algn="l" rtl="0">
         <a:lnSpc>
           <a:spcPct val="100000"/>
         </a:lnSpc>
@@ -7891,7 +8018,7 @@
           <a:srgbClr val="000000"/>
         </a:buClr>
         <a:buFont typeface="Arial"/>
-        <a:defRPr b="0" i="0" sz="1400" u="none" cap="none" strike="noStrike">
+        <a:defRPr sz="1400" b="0" i="0" u="none" strike="noStrike" cap="none">
           <a:solidFill>
             <a:srgbClr val="000000"/>
           </a:solidFill>
@@ -7901,7 +8028,7 @@
           <a:sym typeface="Arial"/>
         </a:defRPr>
       </a:lvl8pPr>
-      <a:lvl9pPr lvl="8" marR="0" rtl="0" algn="l">
+      <a:lvl9pPr marR="0" lvl="8" algn="l" rtl="0">
         <a:lnSpc>
           <a:spcPct val="100000"/>
         </a:lnSpc>
@@ -7915,7 +8042,7 @@
           <a:srgbClr val="000000"/>
         </a:buClr>
         <a:buFont typeface="Arial"/>
-        <a:defRPr b="0" i="0" sz="1400" u="none" cap="none" strike="noStrike">
+        <a:defRPr sz="1400" b="0" i="0" u="none" strike="noStrike" cap="none">
           <a:solidFill>
             <a:srgbClr val="000000"/>
           </a:solidFill>
@@ -7927,7 +8054,7 @@
       </a:lvl9pPr>
     </p:titleStyle>
     <p:bodyStyle>
-      <a:defPPr lvl="0" marR="0" rtl="0" algn="l">
+      <a:defPPr marR="0" lvl="0" algn="l" rtl="0">
         <a:lnSpc>
           <a:spcPct val="100000"/>
         </a:lnSpc>
@@ -7938,7 +8065,7 @@
           <a:spcPts val="0"/>
         </a:spcAft>
       </a:defPPr>
-      <a:lvl1pPr lvl="0" marR="0" rtl="0" algn="l">
+      <a:lvl1pPr marR="0" lvl="0" algn="l" rtl="0">
         <a:lnSpc>
           <a:spcPct val="100000"/>
         </a:lnSpc>
@@ -7952,7 +8079,7 @@
           <a:srgbClr val="000000"/>
         </a:buClr>
         <a:buFont typeface="Arial"/>
-        <a:defRPr b="0" i="0" sz="1400" u="none" cap="none" strike="noStrike">
+        <a:defRPr sz="1400" b="0" i="0" u="none" strike="noStrike" cap="none">
           <a:solidFill>
             <a:srgbClr val="000000"/>
           </a:solidFill>
@@ -7962,7 +8089,7 @@
           <a:sym typeface="Arial"/>
         </a:defRPr>
       </a:lvl1pPr>
-      <a:lvl2pPr lvl="1" marR="0" rtl="0" algn="l">
+      <a:lvl2pPr marR="0" lvl="1" algn="l" rtl="0">
         <a:lnSpc>
           <a:spcPct val="100000"/>
         </a:lnSpc>
@@ -7976,7 +8103,7 @@
           <a:srgbClr val="000000"/>
         </a:buClr>
         <a:buFont typeface="Arial"/>
-        <a:defRPr b="0" i="0" sz="1400" u="none" cap="none" strike="noStrike">
+        <a:defRPr sz="1400" b="0" i="0" u="none" strike="noStrike" cap="none">
           <a:solidFill>
             <a:srgbClr val="000000"/>
           </a:solidFill>
@@ -7986,7 +8113,7 @@
           <a:sym typeface="Arial"/>
         </a:defRPr>
       </a:lvl2pPr>
-      <a:lvl3pPr lvl="2" marR="0" rtl="0" algn="l">
+      <a:lvl3pPr marR="0" lvl="2" algn="l" rtl="0">
         <a:lnSpc>
           <a:spcPct val="100000"/>
         </a:lnSpc>
@@ -8000,7 +8127,7 @@
           <a:srgbClr val="000000"/>
         </a:buClr>
         <a:buFont typeface="Arial"/>
-        <a:defRPr b="0" i="0" sz="1400" u="none" cap="none" strike="noStrike">
+        <a:defRPr sz="1400" b="0" i="0" u="none" strike="noStrike" cap="none">
           <a:solidFill>
             <a:srgbClr val="000000"/>
           </a:solidFill>
@@ -8010,7 +8137,7 @@
           <a:sym typeface="Arial"/>
         </a:defRPr>
       </a:lvl3pPr>
-      <a:lvl4pPr lvl="3" marR="0" rtl="0" algn="l">
+      <a:lvl4pPr marR="0" lvl="3" algn="l" rtl="0">
         <a:lnSpc>
           <a:spcPct val="100000"/>
         </a:lnSpc>
@@ -8024,7 +8151,7 @@
           <a:srgbClr val="000000"/>
         </a:buClr>
         <a:buFont typeface="Arial"/>
-        <a:defRPr b="0" i="0" sz="1400" u="none" cap="none" strike="noStrike">
+        <a:defRPr sz="1400" b="0" i="0" u="none" strike="noStrike" cap="none">
           <a:solidFill>
             <a:srgbClr val="000000"/>
           </a:solidFill>
@@ -8034,7 +8161,7 @@
           <a:sym typeface="Arial"/>
         </a:defRPr>
       </a:lvl4pPr>
-      <a:lvl5pPr lvl="4" marR="0" rtl="0" algn="l">
+      <a:lvl5pPr marR="0" lvl="4" algn="l" rtl="0">
         <a:lnSpc>
           <a:spcPct val="100000"/>
         </a:lnSpc>
@@ -8048,7 +8175,7 @@
           <a:srgbClr val="000000"/>
         </a:buClr>
         <a:buFont typeface="Arial"/>
-        <a:defRPr b="0" i="0" sz="1400" u="none" cap="none" strike="noStrike">
+        <a:defRPr sz="1400" b="0" i="0" u="none" strike="noStrike" cap="none">
           <a:solidFill>
             <a:srgbClr val="000000"/>
           </a:solidFill>
@@ -8058,7 +8185,7 @@
           <a:sym typeface="Arial"/>
         </a:defRPr>
       </a:lvl5pPr>
-      <a:lvl6pPr lvl="5" marR="0" rtl="0" algn="l">
+      <a:lvl6pPr marR="0" lvl="5" algn="l" rtl="0">
         <a:lnSpc>
           <a:spcPct val="100000"/>
         </a:lnSpc>
@@ -8072,7 +8199,7 @@
           <a:srgbClr val="000000"/>
         </a:buClr>
         <a:buFont typeface="Arial"/>
-        <a:defRPr b="0" i="0" sz="1400" u="none" cap="none" strike="noStrike">
+        <a:defRPr sz="1400" b="0" i="0" u="none" strike="noStrike" cap="none">
           <a:solidFill>
             <a:srgbClr val="000000"/>
           </a:solidFill>
@@ -8082,7 +8209,7 @@
           <a:sym typeface="Arial"/>
         </a:defRPr>
       </a:lvl6pPr>
-      <a:lvl7pPr lvl="6" marR="0" rtl="0" algn="l">
+      <a:lvl7pPr marR="0" lvl="6" algn="l" rtl="0">
         <a:lnSpc>
           <a:spcPct val="100000"/>
         </a:lnSpc>
@@ -8096,7 +8223,7 @@
           <a:srgbClr val="000000"/>
         </a:buClr>
         <a:buFont typeface="Arial"/>
-        <a:defRPr b="0" i="0" sz="1400" u="none" cap="none" strike="noStrike">
+        <a:defRPr sz="1400" b="0" i="0" u="none" strike="noStrike" cap="none">
           <a:solidFill>
             <a:srgbClr val="000000"/>
           </a:solidFill>
@@ -8106,7 +8233,7 @@
           <a:sym typeface="Arial"/>
         </a:defRPr>
       </a:lvl7pPr>
-      <a:lvl8pPr lvl="7" marR="0" rtl="0" algn="l">
+      <a:lvl8pPr marR="0" lvl="7" algn="l" rtl="0">
         <a:lnSpc>
           <a:spcPct val="100000"/>
         </a:lnSpc>
@@ -8120,7 +8247,7 @@
           <a:srgbClr val="000000"/>
         </a:buClr>
         <a:buFont typeface="Arial"/>
-        <a:defRPr b="0" i="0" sz="1400" u="none" cap="none" strike="noStrike">
+        <a:defRPr sz="1400" b="0" i="0" u="none" strike="noStrike" cap="none">
           <a:solidFill>
             <a:srgbClr val="000000"/>
           </a:solidFill>
@@ -8130,7 +8257,7 @@
           <a:sym typeface="Arial"/>
         </a:defRPr>
       </a:lvl8pPr>
-      <a:lvl9pPr lvl="8" marR="0" rtl="0" algn="l">
+      <a:lvl9pPr marR="0" lvl="8" algn="l" rtl="0">
         <a:lnSpc>
           <a:spcPct val="100000"/>
         </a:lnSpc>
@@ -8144,7 +8271,7 @@
           <a:srgbClr val="000000"/>
         </a:buClr>
         <a:buFont typeface="Arial"/>
-        <a:defRPr b="0" i="0" sz="1400" u="none" cap="none" strike="noStrike">
+        <a:defRPr sz="1400" b="0" i="0" u="none" strike="noStrike" cap="none">
           <a:solidFill>
             <a:srgbClr val="000000"/>
           </a:solidFill>
@@ -8156,7 +8283,7 @@
       </a:lvl9pPr>
     </p:bodyStyle>
     <p:otherStyle>
-      <a:defPPr lvl="0" marR="0" rtl="0" algn="l">
+      <a:defPPr marR="0" lvl="0" algn="l" rtl="0">
         <a:lnSpc>
           <a:spcPct val="100000"/>
         </a:lnSpc>
@@ -8167,7 +8294,7 @@
           <a:spcPts val="0"/>
         </a:spcAft>
       </a:defPPr>
-      <a:lvl1pPr lvl="0" marR="0" rtl="0" algn="l">
+      <a:lvl1pPr marR="0" lvl="0" algn="l" rtl="0">
         <a:lnSpc>
           <a:spcPct val="100000"/>
         </a:lnSpc>
@@ -8181,7 +8308,7 @@
           <a:srgbClr val="000000"/>
         </a:buClr>
         <a:buFont typeface="Arial"/>
-        <a:defRPr b="0" i="0" sz="1400" u="none" cap="none" strike="noStrike">
+        <a:defRPr sz="1400" b="0" i="0" u="none" strike="noStrike" cap="none">
           <a:solidFill>
             <a:srgbClr val="000000"/>
           </a:solidFill>
@@ -8191,7 +8318,7 @@
           <a:sym typeface="Arial"/>
         </a:defRPr>
       </a:lvl1pPr>
-      <a:lvl2pPr lvl="1" marR="0" rtl="0" algn="l">
+      <a:lvl2pPr marR="0" lvl="1" algn="l" rtl="0">
         <a:lnSpc>
           <a:spcPct val="100000"/>
         </a:lnSpc>
@@ -8205,7 +8332,7 @@
           <a:srgbClr val="000000"/>
         </a:buClr>
         <a:buFont typeface="Arial"/>
-        <a:defRPr b="0" i="0" sz="1400" u="none" cap="none" strike="noStrike">
+        <a:defRPr sz="1400" b="0" i="0" u="none" strike="noStrike" cap="none">
           <a:solidFill>
             <a:srgbClr val="000000"/>
           </a:solidFill>
@@ -8215,7 +8342,7 @@
           <a:sym typeface="Arial"/>
         </a:defRPr>
       </a:lvl2pPr>
-      <a:lvl3pPr lvl="2" marR="0" rtl="0" algn="l">
+      <a:lvl3pPr marR="0" lvl="2" algn="l" rtl="0">
         <a:lnSpc>
           <a:spcPct val="100000"/>
         </a:lnSpc>
@@ -8229,7 +8356,7 @@
           <a:srgbClr val="000000"/>
         </a:buClr>
         <a:buFont typeface="Arial"/>
-        <a:defRPr b="0" i="0" sz="1400" u="none" cap="none" strike="noStrike">
+        <a:defRPr sz="1400" b="0" i="0" u="none" strike="noStrike" cap="none">
           <a:solidFill>
             <a:srgbClr val="000000"/>
           </a:solidFill>
@@ -8239,7 +8366,7 @@
           <a:sym typeface="Arial"/>
         </a:defRPr>
       </a:lvl3pPr>
-      <a:lvl4pPr lvl="3" marR="0" rtl="0" algn="l">
+      <a:lvl4pPr marR="0" lvl="3" algn="l" rtl="0">
         <a:lnSpc>
           <a:spcPct val="100000"/>
         </a:lnSpc>
@@ -8253,7 +8380,7 @@
           <a:srgbClr val="000000"/>
         </a:buClr>
         <a:buFont typeface="Arial"/>
-        <a:defRPr b="0" i="0" sz="1400" u="none" cap="none" strike="noStrike">
+        <a:defRPr sz="1400" b="0" i="0" u="none" strike="noStrike" cap="none">
           <a:solidFill>
             <a:srgbClr val="000000"/>
           </a:solidFill>
@@ -8263,7 +8390,7 @@
           <a:sym typeface="Arial"/>
         </a:defRPr>
       </a:lvl4pPr>
-      <a:lvl5pPr lvl="4" marR="0" rtl="0" algn="l">
+      <a:lvl5pPr marR="0" lvl="4" algn="l" rtl="0">
         <a:lnSpc>
           <a:spcPct val="100000"/>
         </a:lnSpc>
@@ -8277,7 +8404,7 @@
           <a:srgbClr val="000000"/>
         </a:buClr>
         <a:buFont typeface="Arial"/>
-        <a:defRPr b="0" i="0" sz="1400" u="none" cap="none" strike="noStrike">
+        <a:defRPr sz="1400" b="0" i="0" u="none" strike="noStrike" cap="none">
           <a:solidFill>
             <a:srgbClr val="000000"/>
           </a:solidFill>
@@ -8287,7 +8414,7 @@
           <a:sym typeface="Arial"/>
         </a:defRPr>
       </a:lvl5pPr>
-      <a:lvl6pPr lvl="5" marR="0" rtl="0" algn="l">
+      <a:lvl6pPr marR="0" lvl="5" algn="l" rtl="0">
         <a:lnSpc>
           <a:spcPct val="100000"/>
         </a:lnSpc>
@@ -8301,7 +8428,7 @@
           <a:srgbClr val="000000"/>
         </a:buClr>
         <a:buFont typeface="Arial"/>
-        <a:defRPr b="0" i="0" sz="1400" u="none" cap="none" strike="noStrike">
+        <a:defRPr sz="1400" b="0" i="0" u="none" strike="noStrike" cap="none">
           <a:solidFill>
             <a:srgbClr val="000000"/>
           </a:solidFill>
@@ -8311,7 +8438,7 @@
           <a:sym typeface="Arial"/>
         </a:defRPr>
       </a:lvl6pPr>
-      <a:lvl7pPr lvl="6" marR="0" rtl="0" algn="l">
+      <a:lvl7pPr marR="0" lvl="6" algn="l" rtl="0">
         <a:lnSpc>
           <a:spcPct val="100000"/>
         </a:lnSpc>
@@ -8325,7 +8452,7 @@
           <a:srgbClr val="000000"/>
         </a:buClr>
         <a:buFont typeface="Arial"/>
-        <a:defRPr b="0" i="0" sz="1400" u="none" cap="none" strike="noStrike">
+        <a:defRPr sz="1400" b="0" i="0" u="none" strike="noStrike" cap="none">
           <a:solidFill>
             <a:srgbClr val="000000"/>
           </a:solidFill>
@@ -8335,7 +8462,7 @@
           <a:sym typeface="Arial"/>
         </a:defRPr>
       </a:lvl7pPr>
-      <a:lvl8pPr lvl="7" marR="0" rtl="0" algn="l">
+      <a:lvl8pPr marR="0" lvl="7" algn="l" rtl="0">
         <a:lnSpc>
           <a:spcPct val="100000"/>
         </a:lnSpc>
@@ -8349,7 +8476,7 @@
           <a:srgbClr val="000000"/>
         </a:buClr>
         <a:buFont typeface="Arial"/>
-        <a:defRPr b="0" i="0" sz="1400" u="none" cap="none" strike="noStrike">
+        <a:defRPr sz="1400" b="0" i="0" u="none" strike="noStrike" cap="none">
           <a:solidFill>
             <a:srgbClr val="000000"/>
           </a:solidFill>
@@ -8359,7 +8486,7 @@
           <a:sym typeface="Arial"/>
         </a:defRPr>
       </a:lvl8pPr>
-      <a:lvl9pPr lvl="8" marR="0" rtl="0" algn="l">
+      <a:lvl9pPr marR="0" lvl="8" algn="l" rtl="0">
         <a:lnSpc>
           <a:spcPct val="100000"/>
         </a:lnSpc>
@@ -8373,7 +8500,7 @@
           <a:srgbClr val="000000"/>
         </a:buClr>
         <a:buFont typeface="Arial"/>
-        <a:defRPr b="0" i="0" sz="1400" u="none" cap="none" strike="noStrike">
+        <a:defRPr sz="1400" b="0" i="0" u="none" strike="noStrike" cap="none">
           <a:solidFill>
             <a:srgbClr val="000000"/>
           </a:solidFill>
@@ -8389,11 +8516,11 @@
 </file>
 
 <file path=ppt/slides/slide1.xml><?xml version="1.0" encoding="utf-8"?>
-<p:sld xmlns:a="http://schemas.openxmlformats.org/drawingml/2006/main" xmlns:r="http://schemas.openxmlformats.org/officeDocument/2006/relationships" xmlns:mc="http://schemas.openxmlformats.org/markup-compatibility/2006" xmlns:mv="urn:schemas-microsoft-com:mac:vml" xmlns:p="http://schemas.openxmlformats.org/presentationml/2006/main" xmlns:c="http://schemas.openxmlformats.org/drawingml/2006/chart" xmlns:dgm="http://schemas.openxmlformats.org/drawingml/2006/diagram" xmlns:o="urn:schemas-microsoft-com:office:office" xmlns:v="urn:schemas-microsoft-com:vml" xmlns:pvml="urn:schemas-microsoft-com:office:powerpoint" xmlns:com="http://schemas.openxmlformats.org/drawingml/2006/compatibility" xmlns:p14="http://schemas.microsoft.com/office/powerpoint/2010/main" xmlns:p15="http://schemas.microsoft.com/office/powerpoint/2012/main" xmlns:ahyp="http://schemas.microsoft.com/office/drawing/2018/hyperlinkcolor">
+<p:sld xmlns:a="http://schemas.openxmlformats.org/drawingml/2006/main" xmlns:r="http://schemas.openxmlformats.org/officeDocument/2006/relationships" xmlns:p="http://schemas.openxmlformats.org/presentationml/2006/main">
   <p:cSld>
     <p:spTree>
       <p:nvGrpSpPr>
-        <p:cNvPr id="85" name="Shape 85"/>
+        <p:cNvPr id="1" name="Shape 85"/>
         <p:cNvGrpSpPr/>
         <p:nvPr/>
       </p:nvGrpSpPr>
@@ -8408,7 +8535,9 @@
       <p:sp>
         <p:nvSpPr>
           <p:cNvPr id="86" name="Google Shape;86;p13"/>
-          <p:cNvSpPr txBox="1"/>
+          <p:cNvSpPr txBox="1">
+            <a:spLocks noGrp="1"/>
+          </p:cNvSpPr>
           <p:nvPr>
             <p:ph type="ctrTitle"/>
           </p:nvPr>
@@ -8423,12 +8552,12 @@
           </a:prstGeom>
         </p:spPr>
         <p:txBody>
-          <a:bodyPr anchorCtr="0" anchor="t" bIns="91425" lIns="91425" spcFirstLastPara="1" rIns="91425" wrap="square" tIns="91425">
+          <a:bodyPr spcFirstLastPara="1" wrap="square" lIns="91425" tIns="91425" rIns="91425" bIns="91425" anchor="t" anchorCtr="0">
             <a:normAutofit/>
           </a:bodyPr>
           <a:lstStyle/>
           <a:p>
-            <a:pPr indent="0" lvl="0" marL="0" rtl="0" algn="l">
+            <a:pPr marL="0" lvl="0" indent="0" algn="l" rtl="0">
               <a:spcBef>
                 <a:spcPts val="0"/>
               </a:spcBef>
@@ -8452,9 +8581,11 @@
       <p:sp>
         <p:nvSpPr>
           <p:cNvPr id="87" name="Google Shape;87;p13"/>
-          <p:cNvSpPr txBox="1"/>
+          <p:cNvSpPr txBox="1">
+            <a:spLocks noGrp="1"/>
+          </p:cNvSpPr>
           <p:nvPr>
-            <p:ph idx="1" type="subTitle"/>
+            <p:ph type="subTitle" idx="1"/>
           </p:nvPr>
         </p:nvSpPr>
         <p:spPr>
@@ -8467,12 +8598,12 @@
           </a:prstGeom>
         </p:spPr>
         <p:txBody>
-          <a:bodyPr anchorCtr="0" anchor="t" bIns="91425" lIns="91425" spcFirstLastPara="1" rIns="91425" wrap="square" tIns="91425">
+          <a:bodyPr spcFirstLastPara="1" wrap="square" lIns="91425" tIns="91425" rIns="91425" bIns="91425" anchor="t" anchorCtr="0">
             <a:normAutofit/>
           </a:bodyPr>
           <a:lstStyle/>
           <a:p>
-            <a:pPr indent="0" lvl="0" marL="0" rtl="0" algn="l">
+            <a:pPr marL="0" lvl="0" indent="0" algn="l" rtl="0">
               <a:spcBef>
                 <a:spcPts val="0"/>
               </a:spcBef>
@@ -8482,7 +8613,7 @@
               <a:buNone/>
             </a:pPr>
             <a:r>
-              <a:rPr b="1" lang="en"/>
+              <a:rPr lang="en" b="1"/>
               <a:t>Online Abuse  and Hatred Detection System</a:t>
             </a:r>
             <a:endParaRPr b="1"/>
@@ -8509,12 +8640,12 @@
           </a:ln>
         </p:spPr>
         <p:txBody>
-          <a:bodyPr anchorCtr="0" anchor="t" bIns="91425" lIns="91425" spcFirstLastPara="1" rIns="91425" wrap="square" tIns="91425">
+          <a:bodyPr spcFirstLastPara="1" wrap="square" lIns="91425" tIns="91425" rIns="91425" bIns="91425" anchor="t" anchorCtr="0">
             <a:spAutoFit/>
           </a:bodyPr>
           <a:lstStyle/>
           <a:p>
-            <a:pPr indent="0" lvl="0" marL="0" rtl="0" algn="r">
+            <a:pPr marL="0" lvl="0" indent="0" algn="r" rtl="0">
               <a:lnSpc>
                 <a:spcPct val="115000"/>
               </a:lnSpc>
@@ -8527,7 +8658,7 @@
               <a:buNone/>
             </a:pPr>
             <a:r>
-              <a:rPr b="1" lang="en" sz="1500">
+              <a:rPr lang="en" sz="1500" b="1">
                 <a:solidFill>
                   <a:schemeClr val="accent1"/>
                 </a:solidFill>
@@ -8538,7 +8669,7 @@
               </a:rPr>
               <a:t>Abiral Shrestha</a:t>
             </a:r>
-            <a:endParaRPr b="1" sz="1500">
+            <a:endParaRPr sz="1500" b="1">
               <a:solidFill>
                 <a:schemeClr val="accent1"/>
               </a:solidFill>
@@ -8549,7 +8680,7 @@
             </a:endParaRPr>
           </a:p>
           <a:p>
-            <a:pPr indent="0" lvl="0" marL="0" rtl="0" algn="r">
+            <a:pPr marL="0" lvl="0" indent="0" algn="r" rtl="0">
               <a:lnSpc>
                 <a:spcPct val="115000"/>
               </a:lnSpc>
@@ -8562,7 +8693,7 @@
               <a:buNone/>
             </a:pPr>
             <a:r>
-              <a:rPr b="1" lang="en" sz="1500">
+              <a:rPr lang="en" sz="1500" b="1">
                 <a:solidFill>
                   <a:schemeClr val="accent1"/>
                 </a:solidFill>
@@ -8573,7 +8704,7 @@
               </a:rPr>
               <a:t>Jyoti Bhandari</a:t>
             </a:r>
-            <a:endParaRPr b="1" sz="1500">
+            <a:endParaRPr sz="1500" b="1">
               <a:solidFill>
                 <a:schemeClr val="accent1"/>
               </a:solidFill>
@@ -8584,7 +8715,7 @@
             </a:endParaRPr>
           </a:p>
           <a:p>
-            <a:pPr indent="0" lvl="0" marL="0" rtl="0" algn="r">
+            <a:pPr marL="0" lvl="0" indent="0" algn="r" rtl="0">
               <a:lnSpc>
                 <a:spcPct val="115000"/>
               </a:lnSpc>
@@ -8597,7 +8728,7 @@
               <a:buNone/>
             </a:pPr>
             <a:r>
-              <a:rPr b="1" lang="en" sz="1500">
+              <a:rPr lang="en" sz="1500" b="1">
                 <a:solidFill>
                   <a:schemeClr val="accent1"/>
                 </a:solidFill>
@@ -8608,7 +8739,7 @@
               </a:rPr>
               <a:t>Sudip Adhikari</a:t>
             </a:r>
-            <a:endParaRPr b="1" sz="1500">
+            <a:endParaRPr sz="1500" b="1">
               <a:solidFill>
                 <a:schemeClr val="accent1"/>
               </a:solidFill>
@@ -8629,11 +8760,11 @@
 </file>
 
 <file path=ppt/slides/slide10.xml><?xml version="1.0" encoding="utf-8"?>
-<p:sld xmlns:a="http://schemas.openxmlformats.org/drawingml/2006/main" xmlns:r="http://schemas.openxmlformats.org/officeDocument/2006/relationships" xmlns:mc="http://schemas.openxmlformats.org/markup-compatibility/2006" xmlns:mv="urn:schemas-microsoft-com:mac:vml" xmlns:p="http://schemas.openxmlformats.org/presentationml/2006/main" xmlns:c="http://schemas.openxmlformats.org/drawingml/2006/chart" xmlns:dgm="http://schemas.openxmlformats.org/drawingml/2006/diagram" xmlns:o="urn:schemas-microsoft-com:office:office" xmlns:v="urn:schemas-microsoft-com:vml" xmlns:pvml="urn:schemas-microsoft-com:office:powerpoint" xmlns:com="http://schemas.openxmlformats.org/drawingml/2006/compatibility" xmlns:p14="http://schemas.microsoft.com/office/powerpoint/2010/main" xmlns:p15="http://schemas.microsoft.com/office/powerpoint/2012/main" xmlns:ahyp="http://schemas.microsoft.com/office/drawing/2018/hyperlinkcolor">
+<p:sld xmlns:a="http://schemas.openxmlformats.org/drawingml/2006/main" xmlns:r="http://schemas.openxmlformats.org/officeDocument/2006/relationships" xmlns:p="http://schemas.openxmlformats.org/presentationml/2006/main">
   <p:cSld>
     <p:spTree>
       <p:nvGrpSpPr>
-        <p:cNvPr id="149" name="Shape 149"/>
+        <p:cNvPr id="1" name="Shape 149"/>
         <p:cNvGrpSpPr/>
         <p:nvPr/>
       </p:nvGrpSpPr>
@@ -8648,7 +8779,9 @@
       <p:sp>
         <p:nvSpPr>
           <p:cNvPr id="150" name="Google Shape;150;p22"/>
-          <p:cNvSpPr txBox="1"/>
+          <p:cNvSpPr txBox="1">
+            <a:spLocks noGrp="1"/>
+          </p:cNvSpPr>
           <p:nvPr>
             <p:ph type="title"/>
           </p:nvPr>
@@ -8663,12 +8796,12 @@
           </a:prstGeom>
         </p:spPr>
         <p:txBody>
-          <a:bodyPr anchorCtr="0" anchor="t" bIns="91425" lIns="91425" spcFirstLastPara="1" rIns="91425" wrap="square" tIns="91425">
+          <a:bodyPr spcFirstLastPara="1" wrap="square" lIns="91425" tIns="91425" rIns="91425" bIns="91425" anchor="t" anchorCtr="0">
             <a:normAutofit fontScale="90000"/>
           </a:bodyPr>
           <a:lstStyle/>
           <a:p>
-            <a:pPr indent="0" lvl="0" marL="0" rtl="0" algn="l">
+            <a:pPr marL="0" lvl="0" indent="0" algn="l" rtl="0">
               <a:spcBef>
                 <a:spcPts val="0"/>
               </a:spcBef>
@@ -8688,9 +8821,11 @@
       <p:sp>
         <p:nvSpPr>
           <p:cNvPr id="151" name="Google Shape;151;p22"/>
-          <p:cNvSpPr txBox="1"/>
+          <p:cNvSpPr txBox="1">
+            <a:spLocks noGrp="1"/>
+          </p:cNvSpPr>
           <p:nvPr>
-            <p:ph idx="1" type="body"/>
+            <p:ph type="body" idx="1"/>
           </p:nvPr>
         </p:nvSpPr>
         <p:spPr>
@@ -8703,12 +8838,12 @@
           </a:prstGeom>
         </p:spPr>
         <p:txBody>
-          <a:bodyPr anchorCtr="0" anchor="t" bIns="91425" lIns="91425" spcFirstLastPara="1" rIns="91425" wrap="square" tIns="91425">
+          <a:bodyPr spcFirstLastPara="1" wrap="square" lIns="91425" tIns="91425" rIns="91425" bIns="91425" anchor="t" anchorCtr="0">
             <a:normAutofit/>
           </a:bodyPr>
           <a:lstStyle/>
           <a:p>
-            <a:pPr indent="-323850" lvl="0" marL="457200" rtl="0" algn="l">
+            <a:pPr marL="457200" lvl="0" indent="-323850" algn="l" rtl="0">
               <a:spcBef>
                 <a:spcPts val="0"/>
               </a:spcBef>
@@ -8719,13 +8854,13 @@
               <a:buChar char="●"/>
             </a:pPr>
             <a:r>
-              <a:rPr b="1" lang="en" sz="1500"/>
+              <a:rPr lang="en" sz="1500" b="1"/>
               <a:t>We  divided the data into training sets and testing sets. - trained the model using 80% of data and tested the model using 20% of  data.  </a:t>
             </a:r>
-            <a:endParaRPr b="1" sz="1500"/>
-          </a:p>
-          <a:p>
-            <a:pPr indent="0" lvl="0" marL="0" rtl="0" algn="l">
+            <a:endParaRPr sz="1500" b="1"/>
+          </a:p>
+          <a:p>
+            <a:pPr marL="0" lvl="0" indent="0" algn="l" rtl="0">
               <a:spcBef>
                 <a:spcPts val="1200"/>
               </a:spcBef>
@@ -8734,13 +8869,10 @@
               </a:spcAft>
               <a:buNone/>
             </a:pPr>
-            <a:r>
-              <a:t/>
-            </a:r>
-            <a:endParaRPr b="1" sz="1500"/>
-          </a:p>
-          <a:p>
-            <a:pPr indent="-323850" lvl="0" marL="457200" rtl="0" algn="l">
+            <a:endParaRPr sz="1500" b="1"/>
+          </a:p>
+          <a:p>
+            <a:pPr marL="457200" lvl="0" indent="-323850" algn="l" rtl="0">
               <a:spcBef>
                 <a:spcPts val="1200"/>
               </a:spcBef>
@@ -8751,17 +8883,13 @@
               <a:buChar char="●"/>
             </a:pPr>
             <a:r>
-              <a:rPr b="1" lang="en" sz="1500"/>
-              <a:t>U</a:t>
+              <a:rPr lang="en" sz="1500" b="1"/>
+              <a:t>Uneven dataset:  Must concentrate on precision, recall, and F1-score rather than accuracy. </a:t>
             </a:r>
-            <a:r>
-              <a:rPr b="1" lang="en" sz="1500"/>
-              <a:t>neven dataset:  Must concentrate on precision, recall, and F1-score rather than accuracy. </a:t>
-            </a:r>
-            <a:endParaRPr b="1" sz="1500"/>
-          </a:p>
-          <a:p>
-            <a:pPr indent="0" lvl="0" marL="457200" rtl="0" algn="l">
+            <a:endParaRPr sz="1500" b="1"/>
+          </a:p>
+          <a:p>
+            <a:pPr marL="457200" lvl="0" indent="0" algn="l" rtl="0">
               <a:spcBef>
                 <a:spcPts val="1200"/>
               </a:spcBef>
@@ -8770,10 +8898,7 @@
               </a:spcAft>
               <a:buNone/>
             </a:pPr>
-            <a:r>
-              <a:t/>
-            </a:r>
-            <a:endParaRPr b="1" sz="1500"/>
+            <a:endParaRPr sz="1500" b="1"/>
           </a:p>
         </p:txBody>
       </p:sp>
@@ -8797,12 +8922,12 @@
           </a:ln>
         </p:spPr>
         <p:txBody>
-          <a:bodyPr anchorCtr="0" anchor="t" bIns="91425" lIns="91425" spcFirstLastPara="1" rIns="91425" wrap="square" tIns="91425">
+          <a:bodyPr spcFirstLastPara="1" wrap="square" lIns="91425" tIns="91425" rIns="91425" bIns="91425" anchor="t" anchorCtr="0">
             <a:spAutoFit/>
           </a:bodyPr>
           <a:lstStyle/>
           <a:p>
-            <a:pPr indent="0" lvl="0" marL="0" rtl="0" algn="l">
+            <a:pPr marL="0" lvl="0" indent="0" algn="l" rtl="0">
               <a:spcBef>
                 <a:spcPts val="0"/>
               </a:spcBef>
@@ -8812,7 +8937,7 @@
               <a:buNone/>
             </a:pPr>
             <a:r>
-              <a:rPr b="1" lang="en" sz="1200">
+              <a:rPr lang="en" sz="1200" b="1">
                 <a:latin typeface="Lato"/>
                 <a:ea typeface="Lato"/>
                 <a:cs typeface="Lato"/>
@@ -8821,7 +8946,7 @@
               <a:t>10</a:t>
             </a:r>
             <a:r>
-              <a:rPr b="1" lang="en" sz="1200">
+              <a:rPr lang="en" sz="1200" b="1">
                 <a:solidFill>
                   <a:schemeClr val="accent1"/>
                 </a:solidFill>
@@ -8832,7 +8957,7 @@
               </a:rPr>
               <a:t>/14</a:t>
             </a:r>
-            <a:endParaRPr b="1" sz="1200">
+            <a:endParaRPr sz="1200" b="1">
               <a:solidFill>
                 <a:schemeClr val="accent1"/>
               </a:solidFill>
@@ -8853,11 +8978,11 @@
 </file>
 
 <file path=ppt/slides/slide11.xml><?xml version="1.0" encoding="utf-8"?>
-<p:sld xmlns:a="http://schemas.openxmlformats.org/drawingml/2006/main" xmlns:r="http://schemas.openxmlformats.org/officeDocument/2006/relationships" xmlns:mc="http://schemas.openxmlformats.org/markup-compatibility/2006" xmlns:mv="urn:schemas-microsoft-com:mac:vml" xmlns:p="http://schemas.openxmlformats.org/presentationml/2006/main" xmlns:c="http://schemas.openxmlformats.org/drawingml/2006/chart" xmlns:dgm="http://schemas.openxmlformats.org/drawingml/2006/diagram" xmlns:o="urn:schemas-microsoft-com:office:office" xmlns:v="urn:schemas-microsoft-com:vml" xmlns:pvml="urn:schemas-microsoft-com:office:powerpoint" xmlns:com="http://schemas.openxmlformats.org/drawingml/2006/compatibility" xmlns:p14="http://schemas.microsoft.com/office/powerpoint/2010/main" xmlns:p15="http://schemas.microsoft.com/office/powerpoint/2012/main" xmlns:ahyp="http://schemas.microsoft.com/office/drawing/2018/hyperlinkcolor">
+<p:sld xmlns:a="http://schemas.openxmlformats.org/drawingml/2006/main" xmlns:r="http://schemas.openxmlformats.org/officeDocument/2006/relationships" xmlns:p="http://schemas.openxmlformats.org/presentationml/2006/main">
   <p:cSld>
     <p:spTree>
       <p:nvGrpSpPr>
-        <p:cNvPr id="156" name="Shape 156"/>
+        <p:cNvPr id="1" name="Shape 156"/>
         <p:cNvGrpSpPr/>
         <p:nvPr/>
       </p:nvGrpSpPr>
@@ -8872,7 +8997,9 @@
       <p:sp>
         <p:nvSpPr>
           <p:cNvPr id="157" name="Google Shape;157;p23"/>
-          <p:cNvSpPr txBox="1"/>
+          <p:cNvSpPr txBox="1">
+            <a:spLocks noGrp="1"/>
+          </p:cNvSpPr>
           <p:nvPr>
             <p:ph type="title"/>
           </p:nvPr>
@@ -8887,12 +9014,12 @@
           </a:prstGeom>
         </p:spPr>
         <p:txBody>
-          <a:bodyPr anchorCtr="0" anchor="t" bIns="91425" lIns="91425" spcFirstLastPara="1" rIns="91425" wrap="square" tIns="91425">
+          <a:bodyPr spcFirstLastPara="1" wrap="square" lIns="91425" tIns="91425" rIns="91425" bIns="91425" anchor="t" anchorCtr="0">
             <a:normAutofit fontScale="90000"/>
           </a:bodyPr>
           <a:lstStyle/>
           <a:p>
-            <a:pPr indent="0" lvl="0" marL="0" rtl="0" algn="l">
+            <a:pPr marL="0" lvl="0" indent="0" algn="l" rtl="0">
               <a:spcBef>
                 <a:spcPts val="0"/>
               </a:spcBef>
@@ -8912,9 +9039,11 @@
       <p:sp>
         <p:nvSpPr>
           <p:cNvPr id="158" name="Google Shape;158;p23"/>
-          <p:cNvSpPr txBox="1"/>
+          <p:cNvSpPr txBox="1">
+            <a:spLocks noGrp="1"/>
+          </p:cNvSpPr>
           <p:nvPr>
-            <p:ph idx="1" type="body"/>
+            <p:ph type="body" idx="1"/>
           </p:nvPr>
         </p:nvSpPr>
         <p:spPr>
@@ -8927,12 +9056,12 @@
           </a:prstGeom>
         </p:spPr>
         <p:txBody>
-          <a:bodyPr anchorCtr="0" anchor="t" bIns="91425" lIns="91425" spcFirstLastPara="1" rIns="91425" wrap="square" tIns="91425">
+          <a:bodyPr spcFirstLastPara="1" wrap="square" lIns="91425" tIns="91425" rIns="91425" bIns="91425" anchor="t" anchorCtr="0">
             <a:normAutofit/>
           </a:bodyPr>
           <a:lstStyle/>
           <a:p>
-            <a:pPr indent="-323850" lvl="0" marL="457200" rtl="0" algn="l">
+            <a:pPr marL="457200" lvl="0" indent="-323850" algn="l" rtl="0">
               <a:spcBef>
                 <a:spcPts val="0"/>
               </a:spcBef>
@@ -8943,13 +9072,13 @@
               <a:buChar char="●"/>
             </a:pPr>
             <a:r>
-              <a:rPr b="1" lang="en" sz="1500"/>
-              <a:t>SVC had better precision,(0.95)  recall(0.95) , and F1-score(0.95) for the 'Toxic' label, according to the model testing  </a:t>
+              <a:rPr lang="en" sz="1500" b="1" dirty="0"/>
+              <a:t>SVC had better precision (0.95)  recall (0.95) , and F1-score(0.95) for the ‘Abuse’ or ‘1’  label, according to the model testing.  </a:t>
             </a:r>
-            <a:endParaRPr b="1" sz="1500"/>
-          </a:p>
-          <a:p>
-            <a:pPr indent="0" lvl="0" marL="0" rtl="0" algn="l">
+            <a:endParaRPr sz="1500" b="1" dirty="0"/>
+          </a:p>
+          <a:p>
+            <a:pPr marL="0" lvl="0" indent="0" algn="l" rtl="0">
               <a:spcBef>
                 <a:spcPts val="1200"/>
               </a:spcBef>
@@ -8958,13 +9087,10 @@
               </a:spcAft>
               <a:buNone/>
             </a:pPr>
-            <a:r>
-              <a:t/>
-            </a:r>
-            <a:endParaRPr b="1" sz="1500"/>
-          </a:p>
-          <a:p>
-            <a:pPr indent="-323850" lvl="0" marL="457200" rtl="0" algn="l">
+            <a:endParaRPr sz="1500" b="1" dirty="0"/>
+          </a:p>
+          <a:p>
+            <a:pPr marL="457200" lvl="0" indent="-323850" algn="l" rtl="0">
               <a:spcBef>
                 <a:spcPts val="1200"/>
               </a:spcBef>
@@ -8975,18 +9101,18 @@
               <a:buChar char="●"/>
             </a:pPr>
             <a:r>
-              <a:rPr b="1" lang="en" sz="1500"/>
+              <a:rPr lang="en" sz="1500" b="1" dirty="0"/>
               <a:t>So, we have used the used the model obtained from </a:t>
             </a:r>
             <a:r>
-              <a:rPr b="1" lang="en" sz="1500">
+              <a:rPr lang="en" sz="1500" b="1" dirty="0">
                 <a:highlight>
                   <a:srgbClr val="FFFFFF"/>
                 </a:highlight>
               </a:rPr>
               <a:t>Support Vector Classification  it has accuracy of 94.93% while training and testing the data.</a:t>
             </a:r>
-            <a:endParaRPr b="1" sz="1500"/>
+            <a:endParaRPr sz="1500" b="1" dirty="0"/>
           </a:p>
         </p:txBody>
       </p:sp>
@@ -9010,12 +9136,12 @@
           </a:ln>
         </p:spPr>
         <p:txBody>
-          <a:bodyPr anchorCtr="0" anchor="t" bIns="91425" lIns="91425" spcFirstLastPara="1" rIns="91425" wrap="square" tIns="91425">
+          <a:bodyPr spcFirstLastPara="1" wrap="square" lIns="91425" tIns="91425" rIns="91425" bIns="91425" anchor="t" anchorCtr="0">
             <a:spAutoFit/>
           </a:bodyPr>
           <a:lstStyle/>
           <a:p>
-            <a:pPr indent="0" lvl="0" marL="0" rtl="0" algn="l">
+            <a:pPr marL="0" lvl="0" indent="0" algn="l" rtl="0">
               <a:spcBef>
                 <a:spcPts val="0"/>
               </a:spcBef>
@@ -9025,7 +9151,7 @@
               <a:buNone/>
             </a:pPr>
             <a:r>
-              <a:rPr b="1" lang="en" sz="1200">
+              <a:rPr lang="en" sz="1200" b="1">
                 <a:latin typeface="Lato"/>
                 <a:ea typeface="Lato"/>
                 <a:cs typeface="Lato"/>
@@ -9034,7 +9160,7 @@
               <a:t>11</a:t>
             </a:r>
             <a:r>
-              <a:rPr b="1" lang="en" sz="1200">
+              <a:rPr lang="en" sz="1200" b="1">
                 <a:solidFill>
                   <a:schemeClr val="accent1"/>
                 </a:solidFill>
@@ -9045,7 +9171,7 @@
               </a:rPr>
               <a:t>/14</a:t>
             </a:r>
-            <a:endParaRPr b="1" sz="1200">
+            <a:endParaRPr sz="1200" b="1">
               <a:solidFill>
                 <a:schemeClr val="accent1"/>
               </a:solidFill>
@@ -9066,11 +9192,11 @@
 </file>
 
 <file path=ppt/slides/slide12.xml><?xml version="1.0" encoding="utf-8"?>
-<p:sld xmlns:a="http://schemas.openxmlformats.org/drawingml/2006/main" xmlns:r="http://schemas.openxmlformats.org/officeDocument/2006/relationships" xmlns:mc="http://schemas.openxmlformats.org/markup-compatibility/2006" xmlns:mv="urn:schemas-microsoft-com:mac:vml" xmlns:p="http://schemas.openxmlformats.org/presentationml/2006/main" xmlns:c="http://schemas.openxmlformats.org/drawingml/2006/chart" xmlns:dgm="http://schemas.openxmlformats.org/drawingml/2006/diagram" xmlns:o="urn:schemas-microsoft-com:office:office" xmlns:v="urn:schemas-microsoft-com:vml" xmlns:pvml="urn:schemas-microsoft-com:office:powerpoint" xmlns:com="http://schemas.openxmlformats.org/drawingml/2006/compatibility" xmlns:p14="http://schemas.microsoft.com/office/powerpoint/2010/main" xmlns:p15="http://schemas.microsoft.com/office/powerpoint/2012/main" xmlns:ahyp="http://schemas.microsoft.com/office/drawing/2018/hyperlinkcolor">
+<p:sld xmlns:a="http://schemas.openxmlformats.org/drawingml/2006/main" xmlns:r="http://schemas.openxmlformats.org/officeDocument/2006/relationships" xmlns:p="http://schemas.openxmlformats.org/presentationml/2006/main">
   <p:cSld>
     <p:spTree>
       <p:nvGrpSpPr>
-        <p:cNvPr id="163" name="Shape 163"/>
+        <p:cNvPr id="1" name="Shape 163"/>
         <p:cNvGrpSpPr/>
         <p:nvPr/>
       </p:nvGrpSpPr>
@@ -9085,7 +9211,9 @@
       <p:sp>
         <p:nvSpPr>
           <p:cNvPr id="164" name="Google Shape;164;p24"/>
-          <p:cNvSpPr txBox="1"/>
+          <p:cNvSpPr txBox="1">
+            <a:spLocks noGrp="1"/>
+          </p:cNvSpPr>
           <p:nvPr>
             <p:ph type="title"/>
           </p:nvPr>
@@ -9100,12 +9228,12 @@
           </a:prstGeom>
         </p:spPr>
         <p:txBody>
-          <a:bodyPr anchorCtr="0" anchor="t" bIns="91425" lIns="91425" spcFirstLastPara="1" rIns="91425" wrap="square" tIns="91425">
+          <a:bodyPr spcFirstLastPara="1" wrap="square" lIns="91425" tIns="91425" rIns="91425" bIns="91425" anchor="t" anchorCtr="0">
             <a:normAutofit fontScale="90000"/>
           </a:bodyPr>
           <a:lstStyle/>
           <a:p>
-            <a:pPr indent="0" lvl="0" marL="0" rtl="0" algn="l">
+            <a:pPr marL="0" lvl="0" indent="0" algn="l" rtl="0">
               <a:spcBef>
                 <a:spcPts val="0"/>
               </a:spcBef>
@@ -9125,9 +9253,11 @@
       <p:sp>
         <p:nvSpPr>
           <p:cNvPr id="165" name="Google Shape;165;p24"/>
-          <p:cNvSpPr txBox="1"/>
+          <p:cNvSpPr txBox="1">
+            <a:spLocks noGrp="1"/>
+          </p:cNvSpPr>
           <p:nvPr>
-            <p:ph idx="1" type="body"/>
+            <p:ph type="body" idx="1"/>
           </p:nvPr>
         </p:nvSpPr>
         <p:spPr>
@@ -9140,12 +9270,12 @@
           </a:prstGeom>
         </p:spPr>
         <p:txBody>
-          <a:bodyPr anchorCtr="0" anchor="t" bIns="91425" lIns="91425" spcFirstLastPara="1" rIns="91425" wrap="square" tIns="91425">
+          <a:bodyPr spcFirstLastPara="1" wrap="square" lIns="91425" tIns="91425" rIns="91425" bIns="91425" anchor="t" anchorCtr="0">
             <a:normAutofit/>
           </a:bodyPr>
           <a:lstStyle/>
           <a:p>
-            <a:pPr indent="-323850" lvl="0" marL="457200" rtl="0" algn="l">
+            <a:pPr marL="457200" lvl="0" indent="-323850" algn="l" rtl="0">
               <a:spcBef>
                 <a:spcPts val="0"/>
               </a:spcBef>
@@ -9156,18 +9286,18 @@
               <a:buChar char="●"/>
             </a:pPr>
             <a:r>
-              <a:rPr b="1" lang="en" sz="1500"/>
+              <a:rPr lang="en" sz="1500" b="1"/>
               <a:t>Deployed the model in the web using the flask. The model can be accessed via </a:t>
             </a:r>
             <a:r>
-              <a:rPr b="1" lang="en" sz="1500" u="sng">
+              <a:rPr lang="en" sz="1500" b="1" u="sng">
                 <a:solidFill>
                   <a:srgbClr val="4A86E8"/>
                 </a:solidFill>
                 <a:hlinkClick r:id="rId3">
                   <a:extLst>
                     <a:ext uri="{A12FA001-AC4F-418D-AE19-62706E023703}">
-                      <ahyp:hlinkClr val="tx"/>
+                      <ahyp:hlinkClr xmlns:ahyp="http://schemas.microsoft.com/office/drawing/2018/hyperlinkcolor" val="tx"/>
                     </a:ext>
                   </a:extLst>
                 </a:hlinkClick>
@@ -9175,21 +9305,21 @@
               <a:t>http://127.0.0.1:5000/moderate</a:t>
             </a:r>
             <a:r>
-              <a:rPr b="1" lang="en" sz="1500">
+              <a:rPr lang="en" sz="1500" b="1">
                 <a:solidFill>
                   <a:srgbClr val="4A86E8"/>
                 </a:solidFill>
               </a:rPr>
               <a:t> </a:t>
             </a:r>
-            <a:endParaRPr b="1" sz="1500">
+            <a:endParaRPr sz="1500" b="1">
               <a:solidFill>
                 <a:srgbClr val="4A86E8"/>
               </a:solidFill>
             </a:endParaRPr>
           </a:p>
           <a:p>
-            <a:pPr indent="0" lvl="0" marL="0" rtl="0" algn="l">
+            <a:pPr marL="0" lvl="0" indent="0" algn="l" rtl="0">
               <a:spcBef>
                 <a:spcPts val="1200"/>
               </a:spcBef>
@@ -9198,13 +9328,10 @@
               </a:spcAft>
               <a:buNone/>
             </a:pPr>
-            <a:r>
-              <a:t/>
-            </a:r>
-            <a:endParaRPr b="1" sz="1500"/>
-          </a:p>
-          <a:p>
-            <a:pPr indent="-323850" lvl="0" marL="457200" rtl="0" algn="l">
+            <a:endParaRPr sz="1500" b="1"/>
+          </a:p>
+          <a:p>
+            <a:pPr marL="457200" lvl="0" indent="-323850" algn="l" rtl="0">
               <a:spcBef>
                 <a:spcPts val="1200"/>
               </a:spcBef>
@@ -9215,10 +9342,10 @@
               <a:buChar char="●"/>
             </a:pPr>
             <a:r>
-              <a:rPr b="1" lang="en" sz="1500"/>
+              <a:rPr lang="en" sz="1500" b="1"/>
               <a:t>User can input text, Web URL and audio file to see if the contents are safe for children or not. </a:t>
             </a:r>
-            <a:endParaRPr b="1" sz="1500"/>
+            <a:endParaRPr sz="1500" b="1"/>
           </a:p>
         </p:txBody>
       </p:sp>
@@ -9242,12 +9369,12 @@
           </a:ln>
         </p:spPr>
         <p:txBody>
-          <a:bodyPr anchorCtr="0" anchor="t" bIns="91425" lIns="91425" spcFirstLastPara="1" rIns="91425" wrap="square" tIns="91425">
+          <a:bodyPr spcFirstLastPara="1" wrap="square" lIns="91425" tIns="91425" rIns="91425" bIns="91425" anchor="t" anchorCtr="0">
             <a:spAutoFit/>
           </a:bodyPr>
           <a:lstStyle/>
           <a:p>
-            <a:pPr indent="0" lvl="0" marL="0" rtl="0" algn="l">
+            <a:pPr marL="0" lvl="0" indent="0" algn="l" rtl="0">
               <a:spcBef>
                 <a:spcPts val="0"/>
               </a:spcBef>
@@ -9257,7 +9384,7 @@
               <a:buNone/>
             </a:pPr>
             <a:r>
-              <a:rPr b="1" lang="en" sz="1200">
+              <a:rPr lang="en" sz="1200" b="1">
                 <a:latin typeface="Lato"/>
                 <a:ea typeface="Lato"/>
                 <a:cs typeface="Lato"/>
@@ -9266,7 +9393,7 @@
               <a:t>12</a:t>
             </a:r>
             <a:r>
-              <a:rPr b="1" lang="en" sz="1200">
+              <a:rPr lang="en" sz="1200" b="1">
                 <a:solidFill>
                   <a:schemeClr val="accent1"/>
                 </a:solidFill>
@@ -9277,7 +9404,7 @@
               </a:rPr>
               <a:t>/14</a:t>
             </a:r>
-            <a:endParaRPr b="1" sz="1200">
+            <a:endParaRPr sz="1200" b="1">
               <a:solidFill>
                 <a:schemeClr val="accent1"/>
               </a:solidFill>
@@ -9298,11 +9425,11 @@
 </file>
 
 <file path=ppt/slides/slide13.xml><?xml version="1.0" encoding="utf-8"?>
-<p:sld xmlns:a="http://schemas.openxmlformats.org/drawingml/2006/main" xmlns:r="http://schemas.openxmlformats.org/officeDocument/2006/relationships" xmlns:mc="http://schemas.openxmlformats.org/markup-compatibility/2006" xmlns:mv="urn:schemas-microsoft-com:mac:vml" xmlns:p="http://schemas.openxmlformats.org/presentationml/2006/main" xmlns:c="http://schemas.openxmlformats.org/drawingml/2006/chart" xmlns:dgm="http://schemas.openxmlformats.org/drawingml/2006/diagram" xmlns:o="urn:schemas-microsoft-com:office:office" xmlns:v="urn:schemas-microsoft-com:vml" xmlns:pvml="urn:schemas-microsoft-com:office:powerpoint" xmlns:com="http://schemas.openxmlformats.org/drawingml/2006/compatibility" xmlns:p14="http://schemas.microsoft.com/office/powerpoint/2010/main" xmlns:p15="http://schemas.microsoft.com/office/powerpoint/2012/main" xmlns:ahyp="http://schemas.microsoft.com/office/drawing/2018/hyperlinkcolor">
+<p:sld xmlns:a="http://schemas.openxmlformats.org/drawingml/2006/main" xmlns:r="http://schemas.openxmlformats.org/officeDocument/2006/relationships" xmlns:p="http://schemas.openxmlformats.org/presentationml/2006/main">
   <p:cSld>
     <p:spTree>
       <p:nvGrpSpPr>
-        <p:cNvPr id="170" name="Shape 170"/>
+        <p:cNvPr id="1" name="Shape 170"/>
         <p:cNvGrpSpPr/>
         <p:nvPr/>
       </p:nvGrpSpPr>
@@ -9317,7 +9444,9 @@
       <p:sp>
         <p:nvSpPr>
           <p:cNvPr id="171" name="Google Shape;171;p25"/>
-          <p:cNvSpPr txBox="1"/>
+          <p:cNvSpPr txBox="1">
+            <a:spLocks noGrp="1"/>
+          </p:cNvSpPr>
           <p:nvPr>
             <p:ph type="title"/>
           </p:nvPr>
@@ -9332,12 +9461,12 @@
           </a:prstGeom>
         </p:spPr>
         <p:txBody>
-          <a:bodyPr anchorCtr="0" anchor="t" bIns="91425" lIns="91425" spcFirstLastPara="1" rIns="91425" wrap="square" tIns="91425">
+          <a:bodyPr spcFirstLastPara="1" wrap="square" lIns="91425" tIns="91425" rIns="91425" bIns="91425" anchor="t" anchorCtr="0">
             <a:normAutofit fontScale="90000"/>
           </a:bodyPr>
           <a:lstStyle/>
           <a:p>
-            <a:pPr indent="0" lvl="0" marL="0" rtl="0" algn="l">
+            <a:pPr marL="0" lvl="0" indent="0" algn="l" rtl="0">
               <a:spcBef>
                 <a:spcPts val="0"/>
               </a:spcBef>
@@ -9357,9 +9486,11 @@
       <p:sp>
         <p:nvSpPr>
           <p:cNvPr id="172" name="Google Shape;172;p25"/>
-          <p:cNvSpPr txBox="1"/>
+          <p:cNvSpPr txBox="1">
+            <a:spLocks noGrp="1"/>
+          </p:cNvSpPr>
           <p:nvPr>
-            <p:ph idx="1" type="body"/>
+            <p:ph type="body" idx="1"/>
           </p:nvPr>
         </p:nvSpPr>
         <p:spPr>
@@ -9372,12 +9503,12 @@
           </a:prstGeom>
         </p:spPr>
         <p:txBody>
-          <a:bodyPr anchorCtr="0" anchor="t" bIns="91425" lIns="91425" spcFirstLastPara="1" rIns="91425" wrap="square" tIns="91425">
+          <a:bodyPr spcFirstLastPara="1" wrap="square" lIns="91425" tIns="91425" rIns="91425" bIns="91425" anchor="t" anchorCtr="0">
             <a:noAutofit/>
           </a:bodyPr>
           <a:lstStyle/>
           <a:p>
-            <a:pPr indent="0" lvl="0" marL="0" rtl="0" algn="just">
+            <a:pPr marL="0" lvl="0" indent="0" algn="just" rtl="0">
               <a:spcBef>
                 <a:spcPts val="0"/>
               </a:spcBef>
@@ -9386,9 +9517,6 @@
               </a:spcAft>
               <a:buNone/>
             </a:pPr>
-            <a:r>
-              <a:t/>
-            </a:r>
             <a:endParaRPr sz="1700">
               <a:solidFill>
                 <a:srgbClr val="000000"/>
@@ -9400,7 +9528,7 @@
             </a:endParaRPr>
           </a:p>
           <a:p>
-            <a:pPr indent="0" lvl="0" marL="457200" rtl="0" algn="just">
+            <a:pPr marL="457200" lvl="0" indent="0" algn="just" rtl="0">
               <a:lnSpc>
                 <a:spcPct val="115000"/>
               </a:lnSpc>
@@ -9412,10 +9540,7 @@
               </a:spcAft>
               <a:buNone/>
             </a:pPr>
-            <a:r>
-              <a:t/>
-            </a:r>
-            <a:endParaRPr b="1" sz="1700"/>
+            <a:endParaRPr sz="1700" b="1"/>
           </a:p>
         </p:txBody>
       </p:sp>
@@ -9439,12 +9564,12 @@
           </a:ln>
         </p:spPr>
         <p:txBody>
-          <a:bodyPr anchorCtr="0" anchor="t" bIns="91425" lIns="91425" spcFirstLastPara="1" rIns="91425" wrap="square" tIns="91425">
+          <a:bodyPr spcFirstLastPara="1" wrap="square" lIns="91425" tIns="91425" rIns="91425" bIns="91425" anchor="t" anchorCtr="0">
             <a:spAutoFit/>
           </a:bodyPr>
           <a:lstStyle/>
           <a:p>
-            <a:pPr indent="0" lvl="0" marL="0" rtl="0" algn="l">
+            <a:pPr marL="0" lvl="0" indent="0" algn="l" rtl="0">
               <a:spcBef>
                 <a:spcPts val="0"/>
               </a:spcBef>
@@ -9454,7 +9579,7 @@
               <a:buNone/>
             </a:pPr>
             <a:r>
-              <a:rPr b="1" lang="en" sz="1200">
+              <a:rPr lang="en" sz="1200" b="1">
                 <a:latin typeface="Lato"/>
                 <a:ea typeface="Lato"/>
                 <a:cs typeface="Lato"/>
@@ -9463,7 +9588,7 @@
               <a:t>13</a:t>
             </a:r>
             <a:r>
-              <a:rPr b="1" lang="en" sz="1200">
+              <a:rPr lang="en" sz="1200" b="1">
                 <a:solidFill>
                   <a:schemeClr val="accent1"/>
                 </a:solidFill>
@@ -9474,7 +9599,7 @@
               </a:rPr>
               <a:t>/14</a:t>
             </a:r>
-            <a:endParaRPr b="1" sz="1200">
+            <a:endParaRPr sz="1200" b="1">
               <a:solidFill>
                 <a:schemeClr val="accent1"/>
               </a:solidFill>
@@ -9495,11 +9620,11 @@
 </file>
 
 <file path=ppt/slides/slide14.xml><?xml version="1.0" encoding="utf-8"?>
-<p:sld xmlns:a="http://schemas.openxmlformats.org/drawingml/2006/main" xmlns:r="http://schemas.openxmlformats.org/officeDocument/2006/relationships" xmlns:mc="http://schemas.openxmlformats.org/markup-compatibility/2006" xmlns:mv="urn:schemas-microsoft-com:mac:vml" xmlns:p="http://schemas.openxmlformats.org/presentationml/2006/main" xmlns:c="http://schemas.openxmlformats.org/drawingml/2006/chart" xmlns:dgm="http://schemas.openxmlformats.org/drawingml/2006/diagram" xmlns:o="urn:schemas-microsoft-com:office:office" xmlns:v="urn:schemas-microsoft-com:vml" xmlns:pvml="urn:schemas-microsoft-com:office:powerpoint" xmlns:com="http://schemas.openxmlformats.org/drawingml/2006/compatibility" xmlns:p14="http://schemas.microsoft.com/office/powerpoint/2010/main" xmlns:p15="http://schemas.microsoft.com/office/powerpoint/2012/main" xmlns:ahyp="http://schemas.microsoft.com/office/drawing/2018/hyperlinkcolor">
+<p:sld xmlns:a="http://schemas.openxmlformats.org/drawingml/2006/main" xmlns:r="http://schemas.openxmlformats.org/officeDocument/2006/relationships" xmlns:p="http://schemas.openxmlformats.org/presentationml/2006/main">
   <p:cSld>
     <p:spTree>
       <p:nvGrpSpPr>
-        <p:cNvPr id="177" name="Shape 177"/>
+        <p:cNvPr id="1" name="Shape 177"/>
         <p:cNvGrpSpPr/>
         <p:nvPr/>
       </p:nvGrpSpPr>
@@ -9514,7 +9639,9 @@
       <p:sp>
         <p:nvSpPr>
           <p:cNvPr id="178" name="Google Shape;178;p26"/>
-          <p:cNvSpPr txBox="1"/>
+          <p:cNvSpPr txBox="1">
+            <a:spLocks noGrp="1"/>
+          </p:cNvSpPr>
           <p:nvPr>
             <p:ph type="title"/>
           </p:nvPr>
@@ -9529,12 +9656,12 @@
           </a:prstGeom>
         </p:spPr>
         <p:txBody>
-          <a:bodyPr anchorCtr="0" anchor="t" bIns="91425" lIns="91425" spcFirstLastPara="1" rIns="91425" wrap="square" tIns="91425">
+          <a:bodyPr spcFirstLastPara="1" wrap="square" lIns="91425" tIns="91425" rIns="91425" bIns="91425" anchor="t" anchorCtr="0">
             <a:normAutofit fontScale="90000"/>
           </a:bodyPr>
           <a:lstStyle/>
           <a:p>
-            <a:pPr indent="0" lvl="0" marL="0" rtl="0" algn="l">
+            <a:pPr marL="0" lvl="0" indent="0" algn="l" rtl="0">
               <a:spcBef>
                 <a:spcPts val="0"/>
               </a:spcBef>
@@ -9554,9 +9681,11 @@
       <p:sp>
         <p:nvSpPr>
           <p:cNvPr id="179" name="Google Shape;179;p26"/>
-          <p:cNvSpPr txBox="1"/>
+          <p:cNvSpPr txBox="1">
+            <a:spLocks noGrp="1"/>
+          </p:cNvSpPr>
           <p:nvPr>
-            <p:ph idx="1" type="body"/>
+            <p:ph type="body" idx="1"/>
           </p:nvPr>
         </p:nvSpPr>
         <p:spPr>
@@ -9569,12 +9698,12 @@
           </a:prstGeom>
         </p:spPr>
         <p:txBody>
-          <a:bodyPr anchorCtr="0" anchor="t" bIns="91425" lIns="91425" spcFirstLastPara="1" rIns="91425" wrap="square" tIns="91425">
+          <a:bodyPr spcFirstLastPara="1" wrap="square" lIns="91425" tIns="91425" rIns="91425" bIns="91425" anchor="t" anchorCtr="0">
             <a:normAutofit/>
           </a:bodyPr>
           <a:lstStyle/>
           <a:p>
-            <a:pPr indent="0" lvl="0" marL="457200" rtl="0" algn="ctr">
+            <a:pPr marL="457200" lvl="0" indent="0" algn="ctr" rtl="0">
               <a:spcBef>
                 <a:spcPts val="0"/>
               </a:spcBef>
@@ -9584,10 +9713,10 @@
               <a:buNone/>
             </a:pPr>
             <a:r>
-              <a:rPr b="1" lang="en" sz="2000"/>
+              <a:rPr lang="en" sz="2000" b="1"/>
               <a:t>Thank You!!!</a:t>
             </a:r>
-            <a:endParaRPr b="1" sz="2000"/>
+            <a:endParaRPr sz="2000" b="1"/>
           </a:p>
         </p:txBody>
       </p:sp>
@@ -9611,12 +9740,12 @@
           </a:ln>
         </p:spPr>
         <p:txBody>
-          <a:bodyPr anchorCtr="0" anchor="t" bIns="91425" lIns="91425" spcFirstLastPara="1" rIns="91425" wrap="square" tIns="91425">
+          <a:bodyPr spcFirstLastPara="1" wrap="square" lIns="91425" tIns="91425" rIns="91425" bIns="91425" anchor="t" anchorCtr="0">
             <a:spAutoFit/>
           </a:bodyPr>
           <a:lstStyle/>
           <a:p>
-            <a:pPr indent="0" lvl="0" marL="0" rtl="0" algn="l">
+            <a:pPr marL="0" lvl="0" indent="0" algn="l" rtl="0">
               <a:spcBef>
                 <a:spcPts val="0"/>
               </a:spcBef>
@@ -9626,7 +9755,7 @@
               <a:buNone/>
             </a:pPr>
             <a:r>
-              <a:rPr b="1" lang="en" sz="1200">
+              <a:rPr lang="en" sz="1200" b="1">
                 <a:latin typeface="Lato"/>
                 <a:ea typeface="Lato"/>
                 <a:cs typeface="Lato"/>
@@ -9635,7 +9764,7 @@
               <a:t>14</a:t>
             </a:r>
             <a:r>
-              <a:rPr b="1" lang="en" sz="1200">
+              <a:rPr lang="en" sz="1200" b="1">
                 <a:solidFill>
                   <a:schemeClr val="accent1"/>
                 </a:solidFill>
@@ -9646,7 +9775,7 @@
               </a:rPr>
               <a:t>/14</a:t>
             </a:r>
-            <a:endParaRPr b="1" sz="1200">
+            <a:endParaRPr sz="1200" b="1">
               <a:solidFill>
                 <a:schemeClr val="accent1"/>
               </a:solidFill>
@@ -9667,11 +9796,11 @@
 </file>
 
 <file path=ppt/slides/slide2.xml><?xml version="1.0" encoding="utf-8"?>
-<p:sld xmlns:a="http://schemas.openxmlformats.org/drawingml/2006/main" xmlns:r="http://schemas.openxmlformats.org/officeDocument/2006/relationships" xmlns:mc="http://schemas.openxmlformats.org/markup-compatibility/2006" xmlns:mv="urn:schemas-microsoft-com:mac:vml" xmlns:p="http://schemas.openxmlformats.org/presentationml/2006/main" xmlns:c="http://schemas.openxmlformats.org/drawingml/2006/chart" xmlns:dgm="http://schemas.openxmlformats.org/drawingml/2006/diagram" xmlns:o="urn:schemas-microsoft-com:office:office" xmlns:v="urn:schemas-microsoft-com:vml" xmlns:pvml="urn:schemas-microsoft-com:office:powerpoint" xmlns:com="http://schemas.openxmlformats.org/drawingml/2006/compatibility" xmlns:p14="http://schemas.microsoft.com/office/powerpoint/2010/main" xmlns:p15="http://schemas.microsoft.com/office/powerpoint/2012/main" xmlns:ahyp="http://schemas.microsoft.com/office/drawing/2018/hyperlinkcolor">
+<p:sld xmlns:a="http://schemas.openxmlformats.org/drawingml/2006/main" xmlns:r="http://schemas.openxmlformats.org/officeDocument/2006/relationships" xmlns:p="http://schemas.openxmlformats.org/presentationml/2006/main">
   <p:cSld>
     <p:spTree>
       <p:nvGrpSpPr>
-        <p:cNvPr id="92" name="Shape 92"/>
+        <p:cNvPr id="1" name="Shape 92"/>
         <p:cNvGrpSpPr/>
         <p:nvPr/>
       </p:nvGrpSpPr>
@@ -9686,7 +9815,9 @@
       <p:sp>
         <p:nvSpPr>
           <p:cNvPr id="93" name="Google Shape;93;p14"/>
-          <p:cNvSpPr txBox="1"/>
+          <p:cNvSpPr txBox="1">
+            <a:spLocks noGrp="1"/>
+          </p:cNvSpPr>
           <p:nvPr>
             <p:ph type="title"/>
           </p:nvPr>
@@ -9701,12 +9832,12 @@
           </a:prstGeom>
         </p:spPr>
         <p:txBody>
-          <a:bodyPr anchorCtr="0" anchor="t" bIns="91425" lIns="91425" spcFirstLastPara="1" rIns="91425" wrap="square" tIns="91425">
+          <a:bodyPr spcFirstLastPara="1" wrap="square" lIns="91425" tIns="91425" rIns="91425" bIns="91425" anchor="t" anchorCtr="0">
             <a:normAutofit fontScale="90000"/>
           </a:bodyPr>
           <a:lstStyle/>
           <a:p>
-            <a:pPr indent="0" lvl="0" marL="0" rtl="0" algn="l">
+            <a:pPr marL="0" lvl="0" indent="0" algn="l" rtl="0">
               <a:spcBef>
                 <a:spcPts val="0"/>
               </a:spcBef>
@@ -9726,9 +9857,11 @@
       <p:sp>
         <p:nvSpPr>
           <p:cNvPr id="94" name="Google Shape;94;p14"/>
-          <p:cNvSpPr txBox="1"/>
+          <p:cNvSpPr txBox="1">
+            <a:spLocks noGrp="1"/>
+          </p:cNvSpPr>
           <p:nvPr>
-            <p:ph idx="1" type="body"/>
+            <p:ph type="body" idx="1"/>
           </p:nvPr>
         </p:nvSpPr>
         <p:spPr>
@@ -9741,12 +9874,12 @@
           </a:prstGeom>
         </p:spPr>
         <p:txBody>
-          <a:bodyPr anchorCtr="0" anchor="t" bIns="91425" lIns="91425" spcFirstLastPara="1" rIns="91425" wrap="square" tIns="91425">
+          <a:bodyPr spcFirstLastPara="1" wrap="square" lIns="91425" tIns="91425" rIns="91425" bIns="91425" anchor="t" anchorCtr="0">
             <a:normAutofit/>
           </a:bodyPr>
           <a:lstStyle/>
           <a:p>
-            <a:pPr indent="-323850" lvl="0" marL="457200" rtl="0" algn="l">
+            <a:pPr marL="457200" lvl="0" indent="-323850" algn="l" rtl="0">
               <a:spcBef>
                 <a:spcPts val="0"/>
               </a:spcBef>
@@ -9757,17 +9890,13 @@
               <a:buChar char="●"/>
             </a:pPr>
             <a:r>
-              <a:rPr b="1" lang="en" sz="1500"/>
-              <a:t>To  make a platform </a:t>
-            </a:r>
-            <a:r>
-              <a:rPr b="1" lang="en" sz="1500"/>
-              <a:t> that allows for content filtering - detects and filters abusive and offensive contents which can be in text or audio format.</a:t>
+              <a:rPr lang="en" sz="1500" b="1"/>
+              <a:t>To  make a platform  that allows for content filtering - detects and filters abusive and offensive contents which can be in text or audio format.</a:t>
             </a:r>
             <a:br>
-              <a:rPr b="1" lang="en" sz="1500"/>
+              <a:rPr lang="en" sz="1500" b="1"/>
             </a:br>
-            <a:endParaRPr b="1" sz="1500"/>
+            <a:endParaRPr sz="1500" b="1"/>
           </a:p>
         </p:txBody>
       </p:sp>
@@ -9791,12 +9920,12 @@
           </a:ln>
         </p:spPr>
         <p:txBody>
-          <a:bodyPr anchorCtr="0" anchor="t" bIns="91425" lIns="91425" spcFirstLastPara="1" rIns="91425" wrap="square" tIns="91425">
+          <a:bodyPr spcFirstLastPara="1" wrap="square" lIns="91425" tIns="91425" rIns="91425" bIns="91425" anchor="t" anchorCtr="0">
             <a:spAutoFit/>
           </a:bodyPr>
           <a:lstStyle/>
           <a:p>
-            <a:pPr indent="0" lvl="0" marL="0" rtl="0" algn="l">
+            <a:pPr marL="0" lvl="0" indent="0" algn="l" rtl="0">
               <a:spcBef>
                 <a:spcPts val="0"/>
               </a:spcBef>
@@ -9806,7 +9935,7 @@
               <a:buNone/>
             </a:pPr>
             <a:r>
-              <a:rPr b="1" lang="en" sz="1200">
+              <a:rPr lang="en" sz="1200" b="1">
                 <a:latin typeface="Lato"/>
                 <a:ea typeface="Lato"/>
                 <a:cs typeface="Lato"/>
@@ -9815,7 +9944,7 @@
               <a:t>2</a:t>
             </a:r>
             <a:r>
-              <a:rPr b="1" lang="en" sz="1200">
+              <a:rPr lang="en" sz="1200" b="1">
                 <a:solidFill>
                   <a:schemeClr val="accent1"/>
                 </a:solidFill>
@@ -9826,7 +9955,7 @@
               </a:rPr>
               <a:t>/14</a:t>
             </a:r>
-            <a:endParaRPr b="1" sz="1200">
+            <a:endParaRPr sz="1200" b="1">
               <a:solidFill>
                 <a:schemeClr val="accent1"/>
               </a:solidFill>
@@ -9847,11 +9976,11 @@
 </file>
 
 <file path=ppt/slides/slide3.xml><?xml version="1.0" encoding="utf-8"?>
-<p:sld xmlns:a="http://schemas.openxmlformats.org/drawingml/2006/main" xmlns:r="http://schemas.openxmlformats.org/officeDocument/2006/relationships" xmlns:mc="http://schemas.openxmlformats.org/markup-compatibility/2006" xmlns:mv="urn:schemas-microsoft-com:mac:vml" xmlns:p="http://schemas.openxmlformats.org/presentationml/2006/main" xmlns:c="http://schemas.openxmlformats.org/drawingml/2006/chart" xmlns:dgm="http://schemas.openxmlformats.org/drawingml/2006/diagram" xmlns:o="urn:schemas-microsoft-com:office:office" xmlns:v="urn:schemas-microsoft-com:vml" xmlns:pvml="urn:schemas-microsoft-com:office:powerpoint" xmlns:com="http://schemas.openxmlformats.org/drawingml/2006/compatibility" xmlns:p14="http://schemas.microsoft.com/office/powerpoint/2010/main" xmlns:p15="http://schemas.microsoft.com/office/powerpoint/2012/main" xmlns:ahyp="http://schemas.microsoft.com/office/drawing/2018/hyperlinkcolor">
+<p:sld xmlns:a="http://schemas.openxmlformats.org/drawingml/2006/main" xmlns:r="http://schemas.openxmlformats.org/officeDocument/2006/relationships" xmlns:p="http://schemas.openxmlformats.org/presentationml/2006/main">
   <p:cSld>
     <p:spTree>
       <p:nvGrpSpPr>
-        <p:cNvPr id="99" name="Shape 99"/>
+        <p:cNvPr id="1" name="Shape 99"/>
         <p:cNvGrpSpPr/>
         <p:nvPr/>
       </p:nvGrpSpPr>
@@ -9866,7 +9995,9 @@
       <p:sp>
         <p:nvSpPr>
           <p:cNvPr id="100" name="Google Shape;100;p15"/>
-          <p:cNvSpPr txBox="1"/>
+          <p:cNvSpPr txBox="1">
+            <a:spLocks noGrp="1"/>
+          </p:cNvSpPr>
           <p:nvPr>
             <p:ph type="title"/>
           </p:nvPr>
@@ -9881,12 +10012,12 @@
           </a:prstGeom>
         </p:spPr>
         <p:txBody>
-          <a:bodyPr anchorCtr="0" anchor="t" bIns="91425" lIns="91425" spcFirstLastPara="1" rIns="91425" wrap="square" tIns="91425">
+          <a:bodyPr spcFirstLastPara="1" wrap="square" lIns="91425" tIns="91425" rIns="91425" bIns="91425" anchor="t" anchorCtr="0">
             <a:normAutofit fontScale="90000"/>
           </a:bodyPr>
           <a:lstStyle/>
           <a:p>
-            <a:pPr indent="0" lvl="0" marL="0" rtl="0" algn="l">
+            <a:pPr marL="0" lvl="0" indent="0" algn="l" rtl="0">
               <a:spcBef>
                 <a:spcPts val="0"/>
               </a:spcBef>
@@ -9906,9 +10037,11 @@
       <p:sp>
         <p:nvSpPr>
           <p:cNvPr id="101" name="Google Shape;101;p15"/>
-          <p:cNvSpPr txBox="1"/>
+          <p:cNvSpPr txBox="1">
+            <a:spLocks noGrp="1"/>
+          </p:cNvSpPr>
           <p:nvPr>
-            <p:ph idx="1" type="body"/>
+            <p:ph type="body" idx="1"/>
           </p:nvPr>
         </p:nvSpPr>
         <p:spPr>
@@ -9921,12 +10054,12 @@
           </a:prstGeom>
         </p:spPr>
         <p:txBody>
-          <a:bodyPr anchorCtr="0" anchor="t" bIns="91425" lIns="91425" spcFirstLastPara="1" rIns="91425" wrap="square" tIns="91425">
+          <a:bodyPr spcFirstLastPara="1" wrap="square" lIns="91425" tIns="91425" rIns="91425" bIns="91425" anchor="t" anchorCtr="0">
             <a:noAutofit/>
           </a:bodyPr>
           <a:lstStyle/>
           <a:p>
-            <a:pPr indent="0" lvl="0" marL="457200" rtl="0" algn="l">
+            <a:pPr marL="457200" lvl="0" indent="0" algn="l" rtl="0">
               <a:spcBef>
                 <a:spcPts val="0"/>
               </a:spcBef>
@@ -9935,13 +10068,10 @@
               </a:spcAft>
               <a:buNone/>
             </a:pPr>
-            <a:r>
-              <a:t/>
-            </a:r>
-            <a:endParaRPr b="1" sz="1500"/>
-          </a:p>
-          <a:p>
-            <a:pPr indent="-323850" lvl="0" marL="457200" rtl="0" algn="l">
+            <a:endParaRPr sz="1500" b="1"/>
+          </a:p>
+          <a:p>
+            <a:pPr marL="457200" lvl="0" indent="-323850" algn="l" rtl="0">
               <a:spcBef>
                 <a:spcPts val="1200"/>
               </a:spcBef>
@@ -9952,13 +10082,13 @@
               <a:buChar char="●"/>
             </a:pPr>
             <a:r>
-              <a:rPr b="1" lang="en" sz="1500"/>
+              <a:rPr lang="en" sz="1500" b="1"/>
               <a:t>Hate Speech and Offensive Language Dataset called labeled_data.csv and Twitter Sentiment Analysis data (train.csv and test.csv) from Kaggle. </a:t>
             </a:r>
-            <a:endParaRPr b="1" sz="1500"/>
-          </a:p>
-          <a:p>
-            <a:pPr indent="0" lvl="0" marL="457200" rtl="0" algn="l">
+            <a:endParaRPr sz="1500" b="1"/>
+          </a:p>
+          <a:p>
+            <a:pPr marL="457200" lvl="0" indent="0" algn="l" rtl="0">
               <a:spcBef>
                 <a:spcPts val="1200"/>
               </a:spcBef>
@@ -9967,13 +10097,10 @@
               </a:spcAft>
               <a:buNone/>
             </a:pPr>
-            <a:r>
-              <a:t/>
-            </a:r>
-            <a:endParaRPr b="1" sz="1500"/>
-          </a:p>
-          <a:p>
-            <a:pPr indent="-323850" lvl="0" marL="457200" rtl="0" algn="l">
+            <a:endParaRPr sz="1500" b="1"/>
+          </a:p>
+          <a:p>
+            <a:pPr marL="457200" lvl="0" indent="-323850" algn="l" rtl="0">
               <a:spcBef>
                 <a:spcPts val="1200"/>
               </a:spcBef>
@@ -9984,21 +10111,13 @@
               <a:buChar char="●"/>
             </a:pPr>
             <a:r>
-              <a:rPr b="1" lang="en" sz="1500"/>
-              <a:t>Both contains </a:t>
+              <a:rPr lang="en" sz="1500" b="1"/>
+              <a:t>Both contains different kind of tweets and label to them. </a:t>
             </a:r>
-            <a:r>
-              <a:rPr b="1" lang="en" sz="1500"/>
-              <a:t>different</a:t>
-            </a:r>
-            <a:r>
-              <a:rPr b="1" lang="en" sz="1500"/>
-              <a:t> kind of tweets and label to them. </a:t>
-            </a:r>
-            <a:endParaRPr b="1" sz="1500"/>
-          </a:p>
-          <a:p>
-            <a:pPr indent="0" lvl="0" marL="457200" rtl="0" algn="l">
+            <a:endParaRPr sz="1500" b="1"/>
+          </a:p>
+          <a:p>
+            <a:pPr marL="457200" lvl="0" indent="0" algn="l" rtl="0">
               <a:spcBef>
                 <a:spcPts val="1200"/>
               </a:spcBef>
@@ -10007,13 +10126,10 @@
               </a:spcAft>
               <a:buNone/>
             </a:pPr>
-            <a:r>
-              <a:t/>
-            </a:r>
-            <a:endParaRPr b="1" sz="1500"/>
-          </a:p>
-          <a:p>
-            <a:pPr indent="-323850" lvl="0" marL="457200" rtl="0" algn="l">
+            <a:endParaRPr sz="1500" b="1"/>
+          </a:p>
+          <a:p>
+            <a:pPr marL="457200" lvl="0" indent="-323850" algn="l" rtl="0">
               <a:spcBef>
                 <a:spcPts val="1200"/>
               </a:spcBef>
@@ -10024,13 +10140,13 @@
               <a:buChar char="●"/>
             </a:pPr>
             <a:r>
-              <a:rPr b="1" lang="en" sz="1500"/>
+              <a:rPr lang="en" sz="1500" b="1"/>
               <a:t>Combined the data from labeled_data.csv and train.csv to make a bigger training data set. </a:t>
             </a:r>
-            <a:endParaRPr b="1" sz="1500"/>
-          </a:p>
-          <a:p>
-            <a:pPr indent="0" lvl="0" marL="457200" rtl="0" algn="l">
+            <a:endParaRPr sz="1500" b="1"/>
+          </a:p>
+          <a:p>
+            <a:pPr marL="457200" lvl="0" indent="0" algn="l" rtl="0">
               <a:spcBef>
                 <a:spcPts val="1200"/>
               </a:spcBef>
@@ -10039,10 +10155,7 @@
               </a:spcAft>
               <a:buNone/>
             </a:pPr>
-            <a:r>
-              <a:t/>
-            </a:r>
-            <a:endParaRPr b="1" sz="900"/>
+            <a:endParaRPr sz="900" b="1"/>
           </a:p>
         </p:txBody>
       </p:sp>
@@ -10066,12 +10179,12 @@
           </a:ln>
         </p:spPr>
         <p:txBody>
-          <a:bodyPr anchorCtr="0" anchor="t" bIns="91425" lIns="91425" spcFirstLastPara="1" rIns="91425" wrap="square" tIns="91425">
+          <a:bodyPr spcFirstLastPara="1" wrap="square" lIns="91425" tIns="91425" rIns="91425" bIns="91425" anchor="t" anchorCtr="0">
             <a:spAutoFit/>
           </a:bodyPr>
           <a:lstStyle/>
           <a:p>
-            <a:pPr indent="0" lvl="0" marL="0" rtl="0" algn="l">
+            <a:pPr marL="0" lvl="0" indent="0" algn="l" rtl="0">
               <a:spcBef>
                 <a:spcPts val="0"/>
               </a:spcBef>
@@ -10081,7 +10194,7 @@
               <a:buNone/>
             </a:pPr>
             <a:r>
-              <a:rPr b="1" lang="en" sz="1200">
+              <a:rPr lang="en" sz="1200" b="1">
                 <a:latin typeface="Lato"/>
                 <a:ea typeface="Lato"/>
                 <a:cs typeface="Lato"/>
@@ -10090,7 +10203,7 @@
               <a:t>3</a:t>
             </a:r>
             <a:r>
-              <a:rPr b="1" lang="en" sz="1200">
+              <a:rPr lang="en" sz="1200" b="1">
                 <a:solidFill>
                   <a:schemeClr val="accent1"/>
                 </a:solidFill>
@@ -10101,7 +10214,7 @@
               </a:rPr>
               <a:t>/14</a:t>
             </a:r>
-            <a:endParaRPr b="1" sz="1200">
+            <a:endParaRPr sz="1200" b="1">
               <a:solidFill>
                 <a:schemeClr val="accent1"/>
               </a:solidFill>
@@ -10122,11 +10235,11 @@
 </file>
 
 <file path=ppt/slides/slide4.xml><?xml version="1.0" encoding="utf-8"?>
-<p:sld xmlns:a="http://schemas.openxmlformats.org/drawingml/2006/main" xmlns:r="http://schemas.openxmlformats.org/officeDocument/2006/relationships" xmlns:mc="http://schemas.openxmlformats.org/markup-compatibility/2006" xmlns:mv="urn:schemas-microsoft-com:mac:vml" xmlns:p="http://schemas.openxmlformats.org/presentationml/2006/main" xmlns:c="http://schemas.openxmlformats.org/drawingml/2006/chart" xmlns:dgm="http://schemas.openxmlformats.org/drawingml/2006/diagram" xmlns:o="urn:schemas-microsoft-com:office:office" xmlns:v="urn:schemas-microsoft-com:vml" xmlns:pvml="urn:schemas-microsoft-com:office:powerpoint" xmlns:com="http://schemas.openxmlformats.org/drawingml/2006/compatibility" xmlns:p14="http://schemas.microsoft.com/office/powerpoint/2010/main" xmlns:p15="http://schemas.microsoft.com/office/powerpoint/2012/main" xmlns:ahyp="http://schemas.microsoft.com/office/drawing/2018/hyperlinkcolor">
+<p:sld xmlns:a="http://schemas.openxmlformats.org/drawingml/2006/main" xmlns:r="http://schemas.openxmlformats.org/officeDocument/2006/relationships" xmlns:p="http://schemas.openxmlformats.org/presentationml/2006/main">
   <p:cSld>
     <p:spTree>
       <p:nvGrpSpPr>
-        <p:cNvPr id="106" name="Shape 106"/>
+        <p:cNvPr id="1" name="Shape 106"/>
         <p:cNvGrpSpPr/>
         <p:nvPr/>
       </p:nvGrpSpPr>
@@ -10141,7 +10254,9 @@
       <p:sp>
         <p:nvSpPr>
           <p:cNvPr id="107" name="Google Shape;107;p16"/>
-          <p:cNvSpPr txBox="1"/>
+          <p:cNvSpPr txBox="1">
+            <a:spLocks noGrp="1"/>
+          </p:cNvSpPr>
           <p:nvPr>
             <p:ph type="title"/>
           </p:nvPr>
@@ -10156,12 +10271,12 @@
           </a:prstGeom>
         </p:spPr>
         <p:txBody>
-          <a:bodyPr anchorCtr="0" anchor="t" bIns="91425" lIns="91425" spcFirstLastPara="1" rIns="91425" wrap="square" tIns="91425">
+          <a:bodyPr spcFirstLastPara="1" wrap="square" lIns="91425" tIns="91425" rIns="91425" bIns="91425" anchor="t" anchorCtr="0">
             <a:normAutofit/>
           </a:bodyPr>
           <a:lstStyle/>
           <a:p>
-            <a:pPr indent="0" lvl="0" marL="0" rtl="0" algn="l">
+            <a:pPr marL="0" lvl="0" indent="0" algn="l" rtl="0">
               <a:spcBef>
                 <a:spcPts val="0"/>
               </a:spcBef>
@@ -10172,11 +10287,7 @@
             </a:pPr>
             <a:r>
               <a:rPr lang="en"/>
-              <a:t>Our </a:t>
-            </a:r>
-            <a:r>
-              <a:rPr lang="en"/>
-              <a:t>Process : CRISP DM Methodology</a:t>
+              <a:t>Our Process : CRISP DM Methodology</a:t>
             </a:r>
             <a:endParaRPr/>
           </a:p>
@@ -10192,7 +10303,7 @@
           <a:blip r:embed="rId3">
             <a:alphaModFix/>
           </a:blip>
-          <a:srcRect b="0" l="1146" r="0" t="1690"/>
+          <a:srcRect l="1146" t="1690"/>
           <a:stretch/>
         </p:blipFill>
         <p:spPr>
@@ -10229,12 +10340,12 @@
           </a:ln>
         </p:spPr>
         <p:txBody>
-          <a:bodyPr anchorCtr="0" anchor="t" bIns="91425" lIns="91425" spcFirstLastPara="1" rIns="91425" wrap="square" tIns="91425">
+          <a:bodyPr spcFirstLastPara="1" wrap="square" lIns="91425" tIns="91425" rIns="91425" bIns="91425" anchor="t" anchorCtr="0">
             <a:spAutoFit/>
           </a:bodyPr>
           <a:lstStyle/>
           <a:p>
-            <a:pPr indent="0" lvl="0" marL="0" rtl="0" algn="l">
+            <a:pPr marL="0" lvl="0" indent="0" algn="l" rtl="0">
               <a:spcBef>
                 <a:spcPts val="0"/>
               </a:spcBef>
@@ -10244,7 +10355,7 @@
               <a:buNone/>
             </a:pPr>
             <a:r>
-              <a:rPr b="1" lang="en" sz="1200">
+              <a:rPr lang="en" sz="1200" b="1">
                 <a:latin typeface="Lato"/>
                 <a:ea typeface="Lato"/>
                 <a:cs typeface="Lato"/>
@@ -10253,7 +10364,7 @@
               <a:t>4</a:t>
             </a:r>
             <a:r>
-              <a:rPr b="1" lang="en" sz="1200">
+              <a:rPr lang="en" sz="1200" b="1">
                 <a:solidFill>
                   <a:schemeClr val="accent1"/>
                 </a:solidFill>
@@ -10264,7 +10375,7 @@
               </a:rPr>
               <a:t>/14</a:t>
             </a:r>
-            <a:endParaRPr b="1" sz="1200">
+            <a:endParaRPr sz="1200" b="1">
               <a:solidFill>
                 <a:schemeClr val="accent1"/>
               </a:solidFill>
@@ -10296,12 +10407,12 @@
           </a:ln>
         </p:spPr>
         <p:txBody>
-          <a:bodyPr anchorCtr="0" anchor="t" bIns="91425" lIns="91425" spcFirstLastPara="1" rIns="91425" wrap="square" tIns="91425">
+          <a:bodyPr spcFirstLastPara="1" wrap="square" lIns="91425" tIns="91425" rIns="91425" bIns="91425" anchor="t" anchorCtr="0">
             <a:spAutoFit/>
           </a:bodyPr>
           <a:lstStyle/>
           <a:p>
-            <a:pPr indent="0" lvl="0" marL="0" rtl="0" algn="l">
+            <a:pPr marL="0" lvl="0" indent="0" algn="l" rtl="0">
               <a:spcBef>
                 <a:spcPts val="0"/>
               </a:spcBef>
@@ -10311,7 +10422,7 @@
               <a:buNone/>
             </a:pPr>
             <a:r>
-              <a:rPr b="1" i="1" lang="en" sz="1100">
+              <a:rPr lang="en" sz="1100" b="1" i="1">
                 <a:latin typeface="Lato"/>
                 <a:ea typeface="Lato"/>
                 <a:cs typeface="Lato"/>
@@ -10319,7 +10430,7 @@
               </a:rPr>
               <a:t>Fig: CRISP DM Methodology</a:t>
             </a:r>
-            <a:endParaRPr b="1" i="1" sz="1100">
+            <a:endParaRPr sz="1100" b="1" i="1">
               <a:latin typeface="Lato"/>
               <a:ea typeface="Lato"/>
               <a:cs typeface="Lato"/>
@@ -10337,11 +10448,11 @@
 </file>
 
 <file path=ppt/slides/slide5.xml><?xml version="1.0" encoding="utf-8"?>
-<p:sld xmlns:a="http://schemas.openxmlformats.org/drawingml/2006/main" xmlns:r="http://schemas.openxmlformats.org/officeDocument/2006/relationships" xmlns:mc="http://schemas.openxmlformats.org/markup-compatibility/2006" xmlns:mv="urn:schemas-microsoft-com:mac:vml" xmlns:p="http://schemas.openxmlformats.org/presentationml/2006/main" xmlns:c="http://schemas.openxmlformats.org/drawingml/2006/chart" xmlns:dgm="http://schemas.openxmlformats.org/drawingml/2006/diagram" xmlns:o="urn:schemas-microsoft-com:office:office" xmlns:v="urn:schemas-microsoft-com:vml" xmlns:pvml="urn:schemas-microsoft-com:office:powerpoint" xmlns:com="http://schemas.openxmlformats.org/drawingml/2006/compatibility" xmlns:p14="http://schemas.microsoft.com/office/powerpoint/2010/main" xmlns:p15="http://schemas.microsoft.com/office/powerpoint/2012/main" xmlns:ahyp="http://schemas.microsoft.com/office/drawing/2018/hyperlinkcolor">
+<p:sld xmlns:a="http://schemas.openxmlformats.org/drawingml/2006/main" xmlns:r="http://schemas.openxmlformats.org/officeDocument/2006/relationships" xmlns:p="http://schemas.openxmlformats.org/presentationml/2006/main">
   <p:cSld>
     <p:spTree>
       <p:nvGrpSpPr>
-        <p:cNvPr id="114" name="Shape 114"/>
+        <p:cNvPr id="1" name="Shape 114"/>
         <p:cNvGrpSpPr/>
         <p:nvPr/>
       </p:nvGrpSpPr>
@@ -10356,7 +10467,9 @@
       <p:sp>
         <p:nvSpPr>
           <p:cNvPr id="115" name="Google Shape;115;p17"/>
-          <p:cNvSpPr txBox="1"/>
+          <p:cNvSpPr txBox="1">
+            <a:spLocks noGrp="1"/>
+          </p:cNvSpPr>
           <p:nvPr>
             <p:ph type="title"/>
           </p:nvPr>
@@ -10371,12 +10484,12 @@
           </a:prstGeom>
         </p:spPr>
         <p:txBody>
-          <a:bodyPr anchorCtr="0" anchor="t" bIns="91425" lIns="91425" spcFirstLastPara="1" rIns="91425" wrap="square" tIns="91425">
+          <a:bodyPr spcFirstLastPara="1" wrap="square" lIns="91425" tIns="91425" rIns="91425" bIns="91425" anchor="t" anchorCtr="0">
             <a:normAutofit fontScale="90000"/>
           </a:bodyPr>
           <a:lstStyle/>
           <a:p>
-            <a:pPr indent="0" lvl="0" marL="0" rtl="0" algn="l">
+            <a:pPr marL="0" lvl="0" indent="0" algn="l" rtl="0">
               <a:spcBef>
                 <a:spcPts val="0"/>
               </a:spcBef>
@@ -10396,9 +10509,11 @@
       <p:sp>
         <p:nvSpPr>
           <p:cNvPr id="116" name="Google Shape;116;p17"/>
-          <p:cNvSpPr txBox="1"/>
+          <p:cNvSpPr txBox="1">
+            <a:spLocks noGrp="1"/>
+          </p:cNvSpPr>
           <p:nvPr>
-            <p:ph idx="1" type="body"/>
+            <p:ph type="body" idx="1"/>
           </p:nvPr>
         </p:nvSpPr>
         <p:spPr>
@@ -10411,12 +10526,12 @@
           </a:prstGeom>
         </p:spPr>
         <p:txBody>
-          <a:bodyPr anchorCtr="0" anchor="t" bIns="91425" lIns="91425" spcFirstLastPara="1" rIns="91425" wrap="square" tIns="91425">
+          <a:bodyPr spcFirstLastPara="1" wrap="square" lIns="91425" tIns="91425" rIns="91425" bIns="91425" anchor="t" anchorCtr="0">
             <a:noAutofit/>
           </a:bodyPr>
           <a:lstStyle/>
           <a:p>
-            <a:pPr indent="-323850" lvl="0" marL="457200" rtl="0" algn="just">
+            <a:pPr marL="457200" lvl="0" indent="-323850" algn="just" rtl="0">
               <a:spcBef>
                 <a:spcPts val="0"/>
               </a:spcBef>
@@ -10427,13 +10542,13 @@
               <a:buChar char="●"/>
             </a:pPr>
             <a:r>
-              <a:rPr b="1" lang="en" sz="1500"/>
+              <a:rPr lang="en" sz="1500" b="1"/>
               <a:t>We identify the problem, understand how to solve it, and determine whether machine learning will be a beneficial tool in solving it .</a:t>
             </a:r>
-            <a:endParaRPr b="1" sz="1500"/>
-          </a:p>
-          <a:p>
-            <a:pPr indent="-323850" lvl="0" marL="457200" rtl="0" algn="just">
+            <a:endParaRPr sz="1500" b="1"/>
+          </a:p>
+          <a:p>
+            <a:pPr marL="457200" lvl="0" indent="-323850" algn="just" rtl="0">
               <a:spcBef>
                 <a:spcPts val="0"/>
               </a:spcBef>
@@ -10444,13 +10559,13 @@
               <a:buChar char="●"/>
             </a:pPr>
             <a:r>
-              <a:rPr b="1" lang="en" sz="1500"/>
+              <a:rPr lang="en" sz="1500" b="1"/>
               <a:t>Problem - Increase of abusive and hate contents in Internet </a:t>
             </a:r>
-            <a:endParaRPr b="1" sz="1500"/>
-          </a:p>
-          <a:p>
-            <a:pPr indent="0" lvl="0" marL="457200" rtl="0" algn="just">
+            <a:endParaRPr sz="1500" b="1"/>
+          </a:p>
+          <a:p>
+            <a:pPr marL="457200" lvl="0" indent="0" algn="just" rtl="0">
               <a:spcBef>
                 <a:spcPts val="0"/>
               </a:spcBef>
@@ -10460,17 +10575,13 @@
               <a:buNone/>
             </a:pPr>
             <a:r>
-              <a:rPr b="1" lang="en" sz="1500"/>
-              <a:t>                     - </a:t>
+              <a:rPr lang="en" sz="1500" b="1"/>
+              <a:t>                     - Unsafe for children</a:t>
             </a:r>
-            <a:r>
-              <a:rPr b="1" lang="en" sz="1500"/>
-              <a:t>Unsafe for children</a:t>
-            </a:r>
-            <a:endParaRPr b="1" sz="1500"/>
-          </a:p>
-          <a:p>
-            <a:pPr indent="-323850" lvl="0" marL="457200" rtl="0" algn="just">
+            <a:endParaRPr sz="1500" b="1"/>
+          </a:p>
+          <a:p>
+            <a:pPr marL="457200" lvl="0" indent="-323850" algn="just" rtl="0">
               <a:spcBef>
                 <a:spcPts val="0"/>
               </a:spcBef>
@@ -10481,13 +10592,13 @@
               <a:buChar char="●"/>
             </a:pPr>
             <a:r>
-              <a:rPr b="1" lang="en" sz="1500"/>
+              <a:rPr lang="en" sz="1500" b="1"/>
               <a:t>Solution - ??</a:t>
             </a:r>
-            <a:endParaRPr b="1" sz="1500"/>
-          </a:p>
-          <a:p>
-            <a:pPr indent="0" lvl="0" marL="457200" rtl="0" algn="just">
+            <a:endParaRPr sz="1500" b="1"/>
+          </a:p>
+          <a:p>
+            <a:pPr marL="457200" lvl="0" indent="0" algn="just" rtl="0">
               <a:spcBef>
                 <a:spcPts val="0"/>
               </a:spcBef>
@@ -10496,10 +10607,7 @@
               </a:spcAft>
               <a:buNone/>
             </a:pPr>
-            <a:r>
-              <a:t/>
-            </a:r>
-            <a:endParaRPr b="1" sz="1500"/>
+            <a:endParaRPr sz="1500" b="1"/>
           </a:p>
         </p:txBody>
       </p:sp>
@@ -10523,12 +10631,12 @@
           </a:ln>
         </p:spPr>
         <p:txBody>
-          <a:bodyPr anchorCtr="0" anchor="t" bIns="91425" lIns="91425" spcFirstLastPara="1" rIns="91425" wrap="square" tIns="91425">
+          <a:bodyPr spcFirstLastPara="1" wrap="square" lIns="91425" tIns="91425" rIns="91425" bIns="91425" anchor="t" anchorCtr="0">
             <a:spAutoFit/>
           </a:bodyPr>
           <a:lstStyle/>
           <a:p>
-            <a:pPr indent="0" lvl="0" marL="0" rtl="0" algn="l">
+            <a:pPr marL="0" lvl="0" indent="0" algn="l" rtl="0">
               <a:spcBef>
                 <a:spcPts val="0"/>
               </a:spcBef>
@@ -10538,7 +10646,7 @@
               <a:buNone/>
             </a:pPr>
             <a:r>
-              <a:rPr b="1" lang="en" sz="1200">
+              <a:rPr lang="en" sz="1200" b="1">
                 <a:latin typeface="Lato"/>
                 <a:ea typeface="Lato"/>
                 <a:cs typeface="Lato"/>
@@ -10547,7 +10655,7 @@
               <a:t>5</a:t>
             </a:r>
             <a:r>
-              <a:rPr b="1" lang="en" sz="1200">
+              <a:rPr lang="en" sz="1200" b="1">
                 <a:solidFill>
                   <a:schemeClr val="accent1"/>
                 </a:solidFill>
@@ -10558,7 +10666,7 @@
               </a:rPr>
               <a:t>/14</a:t>
             </a:r>
-            <a:endParaRPr b="1" sz="1200">
+            <a:endParaRPr sz="1200" b="1">
               <a:solidFill>
                 <a:schemeClr val="accent1"/>
               </a:solidFill>
@@ -10579,11 +10687,11 @@
 </file>
 
 <file path=ppt/slides/slide6.xml><?xml version="1.0" encoding="utf-8"?>
-<p:sld xmlns:a="http://schemas.openxmlformats.org/drawingml/2006/main" xmlns:r="http://schemas.openxmlformats.org/officeDocument/2006/relationships" xmlns:mc="http://schemas.openxmlformats.org/markup-compatibility/2006" xmlns:mv="urn:schemas-microsoft-com:mac:vml" xmlns:p="http://schemas.openxmlformats.org/presentationml/2006/main" xmlns:c="http://schemas.openxmlformats.org/drawingml/2006/chart" xmlns:dgm="http://schemas.openxmlformats.org/drawingml/2006/diagram" xmlns:o="urn:schemas-microsoft-com:office:office" xmlns:v="urn:schemas-microsoft-com:vml" xmlns:pvml="urn:schemas-microsoft-com:office:powerpoint" xmlns:com="http://schemas.openxmlformats.org/drawingml/2006/compatibility" xmlns:p14="http://schemas.microsoft.com/office/powerpoint/2010/main" xmlns:p15="http://schemas.microsoft.com/office/powerpoint/2012/main" xmlns:ahyp="http://schemas.microsoft.com/office/drawing/2018/hyperlinkcolor">
+<p:sld xmlns:a="http://schemas.openxmlformats.org/drawingml/2006/main" xmlns:r="http://schemas.openxmlformats.org/officeDocument/2006/relationships" xmlns:p="http://schemas.openxmlformats.org/presentationml/2006/main">
   <p:cSld>
     <p:spTree>
       <p:nvGrpSpPr>
-        <p:cNvPr id="121" name="Shape 121"/>
+        <p:cNvPr id="1" name="Shape 121"/>
         <p:cNvGrpSpPr/>
         <p:nvPr/>
       </p:nvGrpSpPr>
@@ -10598,7 +10706,9 @@
       <p:sp>
         <p:nvSpPr>
           <p:cNvPr id="122" name="Google Shape;122;p18"/>
-          <p:cNvSpPr txBox="1"/>
+          <p:cNvSpPr txBox="1">
+            <a:spLocks noGrp="1"/>
+          </p:cNvSpPr>
           <p:nvPr>
             <p:ph type="title"/>
           </p:nvPr>
@@ -10613,12 +10723,12 @@
           </a:prstGeom>
         </p:spPr>
         <p:txBody>
-          <a:bodyPr anchorCtr="0" anchor="t" bIns="91425" lIns="91425" spcFirstLastPara="1" rIns="91425" wrap="square" tIns="91425">
+          <a:bodyPr spcFirstLastPara="1" wrap="square" lIns="91425" tIns="91425" rIns="91425" bIns="91425" anchor="t" anchorCtr="0">
             <a:spAutoFit/>
           </a:bodyPr>
           <a:lstStyle/>
           <a:p>
-            <a:pPr indent="0" lvl="0" marL="0" rtl="0" algn="l">
+            <a:pPr marL="0" lvl="0" indent="0" algn="l" rtl="0">
               <a:spcBef>
                 <a:spcPts val="0"/>
               </a:spcBef>
@@ -10634,7 +10744,7 @@
             <a:endParaRPr/>
           </a:p>
           <a:p>
-            <a:pPr indent="0" lvl="0" marL="0" rtl="0" algn="l">
+            <a:pPr marL="0" lvl="0" indent="0" algn="l" rtl="0">
               <a:spcBef>
                 <a:spcPts val="0"/>
               </a:spcBef>
@@ -10643,9 +10753,6 @@
               </a:spcAft>
               <a:buNone/>
             </a:pPr>
-            <a:r>
-              <a:t/>
-            </a:r>
             <a:endParaRPr/>
           </a:p>
         </p:txBody>
@@ -10653,9 +10760,11 @@
       <p:sp>
         <p:nvSpPr>
           <p:cNvPr id="123" name="Google Shape;123;p18"/>
-          <p:cNvSpPr txBox="1"/>
+          <p:cNvSpPr txBox="1">
+            <a:spLocks noGrp="1"/>
+          </p:cNvSpPr>
           <p:nvPr>
-            <p:ph idx="1" type="body"/>
+            <p:ph type="body" idx="1"/>
           </p:nvPr>
         </p:nvSpPr>
         <p:spPr>
@@ -10668,12 +10777,12 @@
           </a:prstGeom>
         </p:spPr>
         <p:txBody>
-          <a:bodyPr anchorCtr="0" anchor="t" bIns="91425" lIns="91425" spcFirstLastPara="1" rIns="91425" wrap="square" tIns="91425">
+          <a:bodyPr spcFirstLastPara="1" wrap="square" lIns="91425" tIns="91425" rIns="91425" bIns="91425" anchor="t" anchorCtr="0">
             <a:normAutofit/>
           </a:bodyPr>
           <a:lstStyle/>
           <a:p>
-            <a:pPr indent="0" lvl="0" marL="0" rtl="0" algn="l">
+            <a:pPr marL="0" lvl="0" indent="0" algn="l" rtl="0">
               <a:spcBef>
                 <a:spcPts val="0"/>
               </a:spcBef>
@@ -10683,10 +10792,10 @@
               <a:buNone/>
             </a:pPr>
             <a:r>
-              <a:rPr b="1" lang="en" sz="1500"/>
+              <a:rPr lang="en" sz="1500" b="1"/>
               <a:t>Detection and Moderation of Abusive Content Using Various Machine Learning Model </a:t>
             </a:r>
-            <a:endParaRPr b="1" sz="1500"/>
+            <a:endParaRPr sz="1500" b="1"/>
           </a:p>
         </p:txBody>
       </p:sp>
@@ -10710,12 +10819,12 @@
           </a:ln>
         </p:spPr>
         <p:txBody>
-          <a:bodyPr anchorCtr="0" anchor="t" bIns="91425" lIns="91425" spcFirstLastPara="1" rIns="91425" wrap="square" tIns="91425">
+          <a:bodyPr spcFirstLastPara="1" wrap="square" lIns="91425" tIns="91425" rIns="91425" bIns="91425" anchor="t" anchorCtr="0">
             <a:spAutoFit/>
           </a:bodyPr>
           <a:lstStyle/>
           <a:p>
-            <a:pPr indent="0" lvl="0" marL="0" rtl="0" algn="l">
+            <a:pPr marL="0" lvl="0" indent="0" algn="l" rtl="0">
               <a:spcBef>
                 <a:spcPts val="0"/>
               </a:spcBef>
@@ -10725,7 +10834,7 @@
               <a:buNone/>
             </a:pPr>
             <a:r>
-              <a:rPr b="1" lang="en" sz="1200">
+              <a:rPr lang="en" sz="1200" b="1">
                 <a:latin typeface="Lato"/>
                 <a:ea typeface="Lato"/>
                 <a:cs typeface="Lato"/>
@@ -10734,7 +10843,7 @@
               <a:t>6</a:t>
             </a:r>
             <a:r>
-              <a:rPr b="1" lang="en" sz="1200">
+              <a:rPr lang="en" sz="1200" b="1">
                 <a:solidFill>
                   <a:schemeClr val="accent1"/>
                 </a:solidFill>
@@ -10745,7 +10854,7 @@
               </a:rPr>
               <a:t>/14</a:t>
             </a:r>
-            <a:endParaRPr b="1" sz="1200">
+            <a:endParaRPr sz="1200" b="1">
               <a:solidFill>
                 <a:schemeClr val="accent1"/>
               </a:solidFill>
@@ -10765,32 +10874,32 @@
   <p:timing>
     <p:tnLst>
       <p:par>
-        <p:cTn dur="indefinite" nodeType="tmRoot" restart="never">
+        <p:cTn id="1" dur="indefinite" restart="never" nodeType="tmRoot">
           <p:childTnLst>
             <p:seq concurrent="1" nextAc="seek">
-              <p:cTn dur="indefinite" id="2" nodeType="mainSeq">
+              <p:cTn id="2" dur="indefinite" nodeType="mainSeq">
                 <p:childTnLst>
                   <p:par>
-                    <p:cTn fill="hold">
+                    <p:cTn id="3" fill="hold">
                       <p:stCondLst>
                         <p:cond delay="indefinite"/>
                       </p:stCondLst>
                       <p:childTnLst>
                         <p:par>
-                          <p:cTn fill="hold">
+                          <p:cTn id="4" fill="hold">
                             <p:stCondLst>
                               <p:cond delay="0"/>
                             </p:stCondLst>
                             <p:childTnLst>
                               <p:par>
-                                <p:cTn fill="hold" nodeType="clickEffect" presetClass="entr" presetID="1" presetSubtype="0">
+                                <p:cTn id="5" presetID="1" presetClass="entr" presetSubtype="0" fill="hold" nodeType="clickEffect">
                                   <p:stCondLst>
                                     <p:cond delay="0"/>
                                   </p:stCondLst>
                                   <p:childTnLst>
                                     <p:set>
                                       <p:cBhvr>
-                                        <p:cTn dur="1" fill="hold">
+                                        <p:cTn id="6" dur="1" fill="hold">
                                           <p:stCondLst>
                                             <p:cond delay="0"/>
                                           </p:stCondLst>
@@ -10818,14 +10927,14 @@
                 </p:childTnLst>
               </p:cTn>
               <p:prevCondLst>
-                <p:cond evt="onPrev">
+                <p:cond evt="onPrev" delay="0">
                   <p:tgtEl>
                     <p:sldTgt/>
                   </p:tgtEl>
                 </p:cond>
               </p:prevCondLst>
               <p:nextCondLst>
-                <p:cond evt="onNext">
+                <p:cond evt="onNext" delay="0">
                   <p:tgtEl>
                     <p:sldTgt/>
                   </p:tgtEl>
@@ -10841,11 +10950,11 @@
 </file>
 
 <file path=ppt/slides/slide7.xml><?xml version="1.0" encoding="utf-8"?>
-<p:sld xmlns:a="http://schemas.openxmlformats.org/drawingml/2006/main" xmlns:r="http://schemas.openxmlformats.org/officeDocument/2006/relationships" xmlns:mc="http://schemas.openxmlformats.org/markup-compatibility/2006" xmlns:mv="urn:schemas-microsoft-com:mac:vml" xmlns:p="http://schemas.openxmlformats.org/presentationml/2006/main" xmlns:c="http://schemas.openxmlformats.org/drawingml/2006/chart" xmlns:dgm="http://schemas.openxmlformats.org/drawingml/2006/diagram" xmlns:o="urn:schemas-microsoft-com:office:office" xmlns:v="urn:schemas-microsoft-com:vml" xmlns:pvml="urn:schemas-microsoft-com:office:powerpoint" xmlns:com="http://schemas.openxmlformats.org/drawingml/2006/compatibility" xmlns:p14="http://schemas.microsoft.com/office/powerpoint/2010/main" xmlns:p15="http://schemas.microsoft.com/office/powerpoint/2012/main" xmlns:ahyp="http://schemas.microsoft.com/office/drawing/2018/hyperlinkcolor">
+<p:sld xmlns:a="http://schemas.openxmlformats.org/drawingml/2006/main" xmlns:r="http://schemas.openxmlformats.org/officeDocument/2006/relationships" xmlns:p="http://schemas.openxmlformats.org/presentationml/2006/main">
   <p:cSld>
     <p:spTree>
       <p:nvGrpSpPr>
-        <p:cNvPr id="128" name="Shape 128"/>
+        <p:cNvPr id="1" name="Shape 128"/>
         <p:cNvGrpSpPr/>
         <p:nvPr/>
       </p:nvGrpSpPr>
@@ -10860,7 +10969,9 @@
       <p:sp>
         <p:nvSpPr>
           <p:cNvPr id="129" name="Google Shape;129;p19"/>
-          <p:cNvSpPr txBox="1"/>
+          <p:cNvSpPr txBox="1">
+            <a:spLocks noGrp="1"/>
+          </p:cNvSpPr>
           <p:nvPr>
             <p:ph type="title"/>
           </p:nvPr>
@@ -10875,12 +10986,12 @@
           </a:prstGeom>
         </p:spPr>
         <p:txBody>
-          <a:bodyPr anchorCtr="0" anchor="t" bIns="91425" lIns="91425" spcFirstLastPara="1" rIns="91425" wrap="square" tIns="91425">
+          <a:bodyPr spcFirstLastPara="1" wrap="square" lIns="91425" tIns="91425" rIns="91425" bIns="91425" anchor="t" anchorCtr="0">
             <a:normAutofit fontScale="90000"/>
           </a:bodyPr>
           <a:lstStyle/>
           <a:p>
-            <a:pPr indent="0" lvl="0" marL="0" rtl="0" algn="l">
+            <a:pPr marL="0" lvl="0" indent="0" algn="l" rtl="0">
               <a:spcBef>
                 <a:spcPts val="0"/>
               </a:spcBef>
@@ -10900,9 +11011,11 @@
       <p:sp>
         <p:nvSpPr>
           <p:cNvPr id="130" name="Google Shape;130;p19"/>
-          <p:cNvSpPr txBox="1"/>
+          <p:cNvSpPr txBox="1">
+            <a:spLocks noGrp="1"/>
+          </p:cNvSpPr>
           <p:nvPr>
-            <p:ph idx="1" type="body"/>
+            <p:ph type="body" idx="1"/>
           </p:nvPr>
         </p:nvSpPr>
         <p:spPr>
@@ -10915,12 +11028,12 @@
           </a:prstGeom>
         </p:spPr>
         <p:txBody>
-          <a:bodyPr anchorCtr="0" anchor="t" bIns="91425" lIns="91425" spcFirstLastPara="1" rIns="91425" wrap="square" tIns="91425">
+          <a:bodyPr spcFirstLastPara="1" wrap="square" lIns="91425" tIns="91425" rIns="91425" bIns="91425" anchor="t" anchorCtr="0">
             <a:noAutofit/>
           </a:bodyPr>
           <a:lstStyle/>
           <a:p>
-            <a:pPr indent="-323850" lvl="0" marL="457200" rtl="0" algn="l">
+            <a:pPr marL="457200" lvl="0" indent="-323850" algn="l" rtl="0">
               <a:spcBef>
                 <a:spcPts val="0"/>
               </a:spcBef>
@@ -10931,13 +11044,13 @@
               <a:buChar char="●"/>
             </a:pPr>
             <a:r>
-              <a:rPr b="1" lang="en" sz="1500"/>
+              <a:rPr lang="en" sz="1500" b="1"/>
               <a:t>We analyze available datasets and decide whether we need to collect more data.</a:t>
             </a:r>
-            <a:endParaRPr b="1" sz="1500"/>
-          </a:p>
-          <a:p>
-            <a:pPr indent="-323850" lvl="0" marL="457200" rtl="0" algn="l">
+            <a:endParaRPr sz="1500" b="1"/>
+          </a:p>
+          <a:p>
+            <a:pPr marL="457200" lvl="0" indent="-323850" algn="l" rtl="0">
               <a:spcBef>
                 <a:spcPts val="0"/>
               </a:spcBef>
@@ -10948,25 +11061,25 @@
               <a:buChar char="●"/>
             </a:pPr>
             <a:r>
-              <a:rPr b="1" lang="en" sz="1500"/>
+              <a:rPr lang="en" sz="1500" b="1"/>
               <a:t>Had dataset </a:t>
             </a:r>
             <a:r>
-              <a:rPr b="1" lang="en" sz="1500">
+              <a:rPr lang="en" sz="1500" b="1">
                 <a:highlight>
                   <a:srgbClr val="FFFFFF"/>
                 </a:highlight>
               </a:rPr>
               <a:t>train.csv having 31962 samples of tweets each labelled as 1 or 0 . </a:t>
             </a:r>
-            <a:endParaRPr b="1" sz="1500">
+            <a:endParaRPr sz="1500" b="1">
               <a:highlight>
                 <a:srgbClr val="FFFFFF"/>
               </a:highlight>
             </a:endParaRPr>
           </a:p>
           <a:p>
-            <a:pPr indent="0" lvl="0" marL="0" rtl="0" algn="l">
+            <a:pPr marL="0" lvl="0" indent="0" algn="l" rtl="0">
               <a:spcBef>
                 <a:spcPts val="1200"/>
               </a:spcBef>
@@ -10976,21 +11089,21 @@
               <a:buNone/>
             </a:pPr>
             <a:r>
-              <a:rPr b="1" lang="en" sz="1500">
+              <a:rPr lang="en" sz="1500" b="1">
                 <a:highlight>
                   <a:srgbClr val="FFFFFF"/>
                 </a:highlight>
               </a:rPr>
               <a:t>	1 -&gt; Abusive Category</a:t>
             </a:r>
-            <a:endParaRPr b="1" sz="1500">
+            <a:endParaRPr sz="1500" b="1">
               <a:highlight>
                 <a:srgbClr val="FFFFFF"/>
               </a:highlight>
             </a:endParaRPr>
           </a:p>
           <a:p>
-            <a:pPr indent="0" lvl="0" marL="0" rtl="0" algn="l">
+            <a:pPr marL="0" lvl="0" indent="0" algn="l" rtl="0">
               <a:spcBef>
                 <a:spcPts val="1200"/>
               </a:spcBef>
@@ -11000,21 +11113,21 @@
               <a:buNone/>
             </a:pPr>
             <a:r>
-              <a:rPr b="1" lang="en" sz="1500">
+              <a:rPr lang="en" sz="1500" b="1">
                 <a:highlight>
                   <a:srgbClr val="FFFFFF"/>
                 </a:highlight>
               </a:rPr>
               <a:t>          	0 -&gt; Safe Category </a:t>
             </a:r>
-            <a:endParaRPr b="1" sz="1500">
+            <a:endParaRPr sz="1500" b="1">
               <a:highlight>
                 <a:srgbClr val="FFFFFF"/>
               </a:highlight>
             </a:endParaRPr>
           </a:p>
           <a:p>
-            <a:pPr indent="0" lvl="0" marL="0" rtl="0" algn="l">
+            <a:pPr marL="0" lvl="0" indent="0" algn="l" rtl="0">
               <a:spcBef>
                 <a:spcPts val="1200"/>
               </a:spcBef>
@@ -11024,21 +11137,21 @@
               <a:buNone/>
             </a:pPr>
             <a:r>
-              <a:rPr b="1" lang="en" sz="1500">
+              <a:rPr lang="en" sz="1500" b="1">
                 <a:highlight>
                   <a:srgbClr val="FFFFFF"/>
                 </a:highlight>
               </a:rPr>
               <a:t>However, only about 1% of data were abusive (1) rest were 0</a:t>
             </a:r>
-            <a:endParaRPr b="1" sz="1500">
+            <a:endParaRPr sz="1500" b="1">
               <a:highlight>
                 <a:srgbClr val="FFFFFF"/>
               </a:highlight>
             </a:endParaRPr>
           </a:p>
           <a:p>
-            <a:pPr indent="0" lvl="0" marL="0" rtl="0" algn="l">
+            <a:pPr marL="0" lvl="0" indent="0" algn="l" rtl="0">
               <a:spcBef>
                 <a:spcPts val="1200"/>
               </a:spcBef>
@@ -11048,14 +11161,14 @@
               <a:buNone/>
             </a:pPr>
             <a:r>
-              <a:rPr b="1" lang="en" sz="1500">
+              <a:rPr lang="en" sz="1500" b="1">
                 <a:highlight>
                   <a:srgbClr val="FFFFFF"/>
                 </a:highlight>
               </a:rPr>
               <a:t>So, we needed more abusive samples . Found df_offensive.csv that contains more abusive samples so combining them would make perfect samples. </a:t>
             </a:r>
-            <a:endParaRPr b="1" sz="1500">
+            <a:endParaRPr sz="1500" b="1">
               <a:highlight>
                 <a:srgbClr val="FFFFFF"/>
               </a:highlight>
@@ -11087,12 +11200,12 @@
           </a:ln>
         </p:spPr>
         <p:txBody>
-          <a:bodyPr anchorCtr="0" anchor="t" bIns="91425" lIns="91425" spcFirstLastPara="1" rIns="91425" wrap="square" tIns="91425">
+          <a:bodyPr spcFirstLastPara="1" wrap="square" lIns="91425" tIns="91425" rIns="91425" bIns="91425" anchor="t" anchorCtr="0">
             <a:spAutoFit/>
           </a:bodyPr>
           <a:lstStyle/>
           <a:p>
-            <a:pPr indent="0" lvl="0" marL="0" rtl="0" algn="l">
+            <a:pPr marL="0" lvl="0" indent="0" algn="l" rtl="0">
               <a:spcBef>
                 <a:spcPts val="0"/>
               </a:spcBef>
@@ -11102,7 +11215,7 @@
               <a:buNone/>
             </a:pPr>
             <a:r>
-              <a:rPr b="1" lang="en" sz="1200">
+              <a:rPr lang="en" sz="1200" b="1">
                 <a:latin typeface="Lato"/>
                 <a:ea typeface="Lato"/>
                 <a:cs typeface="Lato"/>
@@ -11111,7 +11224,7 @@
               <a:t>7</a:t>
             </a:r>
             <a:r>
-              <a:rPr b="1" lang="en" sz="1200">
+              <a:rPr lang="en" sz="1200" b="1">
                 <a:solidFill>
                   <a:schemeClr val="accent1"/>
                 </a:solidFill>
@@ -11122,7 +11235,7 @@
               </a:rPr>
               <a:t>/14</a:t>
             </a:r>
-            <a:endParaRPr b="1" sz="1200">
+            <a:endParaRPr sz="1200" b="1">
               <a:solidFill>
                 <a:schemeClr val="accent1"/>
               </a:solidFill>
@@ -11142,32 +11255,32 @@
   <p:timing>
     <p:tnLst>
       <p:par>
-        <p:cTn dur="indefinite" nodeType="tmRoot" restart="never">
+        <p:cTn id="1" dur="indefinite" restart="never" nodeType="tmRoot">
           <p:childTnLst>
             <p:seq concurrent="1" nextAc="seek">
-              <p:cTn dur="indefinite" id="2" nodeType="mainSeq">
+              <p:cTn id="2" dur="indefinite" nodeType="mainSeq">
                 <p:childTnLst>
                   <p:par>
-                    <p:cTn fill="hold">
+                    <p:cTn id="3" fill="hold">
                       <p:stCondLst>
                         <p:cond delay="indefinite"/>
                       </p:stCondLst>
                       <p:childTnLst>
                         <p:par>
-                          <p:cTn fill="hold">
+                          <p:cTn id="4" fill="hold">
                             <p:stCondLst>
                               <p:cond delay="0"/>
                             </p:stCondLst>
                             <p:childTnLst>
                               <p:par>
-                                <p:cTn fill="hold" nodeType="clickEffect" presetClass="entr" presetID="1" presetSubtype="0">
+                                <p:cTn id="5" presetID="1" presetClass="entr" presetSubtype="0" fill="hold" nodeType="clickEffect">
                                   <p:stCondLst>
                                     <p:cond delay="0"/>
                                   </p:stCondLst>
                                   <p:childTnLst>
                                     <p:set>
                                       <p:cBhvr>
-                                        <p:cTn dur="1" fill="hold">
+                                        <p:cTn id="6" dur="1" fill="hold">
                                           <p:stCondLst>
                                             <p:cond delay="0"/>
                                           </p:stCondLst>
@@ -11195,14 +11308,14 @@
                 </p:childTnLst>
               </p:cTn>
               <p:prevCondLst>
-                <p:cond evt="onPrev">
+                <p:cond evt="onPrev" delay="0">
                   <p:tgtEl>
                     <p:sldTgt/>
                   </p:tgtEl>
                 </p:cond>
               </p:prevCondLst>
               <p:nextCondLst>
-                <p:cond evt="onNext">
+                <p:cond evt="onNext" delay="0">
                   <p:tgtEl>
                     <p:sldTgt/>
                   </p:tgtEl>
@@ -11218,11 +11331,11 @@
 </file>
 
 <file path=ppt/slides/slide8.xml><?xml version="1.0" encoding="utf-8"?>
-<p:sld xmlns:a="http://schemas.openxmlformats.org/drawingml/2006/main" xmlns:r="http://schemas.openxmlformats.org/officeDocument/2006/relationships" xmlns:mc="http://schemas.openxmlformats.org/markup-compatibility/2006" xmlns:mv="urn:schemas-microsoft-com:mac:vml" xmlns:p="http://schemas.openxmlformats.org/presentationml/2006/main" xmlns:c="http://schemas.openxmlformats.org/drawingml/2006/chart" xmlns:dgm="http://schemas.openxmlformats.org/drawingml/2006/diagram" xmlns:o="urn:schemas-microsoft-com:office:office" xmlns:v="urn:schemas-microsoft-com:vml" xmlns:pvml="urn:schemas-microsoft-com:office:powerpoint" xmlns:com="http://schemas.openxmlformats.org/drawingml/2006/compatibility" xmlns:p14="http://schemas.microsoft.com/office/powerpoint/2010/main" xmlns:p15="http://schemas.microsoft.com/office/powerpoint/2012/main" xmlns:ahyp="http://schemas.microsoft.com/office/drawing/2018/hyperlinkcolor">
+<p:sld xmlns:a="http://schemas.openxmlformats.org/drawingml/2006/main" xmlns:r="http://schemas.openxmlformats.org/officeDocument/2006/relationships" xmlns:p="http://schemas.openxmlformats.org/presentationml/2006/main">
   <p:cSld>
     <p:spTree>
       <p:nvGrpSpPr>
-        <p:cNvPr id="135" name="Shape 135"/>
+        <p:cNvPr id="1" name="Shape 135"/>
         <p:cNvGrpSpPr/>
         <p:nvPr/>
       </p:nvGrpSpPr>
@@ -11237,7 +11350,9 @@
       <p:sp>
         <p:nvSpPr>
           <p:cNvPr id="136" name="Google Shape;136;p20"/>
-          <p:cNvSpPr txBox="1"/>
+          <p:cNvSpPr txBox="1">
+            <a:spLocks noGrp="1"/>
+          </p:cNvSpPr>
           <p:nvPr>
             <p:ph type="title"/>
           </p:nvPr>
@@ -11252,12 +11367,12 @@
           </a:prstGeom>
         </p:spPr>
         <p:txBody>
-          <a:bodyPr anchorCtr="0" anchor="t" bIns="91425" lIns="91425" spcFirstLastPara="1" rIns="91425" wrap="square" tIns="91425">
+          <a:bodyPr spcFirstLastPara="1" wrap="square" lIns="91425" tIns="91425" rIns="91425" bIns="91425" anchor="t" anchorCtr="0">
             <a:normAutofit fontScale="90000"/>
           </a:bodyPr>
           <a:lstStyle/>
           <a:p>
-            <a:pPr indent="0" lvl="0" marL="0" rtl="0" algn="l">
+            <a:pPr marL="0" lvl="0" indent="0" algn="l" rtl="0">
               <a:spcBef>
                 <a:spcPts val="0"/>
               </a:spcBef>
@@ -11277,9 +11392,11 @@
       <p:sp>
         <p:nvSpPr>
           <p:cNvPr id="137" name="Google Shape;137;p20"/>
-          <p:cNvSpPr txBox="1"/>
+          <p:cNvSpPr txBox="1">
+            <a:spLocks noGrp="1"/>
+          </p:cNvSpPr>
           <p:nvPr>
-            <p:ph idx="1" type="body"/>
+            <p:ph type="body" idx="1"/>
           </p:nvPr>
         </p:nvSpPr>
         <p:spPr>
@@ -11292,12 +11409,12 @@
           </a:prstGeom>
         </p:spPr>
         <p:txBody>
-          <a:bodyPr anchorCtr="0" anchor="t" bIns="91425" lIns="91425" spcFirstLastPara="1" rIns="91425" wrap="square" tIns="91425">
+          <a:bodyPr spcFirstLastPara="1" wrap="square" lIns="91425" tIns="91425" rIns="91425" bIns="91425" anchor="t" anchorCtr="0">
             <a:noAutofit/>
           </a:bodyPr>
           <a:lstStyle/>
           <a:p>
-            <a:pPr indent="-323850" lvl="0" marL="457200" rtl="0" algn="l">
+            <a:pPr marL="457200" lvl="0" indent="-323850" algn="l" rtl="0">
               <a:spcBef>
                 <a:spcPts val="0"/>
               </a:spcBef>
@@ -11308,13 +11425,13 @@
               <a:buChar char="●"/>
             </a:pPr>
             <a:r>
-              <a:rPr b="1" lang="en" sz="1500"/>
+              <a:rPr lang="en" sz="1500" b="1"/>
               <a:t>We checked for NULL data . </a:t>
             </a:r>
-            <a:endParaRPr b="1" sz="1500"/>
-          </a:p>
-          <a:p>
-            <a:pPr indent="-323850" lvl="0" marL="457200" rtl="0" algn="l">
+            <a:endParaRPr sz="1500" b="1"/>
+          </a:p>
+          <a:p>
+            <a:pPr marL="457200" lvl="0" indent="-323850" algn="l" rtl="0">
               <a:spcBef>
                 <a:spcPts val="0"/>
               </a:spcBef>
@@ -11325,13 +11442,13 @@
               <a:buChar char="●"/>
             </a:pPr>
             <a:r>
-              <a:rPr b="1" lang="en" sz="1500"/>
+              <a:rPr lang="en" sz="1500" b="1"/>
               <a:t>Deletion of duplicates</a:t>
             </a:r>
-            <a:endParaRPr b="1" sz="1500"/>
-          </a:p>
-          <a:p>
-            <a:pPr indent="-323850" lvl="0" marL="457200" rtl="0" algn="l">
+            <a:endParaRPr sz="1500" b="1"/>
+          </a:p>
+          <a:p>
+            <a:pPr marL="457200" lvl="0" indent="-323850" algn="l" rtl="0">
               <a:spcBef>
                 <a:spcPts val="0"/>
               </a:spcBef>
@@ -11342,13 +11459,13 @@
               <a:buChar char="●"/>
             </a:pPr>
             <a:r>
-              <a:rPr b="1" lang="en" sz="1500"/>
+              <a:rPr lang="en" sz="1500" b="1"/>
               <a:t>Data Visualization and Exploratory Data Analysis.</a:t>
             </a:r>
-            <a:endParaRPr b="1" sz="1500"/>
-          </a:p>
-          <a:p>
-            <a:pPr indent="-323850" lvl="0" marL="457200" rtl="0" algn="l">
+            <a:endParaRPr sz="1500" b="1"/>
+          </a:p>
+          <a:p>
+            <a:pPr marL="457200" lvl="0" indent="-323850" algn="l" rtl="0">
               <a:spcBef>
                 <a:spcPts val="0"/>
               </a:spcBef>
@@ -11359,13 +11476,13 @@
               <a:buChar char="●"/>
             </a:pPr>
             <a:r>
-              <a:rPr b="1" lang="en" sz="1500"/>
+              <a:rPr lang="en" sz="1500" b="1"/>
               <a:t>Text cleaning function</a:t>
             </a:r>
-            <a:endParaRPr b="1" sz="1500"/>
-          </a:p>
-          <a:p>
-            <a:pPr indent="-323850" lvl="0" marL="457200" rtl="0" algn="l">
+            <a:endParaRPr sz="1500" b="1"/>
+          </a:p>
+          <a:p>
+            <a:pPr marL="457200" lvl="0" indent="-323850" algn="l" rtl="0">
               <a:spcBef>
                 <a:spcPts val="0"/>
               </a:spcBef>
@@ -11376,10 +11493,10 @@
               <a:buChar char="●"/>
             </a:pPr>
             <a:r>
-              <a:rPr b="1" lang="en" sz="1500"/>
+              <a:rPr lang="en" sz="1500" b="1"/>
               <a:t>Feature Selection or Engineering : Tfidfvectorizer from Sklearn</a:t>
             </a:r>
-            <a:endParaRPr b="1" sz="1500"/>
+            <a:endParaRPr sz="1500" b="1"/>
           </a:p>
         </p:txBody>
       </p:sp>
@@ -11403,12 +11520,12 @@
           </a:ln>
         </p:spPr>
         <p:txBody>
-          <a:bodyPr anchorCtr="0" anchor="t" bIns="91425" lIns="91425" spcFirstLastPara="1" rIns="91425" wrap="square" tIns="91425">
+          <a:bodyPr spcFirstLastPara="1" wrap="square" lIns="91425" tIns="91425" rIns="91425" bIns="91425" anchor="t" anchorCtr="0">
             <a:spAutoFit/>
           </a:bodyPr>
           <a:lstStyle/>
           <a:p>
-            <a:pPr indent="0" lvl="0" marL="0" rtl="0" algn="l">
+            <a:pPr marL="0" lvl="0" indent="0" algn="l" rtl="0">
               <a:spcBef>
                 <a:spcPts val="0"/>
               </a:spcBef>
@@ -11418,7 +11535,7 @@
               <a:buNone/>
             </a:pPr>
             <a:r>
-              <a:rPr b="1" lang="en" sz="1200">
+              <a:rPr lang="en" sz="1200" b="1">
                 <a:latin typeface="Lato"/>
                 <a:ea typeface="Lato"/>
                 <a:cs typeface="Lato"/>
@@ -11427,7 +11544,7 @@
               <a:t>8</a:t>
             </a:r>
             <a:r>
-              <a:rPr b="1" lang="en" sz="1200">
+              <a:rPr lang="en" sz="1200" b="1">
                 <a:solidFill>
                   <a:schemeClr val="accent1"/>
                 </a:solidFill>
@@ -11438,7 +11555,7 @@
               </a:rPr>
               <a:t>/14</a:t>
             </a:r>
-            <a:endParaRPr b="1" sz="1200">
+            <a:endParaRPr sz="1200" b="1">
               <a:solidFill>
                 <a:schemeClr val="accent1"/>
               </a:solidFill>
@@ -11459,11 +11576,11 @@
 </file>
 
 <file path=ppt/slides/slide9.xml><?xml version="1.0" encoding="utf-8"?>
-<p:sld xmlns:a="http://schemas.openxmlformats.org/drawingml/2006/main" xmlns:r="http://schemas.openxmlformats.org/officeDocument/2006/relationships" xmlns:mc="http://schemas.openxmlformats.org/markup-compatibility/2006" xmlns:mv="urn:schemas-microsoft-com:mac:vml" xmlns:p="http://schemas.openxmlformats.org/presentationml/2006/main" xmlns:c="http://schemas.openxmlformats.org/drawingml/2006/chart" xmlns:dgm="http://schemas.openxmlformats.org/drawingml/2006/diagram" xmlns:o="urn:schemas-microsoft-com:office:office" xmlns:v="urn:schemas-microsoft-com:vml" xmlns:pvml="urn:schemas-microsoft-com:office:powerpoint" xmlns:com="http://schemas.openxmlformats.org/drawingml/2006/compatibility" xmlns:p14="http://schemas.microsoft.com/office/powerpoint/2010/main" xmlns:p15="http://schemas.microsoft.com/office/powerpoint/2012/main" xmlns:ahyp="http://schemas.microsoft.com/office/drawing/2018/hyperlinkcolor">
+<p:sld xmlns:a="http://schemas.openxmlformats.org/drawingml/2006/main" xmlns:r="http://schemas.openxmlformats.org/officeDocument/2006/relationships" xmlns:p="http://schemas.openxmlformats.org/presentationml/2006/main">
   <p:cSld>
     <p:spTree>
       <p:nvGrpSpPr>
-        <p:cNvPr id="142" name="Shape 142"/>
+        <p:cNvPr id="1" name="Shape 142"/>
         <p:cNvGrpSpPr/>
         <p:nvPr/>
       </p:nvGrpSpPr>
@@ -11478,7 +11595,9 @@
       <p:sp>
         <p:nvSpPr>
           <p:cNvPr id="143" name="Google Shape;143;p21"/>
-          <p:cNvSpPr txBox="1"/>
+          <p:cNvSpPr txBox="1">
+            <a:spLocks noGrp="1"/>
+          </p:cNvSpPr>
           <p:nvPr>
             <p:ph type="title"/>
           </p:nvPr>
@@ -11493,12 +11612,12 @@
           </a:prstGeom>
         </p:spPr>
         <p:txBody>
-          <a:bodyPr anchorCtr="0" anchor="t" bIns="91425" lIns="91425" spcFirstLastPara="1" rIns="91425" wrap="square" tIns="91425">
+          <a:bodyPr spcFirstLastPara="1" wrap="square" lIns="91425" tIns="91425" rIns="91425" bIns="91425" anchor="t" anchorCtr="0">
             <a:normAutofit/>
           </a:bodyPr>
           <a:lstStyle/>
           <a:p>
-            <a:pPr indent="0" lvl="0" marL="0" rtl="0" algn="l">
+            <a:pPr marL="0" lvl="0" indent="0" algn="l" rtl="0">
               <a:spcBef>
                 <a:spcPts val="0"/>
               </a:spcBef>
@@ -11518,9 +11637,11 @@
       <p:sp>
         <p:nvSpPr>
           <p:cNvPr id="144" name="Google Shape;144;p21"/>
-          <p:cNvSpPr txBox="1"/>
+          <p:cNvSpPr txBox="1">
+            <a:spLocks noGrp="1"/>
+          </p:cNvSpPr>
           <p:nvPr>
-            <p:ph idx="1" type="body"/>
+            <p:ph type="body" idx="1"/>
           </p:nvPr>
         </p:nvSpPr>
         <p:spPr>
@@ -11533,12 +11654,12 @@
           </a:prstGeom>
         </p:spPr>
         <p:txBody>
-          <a:bodyPr anchorCtr="0" anchor="t" bIns="91425" lIns="91425" spcFirstLastPara="1" rIns="91425" wrap="square" tIns="91425">
+          <a:bodyPr spcFirstLastPara="1" wrap="square" lIns="91425" tIns="91425" rIns="91425" bIns="91425" anchor="t" anchorCtr="0">
             <a:normAutofit/>
           </a:bodyPr>
           <a:lstStyle/>
           <a:p>
-            <a:pPr indent="0" lvl="0" marL="0" rtl="0" algn="l">
+            <a:pPr marL="0" lvl="0" indent="0" algn="l" rtl="0">
               <a:spcBef>
                 <a:spcPts val="0"/>
               </a:spcBef>
@@ -11548,13 +11669,13 @@
               <a:buNone/>
             </a:pPr>
             <a:r>
-              <a:rPr b="1" lang="en" sz="1500"/>
+              <a:rPr lang="en" sz="1500" b="1"/>
               <a:t>Algorithms Used: </a:t>
             </a:r>
-            <a:endParaRPr b="1" sz="1500"/>
-          </a:p>
-          <a:p>
-            <a:pPr indent="-323850" lvl="0" marL="457200" rtl="0" algn="l">
+            <a:endParaRPr sz="1500" b="1"/>
+          </a:p>
+          <a:p>
+            <a:pPr marL="457200" lvl="0" indent="-323850" algn="l" rtl="0">
               <a:lnSpc>
                 <a:spcPct val="100000"/>
               </a:lnSpc>
@@ -11568,21 +11689,21 @@
               <a:buChar char="●"/>
             </a:pPr>
             <a:r>
-              <a:rPr b="1" lang="en" sz="1500">
+              <a:rPr lang="en" sz="1500" b="1">
                 <a:highlight>
                   <a:srgbClr val="FFFFFF"/>
                 </a:highlight>
               </a:rPr>
               <a:t>MultinomialNB </a:t>
             </a:r>
-            <a:endParaRPr b="1" sz="1500">
+            <a:endParaRPr sz="1500" b="1">
               <a:highlight>
                 <a:srgbClr val="FFFFFF"/>
               </a:highlight>
             </a:endParaRPr>
           </a:p>
           <a:p>
-            <a:pPr indent="-323850" lvl="0" marL="457200" rtl="0" algn="l">
+            <a:pPr marL="457200" lvl="0" indent="-323850" algn="l" rtl="0">
               <a:lnSpc>
                 <a:spcPct val="100000"/>
               </a:lnSpc>
@@ -11596,21 +11717,21 @@
               <a:buChar char="●"/>
             </a:pPr>
             <a:r>
-              <a:rPr b="1" lang="en" sz="1500">
+              <a:rPr lang="en" sz="1500" b="1">
                 <a:highlight>
                   <a:srgbClr val="FFFFFF"/>
                 </a:highlight>
               </a:rPr>
               <a:t>Support Vector Classification algorithm</a:t>
             </a:r>
-            <a:endParaRPr b="1" sz="1500">
+            <a:endParaRPr sz="1500" b="1">
               <a:highlight>
                 <a:srgbClr val="FFFFFF"/>
               </a:highlight>
             </a:endParaRPr>
           </a:p>
           <a:p>
-            <a:pPr indent="-323850" lvl="0" marL="457200" rtl="0" algn="l">
+            <a:pPr marL="457200" lvl="0" indent="-323850" algn="l" rtl="0">
               <a:spcBef>
                 <a:spcPts val="0"/>
               </a:spcBef>
@@ -11621,13 +11742,13 @@
               <a:buChar char="●"/>
             </a:pPr>
             <a:r>
-              <a:rPr b="1" lang="en" sz="1500"/>
+              <a:rPr lang="en" sz="1500" b="1"/>
               <a:t>LogisticRegression Algorithm</a:t>
             </a:r>
-            <a:endParaRPr b="1" sz="1500"/>
-          </a:p>
-          <a:p>
-            <a:pPr indent="-323850" lvl="0" marL="457200" rtl="0" algn="l">
+            <a:endParaRPr sz="1500" b="1"/>
+          </a:p>
+          <a:p>
+            <a:pPr marL="457200" lvl="0" indent="-323850" algn="l" rtl="0">
               <a:spcBef>
                 <a:spcPts val="0"/>
               </a:spcBef>
@@ -11638,13 +11759,13 @@
               <a:buChar char="●"/>
             </a:pPr>
             <a:r>
-              <a:rPr b="1" lang="en" sz="1500"/>
+              <a:rPr lang="en" sz="1500" b="1"/>
               <a:t>RandomForestClassifier </a:t>
             </a:r>
-            <a:endParaRPr b="1" sz="1500"/>
-          </a:p>
-          <a:p>
-            <a:pPr indent="-323850" lvl="0" marL="457200" rtl="0" algn="l">
+            <a:endParaRPr sz="1500" b="1"/>
+          </a:p>
+          <a:p>
+            <a:pPr marL="457200" lvl="0" indent="-323850" algn="l" rtl="0">
               <a:spcBef>
                 <a:spcPts val="0"/>
               </a:spcBef>
@@ -11655,10 +11776,10 @@
               <a:buChar char="●"/>
             </a:pPr>
             <a:r>
-              <a:rPr b="1" lang="en" sz="1500"/>
+              <a:rPr lang="en" sz="1500" b="1"/>
               <a:t>DecisionTreeClassifier </a:t>
             </a:r>
-            <a:endParaRPr b="1" sz="1500"/>
+            <a:endParaRPr sz="1500" b="1"/>
           </a:p>
         </p:txBody>
       </p:sp>
@@ -11682,12 +11803,12 @@
           </a:ln>
         </p:spPr>
         <p:txBody>
-          <a:bodyPr anchorCtr="0" anchor="t" bIns="91425" lIns="91425" spcFirstLastPara="1" rIns="91425" wrap="square" tIns="91425">
+          <a:bodyPr spcFirstLastPara="1" wrap="square" lIns="91425" tIns="91425" rIns="91425" bIns="91425" anchor="t" anchorCtr="0">
             <a:spAutoFit/>
           </a:bodyPr>
           <a:lstStyle/>
           <a:p>
-            <a:pPr indent="0" lvl="0" marL="0" rtl="0" algn="l">
+            <a:pPr marL="0" lvl="0" indent="0" algn="l" rtl="0">
               <a:spcBef>
                 <a:spcPts val="0"/>
               </a:spcBef>
@@ -11697,7 +11818,7 @@
               <a:buNone/>
             </a:pPr>
             <a:r>
-              <a:rPr b="1" lang="en" sz="1200">
+              <a:rPr lang="en" sz="1200" b="1">
                 <a:latin typeface="Lato"/>
                 <a:ea typeface="Lato"/>
                 <a:cs typeface="Lato"/>
@@ -11706,7 +11827,7 @@
               <a:t>9</a:t>
             </a:r>
             <a:r>
-              <a:rPr b="1" lang="en" sz="1200">
+              <a:rPr lang="en" sz="1200" b="1">
                 <a:solidFill>
                   <a:schemeClr val="accent1"/>
                 </a:solidFill>
@@ -11717,7 +11838,7 @@
               </a:rPr>
               <a:t>/14</a:t>
             </a:r>
-            <a:endParaRPr b="1" sz="1200">
+            <a:endParaRPr sz="1200" b="1">
               <a:solidFill>
                 <a:schemeClr val="accent1"/>
               </a:solidFill>
@@ -11738,7 +11859,7 @@
 </file>
 
 <file path=ppt/theme/theme1.xml><?xml version="1.0" encoding="utf-8"?>
-<a:theme xmlns:a="http://schemas.openxmlformats.org/drawingml/2006/main" xmlns:r="http://schemas.openxmlformats.org/officeDocument/2006/relationships" name="Streamline">
+<a:theme xmlns:a="http://schemas.openxmlformats.org/drawingml/2006/main" name="Streamline">
   <a:themeElements>
     <a:clrScheme name="Streamline">
       <a:dk1>
@@ -12013,11 +12134,13 @@
       </a:bgFillStyleLst>
     </a:fmtScheme>
   </a:themeElements>
+  <a:objectDefaults/>
+  <a:extraClrSchemeLst/>
 </a:theme>
 </file>
 
 <file path=ppt/theme/theme2.xml><?xml version="1.0" encoding="utf-8"?>
-<a:theme xmlns:a="http://schemas.openxmlformats.org/drawingml/2006/main" xmlns:r="http://schemas.openxmlformats.org/officeDocument/2006/relationships">
+<a:theme xmlns:a="http://schemas.openxmlformats.org/drawingml/2006/main">
   <a:themeElements>
     <a:clrScheme name="Default">
       <a:dk1>
@@ -12292,5 +12415,7 @@
       </a:bgFillStyleLst>
     </a:fmtScheme>
   </a:themeElements>
+  <a:objectDefaults/>
+  <a:extraClrSchemeLst/>
 </a:theme>
 </file>